--- a/AppFinal.pptx
+++ b/AppFinal.pptx
@@ -1,38 +1,30 @@
 
 <file path=ppt/presentation.xml><?xml version="1.0" encoding="utf-8"?>
-<p:presentation xmlns:a="http://schemas.openxmlformats.org/drawingml/2006/main" xmlns:r="http://schemas.openxmlformats.org/officeDocument/2006/relationships" xmlns:mc="http://schemas.openxmlformats.org/markup-compatibility/2006" xmlns:mv="urn:schemas-microsoft-com:mac:vml" xmlns:p="http://schemas.openxmlformats.org/presentationml/2006/main" xmlns:c="http://schemas.openxmlformats.org/drawingml/2006/chart" xmlns:dgm="http://schemas.openxmlformats.org/drawingml/2006/diagram" xmlns:o="urn:schemas-microsoft-com:office:office" xmlns:v="urn:schemas-microsoft-com:vml" xmlns:pvml="urn:schemas-microsoft-com:office:powerpoint" xmlns:com="http://schemas.openxmlformats.org/drawingml/2006/compatibility" xmlns:p14="http://schemas.microsoft.com/office/powerpoint/2010/main" autoCompressPictures="0" embedTrueTypeFonts="1" strictFirstAndLastChars="0" saveSubsetFonts="1">
+<p:presentation xmlns:a="http://schemas.openxmlformats.org/drawingml/2006/main" xmlns:r="http://schemas.openxmlformats.org/officeDocument/2006/relationships" xmlns:p="http://schemas.openxmlformats.org/presentationml/2006/main" strictFirstAndLastChars="0" embedTrueTypeFonts="1" saveSubsetFonts="1" autoCompressPictures="0">
   <p:sldMasterIdLst>
-    <p:sldMasterId id="2147483659" r:id="rId4"/>
+    <p:sldMasterId id="2147483659" r:id="rId1"/>
   </p:sldMasterIdLst>
   <p:notesMasterIdLst>
-    <p:notesMasterId r:id="rId5"/>
+    <p:notesMasterId r:id="rId14"/>
   </p:notesMasterIdLst>
   <p:sldIdLst>
-    <p:sldId id="256" r:id="rId6"/>
-    <p:sldId id="257" r:id="rId7"/>
-    <p:sldId id="258" r:id="rId8"/>
-    <p:sldId id="259" r:id="rId9"/>
-    <p:sldId id="260" r:id="rId10"/>
-    <p:sldId id="261" r:id="rId11"/>
-    <p:sldId id="262" r:id="rId12"/>
-    <p:sldId id="263" r:id="rId13"/>
-    <p:sldId id="264" r:id="rId14"/>
-    <p:sldId id="265" r:id="rId15"/>
-    <p:sldId id="266" r:id="rId16"/>
+    <p:sldId id="256" r:id="rId2"/>
+    <p:sldId id="257" r:id="rId3"/>
+    <p:sldId id="258" r:id="rId4"/>
+    <p:sldId id="259" r:id="rId5"/>
+    <p:sldId id="260" r:id="rId6"/>
+    <p:sldId id="261" r:id="rId7"/>
+    <p:sldId id="262" r:id="rId8"/>
+    <p:sldId id="263" r:id="rId9"/>
+    <p:sldId id="264" r:id="rId10"/>
+    <p:sldId id="265" r:id="rId11"/>
+    <p:sldId id="266" r:id="rId12"/>
+    <p:sldId id="267" r:id="rId13"/>
   </p:sldIdLst>
-  <p:sldSz cy="5143500" cx="9144000"/>
+  <p:sldSz cx="9144000" cy="5143500" type="screen16x9"/>
   <p:notesSz cx="6858000" cy="9144000"/>
-  <p:embeddedFontLst>
-    <p:embeddedFont>
-      <p:font typeface="Roboto"/>
-      <p:regular r:id="rId17"/>
-      <p:bold r:id="rId18"/>
-      <p:italic r:id="rId19"/>
-      <p:boldItalic r:id="rId20"/>
-    </p:embeddedFont>
-  </p:embeddedFontLst>
   <p:defaultTextStyle>
-    <a:defPPr lvl="0" marR="0" rtl="0" algn="l">
+    <a:defPPr marR="0" lvl="0" algn="l" rtl="0">
       <a:lnSpc>
         <a:spcPct val="100000"/>
       </a:lnSpc>
@@ -43,7 +35,7 @@
         <a:spcPts val="0"/>
       </a:spcAft>
     </a:defPPr>
-    <a:lvl1pPr lvl="0" marR="0" rtl="0" algn="l">
+    <a:lvl1pPr marR="0" lvl="0" algn="l" rtl="0">
       <a:lnSpc>
         <a:spcPct val="100000"/>
       </a:lnSpc>
@@ -54,7 +46,7 @@
         <a:spcPts val="0"/>
       </a:spcAft>
       <a:buNone/>
-      <a:defRPr b="0" i="0" sz="1400" u="none" cap="none" strike="noStrike">
+      <a:defRPr sz="1400" b="0" i="0" u="none" strike="noStrike" cap="none">
         <a:solidFill>
           <a:srgbClr val="000000"/>
         </a:solidFill>
@@ -64,7 +56,7 @@
         <a:sym typeface="Arial"/>
       </a:defRPr>
     </a:lvl1pPr>
-    <a:lvl2pPr lvl="1" marR="0" rtl="0" algn="l">
+    <a:lvl2pPr marR="0" lvl="1" algn="l" rtl="0">
       <a:lnSpc>
         <a:spcPct val="100000"/>
       </a:lnSpc>
@@ -75,7 +67,7 @@
         <a:spcPts val="0"/>
       </a:spcAft>
       <a:buNone/>
-      <a:defRPr b="0" i="0" sz="1400" u="none" cap="none" strike="noStrike">
+      <a:defRPr sz="1400" b="0" i="0" u="none" strike="noStrike" cap="none">
         <a:solidFill>
           <a:srgbClr val="000000"/>
         </a:solidFill>
@@ -85,7 +77,7 @@
         <a:sym typeface="Arial"/>
       </a:defRPr>
     </a:lvl2pPr>
-    <a:lvl3pPr lvl="2" marR="0" rtl="0" algn="l">
+    <a:lvl3pPr marR="0" lvl="2" algn="l" rtl="0">
       <a:lnSpc>
         <a:spcPct val="100000"/>
       </a:lnSpc>
@@ -96,7 +88,7 @@
         <a:spcPts val="0"/>
       </a:spcAft>
       <a:buNone/>
-      <a:defRPr b="0" i="0" sz="1400" u="none" cap="none" strike="noStrike">
+      <a:defRPr sz="1400" b="0" i="0" u="none" strike="noStrike" cap="none">
         <a:solidFill>
           <a:srgbClr val="000000"/>
         </a:solidFill>
@@ -106,7 +98,7 @@
         <a:sym typeface="Arial"/>
       </a:defRPr>
     </a:lvl3pPr>
-    <a:lvl4pPr lvl="3" marR="0" rtl="0" algn="l">
+    <a:lvl4pPr marR="0" lvl="3" algn="l" rtl="0">
       <a:lnSpc>
         <a:spcPct val="100000"/>
       </a:lnSpc>
@@ -117,7 +109,7 @@
         <a:spcPts val="0"/>
       </a:spcAft>
       <a:buNone/>
-      <a:defRPr b="0" i="0" sz="1400" u="none" cap="none" strike="noStrike">
+      <a:defRPr sz="1400" b="0" i="0" u="none" strike="noStrike" cap="none">
         <a:solidFill>
           <a:srgbClr val="000000"/>
         </a:solidFill>
@@ -127,7 +119,7 @@
         <a:sym typeface="Arial"/>
       </a:defRPr>
     </a:lvl4pPr>
-    <a:lvl5pPr lvl="4" marR="0" rtl="0" algn="l">
+    <a:lvl5pPr marR="0" lvl="4" algn="l" rtl="0">
       <a:lnSpc>
         <a:spcPct val="100000"/>
       </a:lnSpc>
@@ -138,7 +130,7 @@
         <a:spcPts val="0"/>
       </a:spcAft>
       <a:buNone/>
-      <a:defRPr b="0" i="0" sz="1400" u="none" cap="none" strike="noStrike">
+      <a:defRPr sz="1400" b="0" i="0" u="none" strike="noStrike" cap="none">
         <a:solidFill>
           <a:srgbClr val="000000"/>
         </a:solidFill>
@@ -148,7 +140,7 @@
         <a:sym typeface="Arial"/>
       </a:defRPr>
     </a:lvl5pPr>
-    <a:lvl6pPr lvl="5" marR="0" rtl="0" algn="l">
+    <a:lvl6pPr marR="0" lvl="5" algn="l" rtl="0">
       <a:lnSpc>
         <a:spcPct val="100000"/>
       </a:lnSpc>
@@ -159,7 +151,7 @@
         <a:spcPts val="0"/>
       </a:spcAft>
       <a:buNone/>
-      <a:defRPr b="0" i="0" sz="1400" u="none" cap="none" strike="noStrike">
+      <a:defRPr sz="1400" b="0" i="0" u="none" strike="noStrike" cap="none">
         <a:solidFill>
           <a:srgbClr val="000000"/>
         </a:solidFill>
@@ -169,7 +161,7 @@
         <a:sym typeface="Arial"/>
       </a:defRPr>
     </a:lvl6pPr>
-    <a:lvl7pPr lvl="6" marR="0" rtl="0" algn="l">
+    <a:lvl7pPr marR="0" lvl="6" algn="l" rtl="0">
       <a:lnSpc>
         <a:spcPct val="100000"/>
       </a:lnSpc>
@@ -180,7 +172,7 @@
         <a:spcPts val="0"/>
       </a:spcAft>
       <a:buNone/>
-      <a:defRPr b="0" i="0" sz="1400" u="none" cap="none" strike="noStrike">
+      <a:defRPr sz="1400" b="0" i="0" u="none" strike="noStrike" cap="none">
         <a:solidFill>
           <a:srgbClr val="000000"/>
         </a:solidFill>
@@ -190,7 +182,7 @@
         <a:sym typeface="Arial"/>
       </a:defRPr>
     </a:lvl7pPr>
-    <a:lvl8pPr lvl="7" marR="0" rtl="0" algn="l">
+    <a:lvl8pPr marR="0" lvl="7" algn="l" rtl="0">
       <a:lnSpc>
         <a:spcPct val="100000"/>
       </a:lnSpc>
@@ -201,7 +193,7 @@
         <a:spcPts val="0"/>
       </a:spcAft>
       <a:buNone/>
-      <a:defRPr b="0" i="0" sz="1400" u="none" cap="none" strike="noStrike">
+      <a:defRPr sz="1400" b="0" i="0" u="none" strike="noStrike" cap="none">
         <a:solidFill>
           <a:srgbClr val="000000"/>
         </a:solidFill>
@@ -211,7 +203,7 @@
         <a:sym typeface="Arial"/>
       </a:defRPr>
     </a:lvl8pPr>
-    <a:lvl9pPr lvl="8" marR="0" rtl="0" algn="l">
+    <a:lvl9pPr marR="0" lvl="8" algn="l" rtl="0">
       <a:lnSpc>
         <a:spcPct val="100000"/>
       </a:lnSpc>
@@ -222,7 +214,7 @@
         <a:spcPts val="0"/>
       </a:spcAft>
       <a:buNone/>
-      <a:defRPr b="0" i="0" sz="1400" u="none" cap="none" strike="noStrike">
+      <a:defRPr sz="1400" b="0" i="0" u="none" strike="noStrike" cap="none">
         <a:solidFill>
           <a:srgbClr val="000000"/>
         </a:solidFill>
@@ -237,11 +229,16 @@
 </file>
 
 <file path=ppt/notesMasters/notesMaster1.xml><?xml version="1.0" encoding="utf-8"?>
-<p:notesMaster xmlns:a="http://schemas.openxmlformats.org/drawingml/2006/main" xmlns:r="http://schemas.openxmlformats.org/officeDocument/2006/relationships" xmlns:mc="http://schemas.openxmlformats.org/markup-compatibility/2006" xmlns:mv="urn:schemas-microsoft-com:mac:vml" xmlns:p="http://schemas.openxmlformats.org/presentationml/2006/main" xmlns:c="http://schemas.openxmlformats.org/drawingml/2006/chart" xmlns:dgm="http://schemas.openxmlformats.org/drawingml/2006/diagram" xmlns:o="urn:schemas-microsoft-com:office:office" xmlns:v="urn:schemas-microsoft-com:vml" xmlns:pvml="urn:schemas-microsoft-com:office:powerpoint" xmlns:com="http://schemas.openxmlformats.org/drawingml/2006/compatibility" xmlns:p14="http://schemas.microsoft.com/office/powerpoint/2010/main">
+<p:notesMaster xmlns:a="http://schemas.openxmlformats.org/drawingml/2006/main" xmlns:r="http://schemas.openxmlformats.org/officeDocument/2006/relationships" xmlns:p="http://schemas.openxmlformats.org/presentationml/2006/main">
   <p:cSld>
+    <p:bg>
+      <p:bgRef idx="1001">
+        <a:schemeClr val="bg1"/>
+      </p:bgRef>
+    </p:bg>
     <p:spTree>
       <p:nvGrpSpPr>
-        <p:cNvPr id="2" name="Shape 2"/>
+        <p:cNvPr id="1" name="Shape 2"/>
         <p:cNvGrpSpPr/>
         <p:nvPr/>
       </p:nvGrpSpPr>
@@ -256,9 +253,11 @@
       <p:sp>
         <p:nvSpPr>
           <p:cNvPr id="3" name="Shape 3"/>
-          <p:cNvSpPr/>
+          <p:cNvSpPr>
+            <a:spLocks noGrp="1" noRot="1" noChangeAspect="1"/>
+          </p:cNvSpPr>
           <p:nvPr>
-            <p:ph idx="2" type="sldImg"/>
+            <p:ph type="sldImg" idx="2"/>
           </p:nvPr>
         </p:nvSpPr>
         <p:spPr>
@@ -267,8 +266,13 @@
             <a:ext cx="6096075" cy="3429000"/>
           </a:xfrm>
           <a:custGeom>
+            <a:avLst/>
+            <a:gdLst/>
+            <a:ahLst/>
+            <a:cxnLst/>
+            <a:rect l="0" t="0" r="0" b="0"/>
             <a:pathLst>
-              <a:path extrusionOk="0" h="120000" w="120000">
+              <a:path w="120000" h="120000" extrusionOk="0">
                 <a:moveTo>
                   <a:pt x="0" y="0"/>
                 </a:moveTo>
@@ -286,23 +290,25 @@
             </a:pathLst>
           </a:custGeom>
           <a:noFill/>
-          <a:ln cap="flat" cmpd="sng" w="9525">
+          <a:ln w="9525" cap="flat" cmpd="sng">
             <a:solidFill>
               <a:srgbClr val="000000"/>
             </a:solidFill>
             <a:prstDash val="solid"/>
             <a:round/>
-            <a:headEnd len="med" w="med" type="none"/>
-            <a:tailEnd len="med" w="med" type="none"/>
+            <a:headEnd type="none" w="med" len="med"/>
+            <a:tailEnd type="none" w="med" len="med"/>
           </a:ln>
         </p:spPr>
       </p:sp>
       <p:sp>
         <p:nvSpPr>
           <p:cNvPr id="4" name="Shape 4"/>
-          <p:cNvSpPr txBox="1"/>
+          <p:cNvSpPr txBox="1">
+            <a:spLocks noGrp="1"/>
+          </p:cNvSpPr>
           <p:nvPr>
-            <p:ph idx="1" type="body"/>
+            <p:ph type="body" idx="1"/>
           </p:nvPr>
         </p:nvSpPr>
         <p:spPr>
@@ -319,7 +325,7 @@
           </a:ln>
         </p:spPr>
         <p:txBody>
-          <a:bodyPr anchorCtr="0" anchor="t" bIns="91425" lIns="91425" rIns="91425" tIns="91425"/>
+          <a:bodyPr lIns="91425" tIns="91425" rIns="91425" bIns="91425" anchor="t" anchorCtr="0"/>
           <a:lstStyle>
             <a:lvl1pPr lvl="0">
               <a:spcBef>
@@ -376,21 +382,120 @@
               <a:defRPr sz="1100"/>
             </a:lvl9pPr>
           </a:lstStyle>
-          <a:p/>
+          <a:p>
+            <a:endParaRPr/>
+          </a:p>
         </p:txBody>
       </p:sp>
     </p:spTree>
+    <p:extLst>
+      <p:ext uri="{BB962C8B-B14F-4D97-AF65-F5344CB8AC3E}">
+        <p14:creationId xmlns:p14="http://schemas.microsoft.com/office/powerpoint/2010/main" val="1697088595"/>
+      </p:ext>
+    </p:extLst>
   </p:cSld>
-  <p:clrMap accent1="accent1" accent2="accent2" accent3="accent3" accent4="accent4" accent5="accent5" accent6="accent6" bg1="lt1" bg2="dk2" tx1="dk1" tx2="lt2" folHlink="folHlink" hlink="hlink"/>
+  <p:clrMap bg1="lt1" tx1="dk1" bg2="dk2" tx2="lt2" accent1="accent1" accent2="accent2" accent3="accent3" accent4="accent4" accent5="accent5" accent6="accent6" hlink="hlink" folHlink="folHlink"/>
+  <p:notesStyle>
+    <a:lvl1pPr marL="0" algn="l" defTabSz="457200" rtl="0" eaLnBrk="1" latinLnBrk="0" hangingPunct="1">
+      <a:defRPr sz="1200" kern="1200">
+        <a:solidFill>
+          <a:schemeClr val="tx1"/>
+        </a:solidFill>
+        <a:latin typeface="+mn-lt"/>
+        <a:ea typeface="+mn-ea"/>
+        <a:cs typeface="+mn-cs"/>
+      </a:defRPr>
+    </a:lvl1pPr>
+    <a:lvl2pPr marL="457200" algn="l" defTabSz="457200" rtl="0" eaLnBrk="1" latinLnBrk="0" hangingPunct="1">
+      <a:defRPr sz="1200" kern="1200">
+        <a:solidFill>
+          <a:schemeClr val="tx1"/>
+        </a:solidFill>
+        <a:latin typeface="+mn-lt"/>
+        <a:ea typeface="+mn-ea"/>
+        <a:cs typeface="+mn-cs"/>
+      </a:defRPr>
+    </a:lvl2pPr>
+    <a:lvl3pPr marL="914400" algn="l" defTabSz="457200" rtl="0" eaLnBrk="1" latinLnBrk="0" hangingPunct="1">
+      <a:defRPr sz="1200" kern="1200">
+        <a:solidFill>
+          <a:schemeClr val="tx1"/>
+        </a:solidFill>
+        <a:latin typeface="+mn-lt"/>
+        <a:ea typeface="+mn-ea"/>
+        <a:cs typeface="+mn-cs"/>
+      </a:defRPr>
+    </a:lvl3pPr>
+    <a:lvl4pPr marL="1371600" algn="l" defTabSz="457200" rtl="0" eaLnBrk="1" latinLnBrk="0" hangingPunct="1">
+      <a:defRPr sz="1200" kern="1200">
+        <a:solidFill>
+          <a:schemeClr val="tx1"/>
+        </a:solidFill>
+        <a:latin typeface="+mn-lt"/>
+        <a:ea typeface="+mn-ea"/>
+        <a:cs typeface="+mn-cs"/>
+      </a:defRPr>
+    </a:lvl4pPr>
+    <a:lvl5pPr marL="1828800" algn="l" defTabSz="457200" rtl="0" eaLnBrk="1" latinLnBrk="0" hangingPunct="1">
+      <a:defRPr sz="1200" kern="1200">
+        <a:solidFill>
+          <a:schemeClr val="tx1"/>
+        </a:solidFill>
+        <a:latin typeface="+mn-lt"/>
+        <a:ea typeface="+mn-ea"/>
+        <a:cs typeface="+mn-cs"/>
+      </a:defRPr>
+    </a:lvl5pPr>
+    <a:lvl6pPr marL="2286000" algn="l" defTabSz="457200" rtl="0" eaLnBrk="1" latinLnBrk="0" hangingPunct="1">
+      <a:defRPr sz="1200" kern="1200">
+        <a:solidFill>
+          <a:schemeClr val="tx1"/>
+        </a:solidFill>
+        <a:latin typeface="+mn-lt"/>
+        <a:ea typeface="+mn-ea"/>
+        <a:cs typeface="+mn-cs"/>
+      </a:defRPr>
+    </a:lvl6pPr>
+    <a:lvl7pPr marL="2743200" algn="l" defTabSz="457200" rtl="0" eaLnBrk="1" latinLnBrk="0" hangingPunct="1">
+      <a:defRPr sz="1200" kern="1200">
+        <a:solidFill>
+          <a:schemeClr val="tx1"/>
+        </a:solidFill>
+        <a:latin typeface="+mn-lt"/>
+        <a:ea typeface="+mn-ea"/>
+        <a:cs typeface="+mn-cs"/>
+      </a:defRPr>
+    </a:lvl7pPr>
+    <a:lvl8pPr marL="3200400" algn="l" defTabSz="457200" rtl="0" eaLnBrk="1" latinLnBrk="0" hangingPunct="1">
+      <a:defRPr sz="1200" kern="1200">
+        <a:solidFill>
+          <a:schemeClr val="tx1"/>
+        </a:solidFill>
+        <a:latin typeface="+mn-lt"/>
+        <a:ea typeface="+mn-ea"/>
+        <a:cs typeface="+mn-cs"/>
+      </a:defRPr>
+    </a:lvl8pPr>
+    <a:lvl9pPr marL="3657600" algn="l" defTabSz="457200" rtl="0" eaLnBrk="1" latinLnBrk="0" hangingPunct="1">
+      <a:defRPr sz="1200" kern="1200">
+        <a:solidFill>
+          <a:schemeClr val="tx1"/>
+        </a:solidFill>
+        <a:latin typeface="+mn-lt"/>
+        <a:ea typeface="+mn-ea"/>
+        <a:cs typeface="+mn-cs"/>
+      </a:defRPr>
+    </a:lvl9pPr>
+  </p:notesStyle>
 </p:notesMaster>
 </file>
 
 <file path=ppt/notesSlides/notesSlide1.xml><?xml version="1.0" encoding="utf-8"?>
-<p:notes xmlns:a="http://schemas.openxmlformats.org/drawingml/2006/main" xmlns:r="http://schemas.openxmlformats.org/officeDocument/2006/relationships" xmlns:mc="http://schemas.openxmlformats.org/markup-compatibility/2006" xmlns:mv="urn:schemas-microsoft-com:mac:vml" xmlns:p="http://schemas.openxmlformats.org/presentationml/2006/main" xmlns:c="http://schemas.openxmlformats.org/drawingml/2006/chart" xmlns:dgm="http://schemas.openxmlformats.org/drawingml/2006/diagram" xmlns:o="urn:schemas-microsoft-com:office:office" xmlns:v="urn:schemas-microsoft-com:vml" xmlns:pvml="urn:schemas-microsoft-com:office:powerpoint" xmlns:com="http://schemas.openxmlformats.org/drawingml/2006/compatibility" xmlns:p14="http://schemas.microsoft.com/office/powerpoint/2010/main" showMasterPhAnim="0" showMasterSp="0">
+<p:notes xmlns:a="http://schemas.openxmlformats.org/drawingml/2006/main" xmlns:r="http://schemas.openxmlformats.org/officeDocument/2006/relationships" xmlns:p="http://schemas.openxmlformats.org/presentationml/2006/main" showMasterSp="0" showMasterPhAnim="0">
   <p:cSld>
     <p:spTree>
       <p:nvGrpSpPr>
-        <p:cNvPr id="81" name="Shape 81"/>
+        <p:cNvPr id="1" name="Shape 81"/>
         <p:cNvGrpSpPr/>
         <p:nvPr/>
       </p:nvGrpSpPr>
@@ -405,9 +510,11 @@
       <p:sp>
         <p:nvSpPr>
           <p:cNvPr id="82" name="Shape 82"/>
-          <p:cNvSpPr/>
+          <p:cNvSpPr>
+            <a:spLocks noGrp="1" noRot="1" noChangeAspect="1"/>
+          </p:cNvSpPr>
           <p:nvPr>
-            <p:ph idx="2" type="sldImg"/>
+            <p:ph type="sldImg" idx="2"/>
           </p:nvPr>
         </p:nvSpPr>
         <p:spPr>
@@ -416,8 +523,13 @@
             <a:ext cx="6096075" cy="3429000"/>
           </a:xfrm>
           <a:custGeom>
+            <a:avLst/>
+            <a:gdLst/>
+            <a:ahLst/>
+            <a:cxnLst/>
+            <a:rect l="0" t="0" r="0" b="0"/>
             <a:pathLst>
-              <a:path extrusionOk="0" h="120000" w="120000">
+              <a:path w="120000" h="120000" extrusionOk="0">
                 <a:moveTo>
                   <a:pt x="0" y="0"/>
                 </a:moveTo>
@@ -439,9 +551,11 @@
       <p:sp>
         <p:nvSpPr>
           <p:cNvPr id="83" name="Shape 83"/>
-          <p:cNvSpPr txBox="1"/>
+          <p:cNvSpPr txBox="1">
+            <a:spLocks noGrp="1"/>
+          </p:cNvSpPr>
           <p:nvPr>
-            <p:ph idx="1" type="body"/>
+            <p:ph type="body" idx="1"/>
           </p:nvPr>
         </p:nvSpPr>
         <p:spPr>
@@ -454,7 +568,7 @@
           </a:prstGeom>
         </p:spPr>
         <p:txBody>
-          <a:bodyPr anchorCtr="0" anchor="t" bIns="91425" lIns="91425" rIns="91425" tIns="91425">
+          <a:bodyPr lIns="91425" tIns="91425" rIns="91425" bIns="91425" anchor="t" anchorCtr="0">
             <a:noAutofit/>
           </a:bodyPr>
           <a:lstStyle/>
@@ -465,9 +579,6 @@
               </a:spcBef>
               <a:buNone/>
             </a:pPr>
-            <a:r>
-              <a:t/>
-            </a:r>
             <a:endParaRPr/>
           </a:p>
         </p:txBody>
@@ -481,11 +592,11 @@
 </file>
 
 <file path=ppt/notesSlides/notesSlide10.xml><?xml version="1.0" encoding="utf-8"?>
-<p:notes xmlns:a="http://schemas.openxmlformats.org/drawingml/2006/main" xmlns:r="http://schemas.openxmlformats.org/officeDocument/2006/relationships" xmlns:mc="http://schemas.openxmlformats.org/markup-compatibility/2006" xmlns:mv="urn:schemas-microsoft-com:mac:vml" xmlns:p="http://schemas.openxmlformats.org/presentationml/2006/main" xmlns:c="http://schemas.openxmlformats.org/drawingml/2006/chart" xmlns:dgm="http://schemas.openxmlformats.org/drawingml/2006/diagram" xmlns:o="urn:schemas-microsoft-com:office:office" xmlns:v="urn:schemas-microsoft-com:vml" xmlns:pvml="urn:schemas-microsoft-com:office:powerpoint" xmlns:com="http://schemas.openxmlformats.org/drawingml/2006/compatibility" xmlns:p14="http://schemas.microsoft.com/office/powerpoint/2010/main" showMasterPhAnim="0" showMasterSp="0">
+<p:notes xmlns:a="http://schemas.openxmlformats.org/drawingml/2006/main" xmlns:r="http://schemas.openxmlformats.org/officeDocument/2006/relationships" xmlns:p="http://schemas.openxmlformats.org/presentationml/2006/main" showMasterSp="0" showMasterPhAnim="0">
   <p:cSld>
     <p:spTree>
       <p:nvGrpSpPr>
-        <p:cNvPr id="137" name="Shape 137"/>
+        <p:cNvPr id="1" name="Shape 137"/>
         <p:cNvGrpSpPr/>
         <p:nvPr/>
       </p:nvGrpSpPr>
@@ -500,9 +611,11 @@
       <p:sp>
         <p:nvSpPr>
           <p:cNvPr id="138" name="Shape 138"/>
-          <p:cNvSpPr/>
+          <p:cNvSpPr>
+            <a:spLocks noGrp="1" noRot="1" noChangeAspect="1"/>
+          </p:cNvSpPr>
           <p:nvPr>
-            <p:ph idx="2" type="sldImg"/>
+            <p:ph type="sldImg" idx="2"/>
           </p:nvPr>
         </p:nvSpPr>
         <p:spPr>
@@ -511,8 +624,13 @@
             <a:ext cx="6096000" cy="3429000"/>
           </a:xfrm>
           <a:custGeom>
+            <a:avLst/>
+            <a:gdLst/>
+            <a:ahLst/>
+            <a:cxnLst/>
+            <a:rect l="0" t="0" r="0" b="0"/>
             <a:pathLst>
-              <a:path extrusionOk="0" h="120000" w="120000">
+              <a:path w="120000" h="120000" extrusionOk="0">
                 <a:moveTo>
                   <a:pt x="0" y="0"/>
                 </a:moveTo>
@@ -534,9 +652,11 @@
       <p:sp>
         <p:nvSpPr>
           <p:cNvPr id="139" name="Shape 139"/>
-          <p:cNvSpPr txBox="1"/>
+          <p:cNvSpPr txBox="1">
+            <a:spLocks noGrp="1"/>
+          </p:cNvSpPr>
           <p:nvPr>
-            <p:ph idx="1" type="body"/>
+            <p:ph type="body" idx="1"/>
           </p:nvPr>
         </p:nvSpPr>
         <p:spPr>
@@ -549,7 +669,7 @@
           </a:prstGeom>
         </p:spPr>
         <p:txBody>
-          <a:bodyPr anchorCtr="0" anchor="t" bIns="91425" lIns="91425" rIns="91425" tIns="91425">
+          <a:bodyPr lIns="91425" tIns="91425" rIns="91425" bIns="91425" anchor="t" anchorCtr="0">
             <a:noAutofit/>
           </a:bodyPr>
           <a:lstStyle/>
@@ -560,9 +680,6 @@
               </a:spcBef>
               <a:buNone/>
             </a:pPr>
-            <a:r>
-              <a:t/>
-            </a:r>
             <a:endParaRPr/>
           </a:p>
         </p:txBody>
@@ -576,11 +693,11 @@
 </file>
 
 <file path=ppt/notesSlides/notesSlide11.xml><?xml version="1.0" encoding="utf-8"?>
-<p:notes xmlns:a="http://schemas.openxmlformats.org/drawingml/2006/main" xmlns:r="http://schemas.openxmlformats.org/officeDocument/2006/relationships" xmlns:mc="http://schemas.openxmlformats.org/markup-compatibility/2006" xmlns:mv="urn:schemas-microsoft-com:mac:vml" xmlns:p="http://schemas.openxmlformats.org/presentationml/2006/main" xmlns:c="http://schemas.openxmlformats.org/drawingml/2006/chart" xmlns:dgm="http://schemas.openxmlformats.org/drawingml/2006/diagram" xmlns:o="urn:schemas-microsoft-com:office:office" xmlns:v="urn:schemas-microsoft-com:vml" xmlns:pvml="urn:schemas-microsoft-com:office:powerpoint" xmlns:com="http://schemas.openxmlformats.org/drawingml/2006/compatibility" xmlns:p14="http://schemas.microsoft.com/office/powerpoint/2010/main" showMasterPhAnim="0" showMasterSp="0">
+<p:notes xmlns:a="http://schemas.openxmlformats.org/drawingml/2006/main" xmlns:r="http://schemas.openxmlformats.org/officeDocument/2006/relationships" xmlns:p="http://schemas.openxmlformats.org/presentationml/2006/main" showMasterSp="0" showMasterPhAnim="0">
   <p:cSld>
     <p:spTree>
       <p:nvGrpSpPr>
-        <p:cNvPr id="144" name="Shape 144"/>
+        <p:cNvPr id="1" name="Shape 146"/>
         <p:cNvGrpSpPr/>
         <p:nvPr/>
       </p:nvGrpSpPr>
@@ -594,10 +711,12 @@
       </p:grpSpPr>
       <p:sp>
         <p:nvSpPr>
-          <p:cNvPr id="145" name="Shape 145"/>
-          <p:cNvSpPr/>
+          <p:cNvPr id="147" name="Shape 147"/>
+          <p:cNvSpPr>
+            <a:spLocks noGrp="1" noRot="1" noChangeAspect="1"/>
+          </p:cNvSpPr>
           <p:nvPr>
-            <p:ph idx="2" type="sldImg"/>
+            <p:ph type="sldImg" idx="2"/>
           </p:nvPr>
         </p:nvSpPr>
         <p:spPr>
@@ -606,8 +725,13 @@
             <a:ext cx="6096000" cy="3429000"/>
           </a:xfrm>
           <a:custGeom>
+            <a:avLst/>
+            <a:gdLst/>
+            <a:ahLst/>
+            <a:cxnLst/>
+            <a:rect l="0" t="0" r="0" b="0"/>
             <a:pathLst>
-              <a:path extrusionOk="0" h="120000" w="120000">
+              <a:path w="120000" h="120000" extrusionOk="0">
                 <a:moveTo>
                   <a:pt x="0" y="0"/>
                 </a:moveTo>
@@ -628,10 +752,12 @@
       </p:sp>
       <p:sp>
         <p:nvSpPr>
-          <p:cNvPr id="146" name="Shape 146"/>
-          <p:cNvSpPr txBox="1"/>
+          <p:cNvPr id="148" name="Shape 148"/>
+          <p:cNvSpPr txBox="1">
+            <a:spLocks noGrp="1"/>
+          </p:cNvSpPr>
           <p:nvPr>
-            <p:ph idx="1" type="body"/>
+            <p:ph type="body" idx="1"/>
           </p:nvPr>
         </p:nvSpPr>
         <p:spPr>
@@ -644,7 +770,7 @@
           </a:prstGeom>
         </p:spPr>
         <p:txBody>
-          <a:bodyPr anchorCtr="0" anchor="t" bIns="91425" lIns="91425" rIns="91425" tIns="91425">
+          <a:bodyPr lIns="91425" tIns="91425" rIns="91425" bIns="91425" anchor="t" anchorCtr="0">
             <a:noAutofit/>
           </a:bodyPr>
           <a:lstStyle/>
@@ -655,9 +781,107 @@
               </a:spcBef>
               <a:buNone/>
             </a:pPr>
-            <a:r>
-              <a:t/>
-            </a:r>
+            <a:endParaRPr/>
+          </a:p>
+        </p:txBody>
+      </p:sp>
+    </p:spTree>
+  </p:cSld>
+  <p:clrMapOvr>
+    <a:masterClrMapping/>
+  </p:clrMapOvr>
+</p:notes>
+</file>
+
+<file path=ppt/notesSlides/notesSlide12.xml><?xml version="1.0" encoding="utf-8"?>
+<p:notes xmlns:a="http://schemas.openxmlformats.org/drawingml/2006/main" xmlns:r="http://schemas.openxmlformats.org/officeDocument/2006/relationships" xmlns:p="http://schemas.openxmlformats.org/presentationml/2006/main" showMasterSp="0" showMasterPhAnim="0">
+  <p:cSld>
+    <p:spTree>
+      <p:nvGrpSpPr>
+        <p:cNvPr id="1" name="Shape 153"/>
+        <p:cNvGrpSpPr/>
+        <p:nvPr/>
+      </p:nvGrpSpPr>
+      <p:grpSpPr>
+        <a:xfrm>
+          <a:off x="0" y="0"/>
+          <a:ext cx="0" cy="0"/>
+          <a:chOff x="0" y="0"/>
+          <a:chExt cx="0" cy="0"/>
+        </a:xfrm>
+      </p:grpSpPr>
+      <p:sp>
+        <p:nvSpPr>
+          <p:cNvPr id="154" name="Shape 154"/>
+          <p:cNvSpPr>
+            <a:spLocks noGrp="1" noRot="1" noChangeAspect="1"/>
+          </p:cNvSpPr>
+          <p:nvPr>
+            <p:ph type="sldImg" idx="2"/>
+          </p:nvPr>
+        </p:nvSpPr>
+        <p:spPr>
+          <a:xfrm>
+            <a:off x="381300" y="685800"/>
+            <a:ext cx="6096000" cy="3429000"/>
+          </a:xfrm>
+          <a:custGeom>
+            <a:avLst/>
+            <a:gdLst/>
+            <a:ahLst/>
+            <a:cxnLst/>
+            <a:rect l="0" t="0" r="0" b="0"/>
+            <a:pathLst>
+              <a:path w="120000" h="120000" extrusionOk="0">
+                <a:moveTo>
+                  <a:pt x="0" y="0"/>
+                </a:moveTo>
+                <a:lnTo>
+                  <a:pt x="120000" y="0"/>
+                </a:lnTo>
+                <a:lnTo>
+                  <a:pt x="120000" y="120000"/>
+                </a:lnTo>
+                <a:lnTo>
+                  <a:pt x="0" y="120000"/>
+                </a:lnTo>
+                <a:close/>
+              </a:path>
+            </a:pathLst>
+          </a:custGeom>
+        </p:spPr>
+      </p:sp>
+      <p:sp>
+        <p:nvSpPr>
+          <p:cNvPr id="155" name="Shape 155"/>
+          <p:cNvSpPr txBox="1">
+            <a:spLocks noGrp="1"/>
+          </p:cNvSpPr>
+          <p:nvPr>
+            <p:ph type="body" idx="1"/>
+          </p:nvPr>
+        </p:nvSpPr>
+        <p:spPr>
+          <a:xfrm>
+            <a:off x="685800" y="4343400"/>
+            <a:ext cx="5486400" cy="4114800"/>
+          </a:xfrm>
+          <a:prstGeom prst="rect">
+            <a:avLst/>
+          </a:prstGeom>
+        </p:spPr>
+        <p:txBody>
+          <a:bodyPr lIns="91425" tIns="91425" rIns="91425" bIns="91425" anchor="t" anchorCtr="0">
+            <a:noAutofit/>
+          </a:bodyPr>
+          <a:lstStyle/>
+          <a:p>
+            <a:pPr lvl="0" rtl="0">
+              <a:spcBef>
+                <a:spcPts val="0"/>
+              </a:spcBef>
+              <a:buNone/>
+            </a:pPr>
             <a:endParaRPr/>
           </a:p>
         </p:txBody>
@@ -671,11 +895,11 @@
 </file>
 
 <file path=ppt/notesSlides/notesSlide2.xml><?xml version="1.0" encoding="utf-8"?>
-<p:notes xmlns:a="http://schemas.openxmlformats.org/drawingml/2006/main" xmlns:r="http://schemas.openxmlformats.org/officeDocument/2006/relationships" xmlns:mc="http://schemas.openxmlformats.org/markup-compatibility/2006" xmlns:mv="urn:schemas-microsoft-com:mac:vml" xmlns:p="http://schemas.openxmlformats.org/presentationml/2006/main" xmlns:c="http://schemas.openxmlformats.org/drawingml/2006/chart" xmlns:dgm="http://schemas.openxmlformats.org/drawingml/2006/diagram" xmlns:o="urn:schemas-microsoft-com:office:office" xmlns:v="urn:schemas-microsoft-com:vml" xmlns:pvml="urn:schemas-microsoft-com:office:powerpoint" xmlns:com="http://schemas.openxmlformats.org/drawingml/2006/compatibility" xmlns:p14="http://schemas.microsoft.com/office/powerpoint/2010/main" showMasterPhAnim="0" showMasterSp="0">
+<p:notes xmlns:a="http://schemas.openxmlformats.org/drawingml/2006/main" xmlns:r="http://schemas.openxmlformats.org/officeDocument/2006/relationships" xmlns:p="http://schemas.openxmlformats.org/presentationml/2006/main" showMasterSp="0" showMasterPhAnim="0">
   <p:cSld>
     <p:spTree>
       <p:nvGrpSpPr>
-        <p:cNvPr id="87" name="Shape 87"/>
+        <p:cNvPr id="1" name="Shape 87"/>
         <p:cNvGrpSpPr/>
         <p:nvPr/>
       </p:nvGrpSpPr>
@@ -690,9 +914,11 @@
       <p:sp>
         <p:nvSpPr>
           <p:cNvPr id="88" name="Shape 88"/>
-          <p:cNvSpPr/>
+          <p:cNvSpPr>
+            <a:spLocks noGrp="1" noRot="1" noChangeAspect="1"/>
+          </p:cNvSpPr>
           <p:nvPr>
-            <p:ph idx="2" type="sldImg"/>
+            <p:ph type="sldImg" idx="2"/>
           </p:nvPr>
         </p:nvSpPr>
         <p:spPr>
@@ -701,8 +927,13 @@
             <a:ext cx="6096000" cy="3429000"/>
           </a:xfrm>
           <a:custGeom>
+            <a:avLst/>
+            <a:gdLst/>
+            <a:ahLst/>
+            <a:cxnLst/>
+            <a:rect l="0" t="0" r="0" b="0"/>
             <a:pathLst>
-              <a:path extrusionOk="0" h="120000" w="120000">
+              <a:path w="120000" h="120000" extrusionOk="0">
                 <a:moveTo>
                   <a:pt x="0" y="0"/>
                 </a:moveTo>
@@ -724,9 +955,11 @@
       <p:sp>
         <p:nvSpPr>
           <p:cNvPr id="89" name="Shape 89"/>
-          <p:cNvSpPr txBox="1"/>
+          <p:cNvSpPr txBox="1">
+            <a:spLocks noGrp="1"/>
+          </p:cNvSpPr>
           <p:nvPr>
-            <p:ph idx="1" type="body"/>
+            <p:ph type="body" idx="1"/>
           </p:nvPr>
         </p:nvSpPr>
         <p:spPr>
@@ -739,7 +972,7 @@
           </a:prstGeom>
         </p:spPr>
         <p:txBody>
-          <a:bodyPr anchorCtr="0" anchor="t" bIns="91425" lIns="91425" rIns="91425" tIns="91425">
+          <a:bodyPr lIns="91425" tIns="91425" rIns="91425" bIns="91425" anchor="t" anchorCtr="0">
             <a:noAutofit/>
           </a:bodyPr>
           <a:lstStyle/>
@@ -750,9 +983,6 @@
               </a:spcBef>
               <a:buNone/>
             </a:pPr>
-            <a:r>
-              <a:t/>
-            </a:r>
             <a:endParaRPr/>
           </a:p>
         </p:txBody>
@@ -766,11 +996,11 @@
 </file>
 
 <file path=ppt/notesSlides/notesSlide3.xml><?xml version="1.0" encoding="utf-8"?>
-<p:notes xmlns:a="http://schemas.openxmlformats.org/drawingml/2006/main" xmlns:r="http://schemas.openxmlformats.org/officeDocument/2006/relationships" xmlns:mc="http://schemas.openxmlformats.org/markup-compatibility/2006" xmlns:mv="urn:schemas-microsoft-com:mac:vml" xmlns:p="http://schemas.openxmlformats.org/presentationml/2006/main" xmlns:c="http://schemas.openxmlformats.org/drawingml/2006/chart" xmlns:dgm="http://schemas.openxmlformats.org/drawingml/2006/diagram" xmlns:o="urn:schemas-microsoft-com:office:office" xmlns:v="urn:schemas-microsoft-com:vml" xmlns:pvml="urn:schemas-microsoft-com:office:powerpoint" xmlns:com="http://schemas.openxmlformats.org/drawingml/2006/compatibility" xmlns:p14="http://schemas.microsoft.com/office/powerpoint/2010/main" showMasterPhAnim="0" showMasterSp="0">
+<p:notes xmlns:a="http://schemas.openxmlformats.org/drawingml/2006/main" xmlns:r="http://schemas.openxmlformats.org/officeDocument/2006/relationships" xmlns:p="http://schemas.openxmlformats.org/presentationml/2006/main" showMasterSp="0" showMasterPhAnim="0">
   <p:cSld>
     <p:spTree>
       <p:nvGrpSpPr>
-        <p:cNvPr id="93" name="Shape 93"/>
+        <p:cNvPr id="1" name="Shape 93"/>
         <p:cNvGrpSpPr/>
         <p:nvPr/>
       </p:nvGrpSpPr>
@@ -785,9 +1015,11 @@
       <p:sp>
         <p:nvSpPr>
           <p:cNvPr id="94" name="Shape 94"/>
-          <p:cNvSpPr/>
+          <p:cNvSpPr>
+            <a:spLocks noGrp="1" noRot="1" noChangeAspect="1"/>
+          </p:cNvSpPr>
           <p:nvPr>
-            <p:ph idx="2" type="sldImg"/>
+            <p:ph type="sldImg" idx="2"/>
           </p:nvPr>
         </p:nvSpPr>
         <p:spPr>
@@ -796,8 +1028,13 @@
             <a:ext cx="6096000" cy="3429000"/>
           </a:xfrm>
           <a:custGeom>
+            <a:avLst/>
+            <a:gdLst/>
+            <a:ahLst/>
+            <a:cxnLst/>
+            <a:rect l="0" t="0" r="0" b="0"/>
             <a:pathLst>
-              <a:path extrusionOk="0" h="120000" w="120000">
+              <a:path w="120000" h="120000" extrusionOk="0">
                 <a:moveTo>
                   <a:pt x="0" y="0"/>
                 </a:moveTo>
@@ -819,9 +1056,11 @@
       <p:sp>
         <p:nvSpPr>
           <p:cNvPr id="95" name="Shape 95"/>
-          <p:cNvSpPr txBox="1"/>
+          <p:cNvSpPr txBox="1">
+            <a:spLocks noGrp="1"/>
+          </p:cNvSpPr>
           <p:nvPr>
-            <p:ph idx="1" type="body"/>
+            <p:ph type="body" idx="1"/>
           </p:nvPr>
         </p:nvSpPr>
         <p:spPr>
@@ -834,7 +1073,7 @@
           </a:prstGeom>
         </p:spPr>
         <p:txBody>
-          <a:bodyPr anchorCtr="0" anchor="t" bIns="91425" lIns="91425" rIns="91425" tIns="91425">
+          <a:bodyPr lIns="91425" tIns="91425" rIns="91425" bIns="91425" anchor="t" anchorCtr="0">
             <a:noAutofit/>
           </a:bodyPr>
           <a:lstStyle/>
@@ -845,9 +1084,6 @@
               </a:spcBef>
               <a:buNone/>
             </a:pPr>
-            <a:r>
-              <a:t/>
-            </a:r>
             <a:endParaRPr/>
           </a:p>
         </p:txBody>
@@ -861,11 +1097,11 @@
 </file>
 
 <file path=ppt/notesSlides/notesSlide4.xml><?xml version="1.0" encoding="utf-8"?>
-<p:notes xmlns:a="http://schemas.openxmlformats.org/drawingml/2006/main" xmlns:r="http://schemas.openxmlformats.org/officeDocument/2006/relationships" xmlns:mc="http://schemas.openxmlformats.org/markup-compatibility/2006" xmlns:mv="urn:schemas-microsoft-com:mac:vml" xmlns:p="http://schemas.openxmlformats.org/presentationml/2006/main" xmlns:c="http://schemas.openxmlformats.org/drawingml/2006/chart" xmlns:dgm="http://schemas.openxmlformats.org/drawingml/2006/diagram" xmlns:o="urn:schemas-microsoft-com:office:office" xmlns:v="urn:schemas-microsoft-com:vml" xmlns:pvml="urn:schemas-microsoft-com:office:powerpoint" xmlns:com="http://schemas.openxmlformats.org/drawingml/2006/compatibility" xmlns:p14="http://schemas.microsoft.com/office/powerpoint/2010/main" showMasterPhAnim="0" showMasterSp="0">
+<p:notes xmlns:a="http://schemas.openxmlformats.org/drawingml/2006/main" xmlns:r="http://schemas.openxmlformats.org/officeDocument/2006/relationships" xmlns:p="http://schemas.openxmlformats.org/presentationml/2006/main" showMasterSp="0" showMasterPhAnim="0">
   <p:cSld>
     <p:spTree>
       <p:nvGrpSpPr>
-        <p:cNvPr id="99" name="Shape 99"/>
+        <p:cNvPr id="1" name="Shape 99"/>
         <p:cNvGrpSpPr/>
         <p:nvPr/>
       </p:nvGrpSpPr>
@@ -880,9 +1116,11 @@
       <p:sp>
         <p:nvSpPr>
           <p:cNvPr id="100" name="Shape 100"/>
-          <p:cNvSpPr/>
+          <p:cNvSpPr>
+            <a:spLocks noGrp="1" noRot="1" noChangeAspect="1"/>
+          </p:cNvSpPr>
           <p:nvPr>
-            <p:ph idx="2" type="sldImg"/>
+            <p:ph type="sldImg" idx="2"/>
           </p:nvPr>
         </p:nvSpPr>
         <p:spPr>
@@ -891,8 +1129,13 @@
             <a:ext cx="6096000" cy="3429000"/>
           </a:xfrm>
           <a:custGeom>
+            <a:avLst/>
+            <a:gdLst/>
+            <a:ahLst/>
+            <a:cxnLst/>
+            <a:rect l="0" t="0" r="0" b="0"/>
             <a:pathLst>
-              <a:path extrusionOk="0" h="120000" w="120000">
+              <a:path w="120000" h="120000" extrusionOk="0">
                 <a:moveTo>
                   <a:pt x="0" y="0"/>
                 </a:moveTo>
@@ -914,9 +1157,11 @@
       <p:sp>
         <p:nvSpPr>
           <p:cNvPr id="101" name="Shape 101"/>
-          <p:cNvSpPr txBox="1"/>
+          <p:cNvSpPr txBox="1">
+            <a:spLocks noGrp="1"/>
+          </p:cNvSpPr>
           <p:nvPr>
-            <p:ph idx="1" type="body"/>
+            <p:ph type="body" idx="1"/>
           </p:nvPr>
         </p:nvSpPr>
         <p:spPr>
@@ -929,7 +1174,7 @@
           </a:prstGeom>
         </p:spPr>
         <p:txBody>
-          <a:bodyPr anchorCtr="0" anchor="t" bIns="91425" lIns="91425" rIns="91425" tIns="91425">
+          <a:bodyPr lIns="91425" tIns="91425" rIns="91425" bIns="91425" anchor="t" anchorCtr="0">
             <a:noAutofit/>
           </a:bodyPr>
           <a:lstStyle/>
@@ -940,9 +1185,6 @@
               </a:spcBef>
               <a:buNone/>
             </a:pPr>
-            <a:r>
-              <a:t/>
-            </a:r>
             <a:endParaRPr/>
           </a:p>
         </p:txBody>
@@ -956,11 +1198,11 @@
 </file>
 
 <file path=ppt/notesSlides/notesSlide5.xml><?xml version="1.0" encoding="utf-8"?>
-<p:notes xmlns:a="http://schemas.openxmlformats.org/drawingml/2006/main" xmlns:r="http://schemas.openxmlformats.org/officeDocument/2006/relationships" xmlns:mc="http://schemas.openxmlformats.org/markup-compatibility/2006" xmlns:mv="urn:schemas-microsoft-com:mac:vml" xmlns:p="http://schemas.openxmlformats.org/presentationml/2006/main" xmlns:c="http://schemas.openxmlformats.org/drawingml/2006/chart" xmlns:dgm="http://schemas.openxmlformats.org/drawingml/2006/diagram" xmlns:o="urn:schemas-microsoft-com:office:office" xmlns:v="urn:schemas-microsoft-com:vml" xmlns:pvml="urn:schemas-microsoft-com:office:powerpoint" xmlns:com="http://schemas.openxmlformats.org/drawingml/2006/compatibility" xmlns:p14="http://schemas.microsoft.com/office/powerpoint/2010/main" showMasterPhAnim="0" showMasterSp="0">
+<p:notes xmlns:a="http://schemas.openxmlformats.org/drawingml/2006/main" xmlns:r="http://schemas.openxmlformats.org/officeDocument/2006/relationships" xmlns:p="http://schemas.openxmlformats.org/presentationml/2006/main" showMasterSp="0" showMasterPhAnim="0">
   <p:cSld>
     <p:spTree>
       <p:nvGrpSpPr>
-        <p:cNvPr id="105" name="Shape 105"/>
+        <p:cNvPr id="1" name="Shape 105"/>
         <p:cNvGrpSpPr/>
         <p:nvPr/>
       </p:nvGrpSpPr>
@@ -975,9 +1217,11 @@
       <p:sp>
         <p:nvSpPr>
           <p:cNvPr id="106" name="Shape 106"/>
-          <p:cNvSpPr/>
+          <p:cNvSpPr>
+            <a:spLocks noGrp="1" noRot="1" noChangeAspect="1"/>
+          </p:cNvSpPr>
           <p:nvPr>
-            <p:ph idx="2" type="sldImg"/>
+            <p:ph type="sldImg" idx="2"/>
           </p:nvPr>
         </p:nvSpPr>
         <p:spPr>
@@ -986,8 +1230,13 @@
             <a:ext cx="6096000" cy="3429000"/>
           </a:xfrm>
           <a:custGeom>
+            <a:avLst/>
+            <a:gdLst/>
+            <a:ahLst/>
+            <a:cxnLst/>
+            <a:rect l="0" t="0" r="0" b="0"/>
             <a:pathLst>
-              <a:path extrusionOk="0" h="120000" w="120000">
+              <a:path w="120000" h="120000" extrusionOk="0">
                 <a:moveTo>
                   <a:pt x="0" y="0"/>
                 </a:moveTo>
@@ -1009,9 +1258,11 @@
       <p:sp>
         <p:nvSpPr>
           <p:cNvPr id="107" name="Shape 107"/>
-          <p:cNvSpPr txBox="1"/>
+          <p:cNvSpPr txBox="1">
+            <a:spLocks noGrp="1"/>
+          </p:cNvSpPr>
           <p:nvPr>
-            <p:ph idx="1" type="body"/>
+            <p:ph type="body" idx="1"/>
           </p:nvPr>
         </p:nvSpPr>
         <p:spPr>
@@ -1024,7 +1275,7 @@
           </a:prstGeom>
         </p:spPr>
         <p:txBody>
-          <a:bodyPr anchorCtr="0" anchor="t" bIns="91425" lIns="91425" rIns="91425" tIns="91425">
+          <a:bodyPr lIns="91425" tIns="91425" rIns="91425" bIns="91425" anchor="t" anchorCtr="0">
             <a:noAutofit/>
           </a:bodyPr>
           <a:lstStyle/>
@@ -1035,9 +1286,6 @@
               </a:spcBef>
               <a:buNone/>
             </a:pPr>
-            <a:r>
-              <a:t/>
-            </a:r>
             <a:endParaRPr/>
           </a:p>
         </p:txBody>
@@ -1051,11 +1299,11 @@
 </file>
 
 <file path=ppt/notesSlides/notesSlide6.xml><?xml version="1.0" encoding="utf-8"?>
-<p:notes xmlns:a="http://schemas.openxmlformats.org/drawingml/2006/main" xmlns:r="http://schemas.openxmlformats.org/officeDocument/2006/relationships" xmlns:mc="http://schemas.openxmlformats.org/markup-compatibility/2006" xmlns:mv="urn:schemas-microsoft-com:mac:vml" xmlns:p="http://schemas.openxmlformats.org/presentationml/2006/main" xmlns:c="http://schemas.openxmlformats.org/drawingml/2006/chart" xmlns:dgm="http://schemas.openxmlformats.org/drawingml/2006/diagram" xmlns:o="urn:schemas-microsoft-com:office:office" xmlns:v="urn:schemas-microsoft-com:vml" xmlns:pvml="urn:schemas-microsoft-com:office:powerpoint" xmlns:com="http://schemas.openxmlformats.org/drawingml/2006/compatibility" xmlns:p14="http://schemas.microsoft.com/office/powerpoint/2010/main" showMasterPhAnim="0" showMasterSp="0">
+<p:notes xmlns:a="http://schemas.openxmlformats.org/drawingml/2006/main" xmlns:r="http://schemas.openxmlformats.org/officeDocument/2006/relationships" xmlns:p="http://schemas.openxmlformats.org/presentationml/2006/main" showMasterSp="0" showMasterPhAnim="0">
   <p:cSld>
     <p:spTree>
       <p:nvGrpSpPr>
-        <p:cNvPr id="111" name="Shape 111"/>
+        <p:cNvPr id="1" name="Shape 111"/>
         <p:cNvGrpSpPr/>
         <p:nvPr/>
       </p:nvGrpSpPr>
@@ -1070,9 +1318,11 @@
       <p:sp>
         <p:nvSpPr>
           <p:cNvPr id="112" name="Shape 112"/>
-          <p:cNvSpPr/>
+          <p:cNvSpPr>
+            <a:spLocks noGrp="1" noRot="1" noChangeAspect="1"/>
+          </p:cNvSpPr>
           <p:nvPr>
-            <p:ph idx="2" type="sldImg"/>
+            <p:ph type="sldImg" idx="2"/>
           </p:nvPr>
         </p:nvSpPr>
         <p:spPr>
@@ -1081,8 +1331,13 @@
             <a:ext cx="6096000" cy="3429000"/>
           </a:xfrm>
           <a:custGeom>
+            <a:avLst/>
+            <a:gdLst/>
+            <a:ahLst/>
+            <a:cxnLst/>
+            <a:rect l="0" t="0" r="0" b="0"/>
             <a:pathLst>
-              <a:path extrusionOk="0" h="120000" w="120000">
+              <a:path w="120000" h="120000" extrusionOk="0">
                 <a:moveTo>
                   <a:pt x="0" y="0"/>
                 </a:moveTo>
@@ -1104,9 +1359,11 @@
       <p:sp>
         <p:nvSpPr>
           <p:cNvPr id="113" name="Shape 113"/>
-          <p:cNvSpPr txBox="1"/>
+          <p:cNvSpPr txBox="1">
+            <a:spLocks noGrp="1"/>
+          </p:cNvSpPr>
           <p:nvPr>
-            <p:ph idx="1" type="body"/>
+            <p:ph type="body" idx="1"/>
           </p:nvPr>
         </p:nvSpPr>
         <p:spPr>
@@ -1119,7 +1376,7 @@
           </a:prstGeom>
         </p:spPr>
         <p:txBody>
-          <a:bodyPr anchorCtr="0" anchor="t" bIns="91425" lIns="91425" rIns="91425" tIns="91425">
+          <a:bodyPr lIns="91425" tIns="91425" rIns="91425" bIns="91425" anchor="t" anchorCtr="0">
             <a:noAutofit/>
           </a:bodyPr>
           <a:lstStyle/>
@@ -1130,9 +1387,6 @@
               </a:spcBef>
               <a:buNone/>
             </a:pPr>
-            <a:r>
-              <a:t/>
-            </a:r>
             <a:endParaRPr/>
           </a:p>
         </p:txBody>
@@ -1146,11 +1400,11 @@
 </file>
 
 <file path=ppt/notesSlides/notesSlide7.xml><?xml version="1.0" encoding="utf-8"?>
-<p:notes xmlns:a="http://schemas.openxmlformats.org/drawingml/2006/main" xmlns:r="http://schemas.openxmlformats.org/officeDocument/2006/relationships" xmlns:mc="http://schemas.openxmlformats.org/markup-compatibility/2006" xmlns:mv="urn:schemas-microsoft-com:mac:vml" xmlns:p="http://schemas.openxmlformats.org/presentationml/2006/main" xmlns:c="http://schemas.openxmlformats.org/drawingml/2006/chart" xmlns:dgm="http://schemas.openxmlformats.org/drawingml/2006/diagram" xmlns:o="urn:schemas-microsoft-com:office:office" xmlns:v="urn:schemas-microsoft-com:vml" xmlns:pvml="urn:schemas-microsoft-com:office:powerpoint" xmlns:com="http://schemas.openxmlformats.org/drawingml/2006/compatibility" xmlns:p14="http://schemas.microsoft.com/office/powerpoint/2010/main" showMasterPhAnim="0" showMasterSp="0">
+<p:notes xmlns:a="http://schemas.openxmlformats.org/drawingml/2006/main" xmlns:r="http://schemas.openxmlformats.org/officeDocument/2006/relationships" xmlns:p="http://schemas.openxmlformats.org/presentationml/2006/main" showMasterSp="0" showMasterPhAnim="0">
   <p:cSld>
     <p:spTree>
       <p:nvGrpSpPr>
-        <p:cNvPr id="118" name="Shape 118"/>
+        <p:cNvPr id="1" name="Shape 118"/>
         <p:cNvGrpSpPr/>
         <p:nvPr/>
       </p:nvGrpSpPr>
@@ -1165,9 +1419,11 @@
       <p:sp>
         <p:nvSpPr>
           <p:cNvPr id="119" name="Shape 119"/>
-          <p:cNvSpPr/>
+          <p:cNvSpPr>
+            <a:spLocks noGrp="1" noRot="1" noChangeAspect="1"/>
+          </p:cNvSpPr>
           <p:nvPr>
-            <p:ph idx="2" type="sldImg"/>
+            <p:ph type="sldImg" idx="2"/>
           </p:nvPr>
         </p:nvSpPr>
         <p:spPr>
@@ -1176,8 +1432,13 @@
             <a:ext cx="6096000" cy="3429000"/>
           </a:xfrm>
           <a:custGeom>
+            <a:avLst/>
+            <a:gdLst/>
+            <a:ahLst/>
+            <a:cxnLst/>
+            <a:rect l="0" t="0" r="0" b="0"/>
             <a:pathLst>
-              <a:path extrusionOk="0" h="120000" w="120000">
+              <a:path w="120000" h="120000" extrusionOk="0">
                 <a:moveTo>
                   <a:pt x="0" y="0"/>
                 </a:moveTo>
@@ -1199,9 +1460,11 @@
       <p:sp>
         <p:nvSpPr>
           <p:cNvPr id="120" name="Shape 120"/>
-          <p:cNvSpPr txBox="1"/>
+          <p:cNvSpPr txBox="1">
+            <a:spLocks noGrp="1"/>
+          </p:cNvSpPr>
           <p:nvPr>
-            <p:ph idx="1" type="body"/>
+            <p:ph type="body" idx="1"/>
           </p:nvPr>
         </p:nvSpPr>
         <p:spPr>
@@ -1214,7 +1477,7 @@
           </a:prstGeom>
         </p:spPr>
         <p:txBody>
-          <a:bodyPr anchorCtr="0" anchor="t" bIns="91425" lIns="91425" rIns="91425" tIns="91425">
+          <a:bodyPr lIns="91425" tIns="91425" rIns="91425" bIns="91425" anchor="t" anchorCtr="0">
             <a:noAutofit/>
           </a:bodyPr>
           <a:lstStyle/>
@@ -1225,9 +1488,6 @@
               </a:spcBef>
               <a:buNone/>
             </a:pPr>
-            <a:r>
-              <a:t/>
-            </a:r>
             <a:endParaRPr/>
           </a:p>
         </p:txBody>
@@ -1241,11 +1501,11 @@
 </file>
 
 <file path=ppt/notesSlides/notesSlide8.xml><?xml version="1.0" encoding="utf-8"?>
-<p:notes xmlns:a="http://schemas.openxmlformats.org/drawingml/2006/main" xmlns:r="http://schemas.openxmlformats.org/officeDocument/2006/relationships" xmlns:mc="http://schemas.openxmlformats.org/markup-compatibility/2006" xmlns:mv="urn:schemas-microsoft-com:mac:vml" xmlns:p="http://schemas.openxmlformats.org/presentationml/2006/main" xmlns:c="http://schemas.openxmlformats.org/drawingml/2006/chart" xmlns:dgm="http://schemas.openxmlformats.org/drawingml/2006/diagram" xmlns:o="urn:schemas-microsoft-com:office:office" xmlns:v="urn:schemas-microsoft-com:vml" xmlns:pvml="urn:schemas-microsoft-com:office:powerpoint" xmlns:com="http://schemas.openxmlformats.org/drawingml/2006/compatibility" xmlns:p14="http://schemas.microsoft.com/office/powerpoint/2010/main" showMasterPhAnim="0" showMasterSp="0">
+<p:notes xmlns:a="http://schemas.openxmlformats.org/drawingml/2006/main" xmlns:r="http://schemas.openxmlformats.org/officeDocument/2006/relationships" xmlns:p="http://schemas.openxmlformats.org/presentationml/2006/main" showMasterSp="0" showMasterPhAnim="0">
   <p:cSld>
     <p:spTree>
       <p:nvGrpSpPr>
-        <p:cNvPr id="124" name="Shape 124"/>
+        <p:cNvPr id="1" name="Shape 124"/>
         <p:cNvGrpSpPr/>
         <p:nvPr/>
       </p:nvGrpSpPr>
@@ -1260,9 +1520,11 @@
       <p:sp>
         <p:nvSpPr>
           <p:cNvPr id="125" name="Shape 125"/>
-          <p:cNvSpPr/>
+          <p:cNvSpPr>
+            <a:spLocks noGrp="1" noRot="1" noChangeAspect="1"/>
+          </p:cNvSpPr>
           <p:nvPr>
-            <p:ph idx="2" type="sldImg"/>
+            <p:ph type="sldImg" idx="2"/>
           </p:nvPr>
         </p:nvSpPr>
         <p:spPr>
@@ -1271,8 +1533,13 @@
             <a:ext cx="6096000" cy="3429000"/>
           </a:xfrm>
           <a:custGeom>
+            <a:avLst/>
+            <a:gdLst/>
+            <a:ahLst/>
+            <a:cxnLst/>
+            <a:rect l="0" t="0" r="0" b="0"/>
             <a:pathLst>
-              <a:path extrusionOk="0" h="120000" w="120000">
+              <a:path w="120000" h="120000" extrusionOk="0">
                 <a:moveTo>
                   <a:pt x="0" y="0"/>
                 </a:moveTo>
@@ -1294,9 +1561,11 @@
       <p:sp>
         <p:nvSpPr>
           <p:cNvPr id="126" name="Shape 126"/>
-          <p:cNvSpPr txBox="1"/>
+          <p:cNvSpPr txBox="1">
+            <a:spLocks noGrp="1"/>
+          </p:cNvSpPr>
           <p:nvPr>
-            <p:ph idx="1" type="body"/>
+            <p:ph type="body" idx="1"/>
           </p:nvPr>
         </p:nvSpPr>
         <p:spPr>
@@ -1309,7 +1578,7 @@
           </a:prstGeom>
         </p:spPr>
         <p:txBody>
-          <a:bodyPr anchorCtr="0" anchor="t" bIns="91425" lIns="91425" rIns="91425" tIns="91425">
+          <a:bodyPr lIns="91425" tIns="91425" rIns="91425" bIns="91425" anchor="t" anchorCtr="0">
             <a:noAutofit/>
           </a:bodyPr>
           <a:lstStyle/>
@@ -1320,9 +1589,6 @@
               </a:spcBef>
               <a:buNone/>
             </a:pPr>
-            <a:r>
-              <a:t/>
-            </a:r>
             <a:endParaRPr/>
           </a:p>
         </p:txBody>
@@ -1336,11 +1602,11 @@
 </file>
 
 <file path=ppt/notesSlides/notesSlide9.xml><?xml version="1.0" encoding="utf-8"?>
-<p:notes xmlns:a="http://schemas.openxmlformats.org/drawingml/2006/main" xmlns:r="http://schemas.openxmlformats.org/officeDocument/2006/relationships" xmlns:mc="http://schemas.openxmlformats.org/markup-compatibility/2006" xmlns:mv="urn:schemas-microsoft-com:mac:vml" xmlns:p="http://schemas.openxmlformats.org/presentationml/2006/main" xmlns:c="http://schemas.openxmlformats.org/drawingml/2006/chart" xmlns:dgm="http://schemas.openxmlformats.org/drawingml/2006/diagram" xmlns:o="urn:schemas-microsoft-com:office:office" xmlns:v="urn:schemas-microsoft-com:vml" xmlns:pvml="urn:schemas-microsoft-com:office:powerpoint" xmlns:com="http://schemas.openxmlformats.org/drawingml/2006/compatibility" xmlns:p14="http://schemas.microsoft.com/office/powerpoint/2010/main" showMasterPhAnim="0" showMasterSp="0">
+<p:notes xmlns:a="http://schemas.openxmlformats.org/drawingml/2006/main" xmlns:r="http://schemas.openxmlformats.org/officeDocument/2006/relationships" xmlns:p="http://schemas.openxmlformats.org/presentationml/2006/main" showMasterSp="0" showMasterPhAnim="0">
   <p:cSld>
     <p:spTree>
       <p:nvGrpSpPr>
-        <p:cNvPr id="131" name="Shape 131"/>
+        <p:cNvPr id="1" name="Shape 131"/>
         <p:cNvGrpSpPr/>
         <p:nvPr/>
       </p:nvGrpSpPr>
@@ -1355,9 +1621,11 @@
       <p:sp>
         <p:nvSpPr>
           <p:cNvPr id="132" name="Shape 132"/>
-          <p:cNvSpPr/>
+          <p:cNvSpPr>
+            <a:spLocks noGrp="1" noRot="1" noChangeAspect="1"/>
+          </p:cNvSpPr>
           <p:nvPr>
-            <p:ph idx="2" type="sldImg"/>
+            <p:ph type="sldImg" idx="2"/>
           </p:nvPr>
         </p:nvSpPr>
         <p:spPr>
@@ -1366,8 +1634,13 @@
             <a:ext cx="6096000" cy="3429000"/>
           </a:xfrm>
           <a:custGeom>
+            <a:avLst/>
+            <a:gdLst/>
+            <a:ahLst/>
+            <a:cxnLst/>
+            <a:rect l="0" t="0" r="0" b="0"/>
             <a:pathLst>
-              <a:path extrusionOk="0" h="120000" w="120000">
+              <a:path w="120000" h="120000" extrusionOk="0">
                 <a:moveTo>
                   <a:pt x="0" y="0"/>
                 </a:moveTo>
@@ -1389,9 +1662,11 @@
       <p:sp>
         <p:nvSpPr>
           <p:cNvPr id="133" name="Shape 133"/>
-          <p:cNvSpPr txBox="1"/>
+          <p:cNvSpPr txBox="1">
+            <a:spLocks noGrp="1"/>
+          </p:cNvSpPr>
           <p:nvPr>
-            <p:ph idx="1" type="body"/>
+            <p:ph type="body" idx="1"/>
           </p:nvPr>
         </p:nvSpPr>
         <p:spPr>
@@ -1404,7 +1679,7 @@
           </a:prstGeom>
         </p:spPr>
         <p:txBody>
-          <a:bodyPr anchorCtr="0" anchor="t" bIns="91425" lIns="91425" rIns="91425" tIns="91425">
+          <a:bodyPr lIns="91425" tIns="91425" rIns="91425" bIns="91425" anchor="t" anchorCtr="0">
             <a:noAutofit/>
           </a:bodyPr>
           <a:lstStyle/>
@@ -1415,9 +1690,6 @@
               </a:spcBef>
               <a:buNone/>
             </a:pPr>
-            <a:r>
-              <a:t/>
-            </a:r>
             <a:endParaRPr/>
           </a:p>
         </p:txBody>
@@ -1431,18 +1703,19 @@
 </file>
 
 <file path=ppt/slideLayouts/slideLayout1.xml><?xml version="1.0" encoding="utf-8"?>
-<p:sldLayout xmlns:a="http://schemas.openxmlformats.org/drawingml/2006/main" xmlns:r="http://schemas.openxmlformats.org/officeDocument/2006/relationships" xmlns:mc="http://schemas.openxmlformats.org/markup-compatibility/2006" xmlns:mv="urn:schemas-microsoft-com:mac:vml" xmlns:p="http://schemas.openxmlformats.org/presentationml/2006/main" xmlns:c="http://schemas.openxmlformats.org/drawingml/2006/chart" xmlns:dgm="http://schemas.openxmlformats.org/drawingml/2006/diagram" xmlns:o="urn:schemas-microsoft-com:office:office" xmlns:v="urn:schemas-microsoft-com:vml" xmlns:pvml="urn:schemas-microsoft-com:office:powerpoint" xmlns:com="http://schemas.openxmlformats.org/drawingml/2006/compatibility" xmlns:p14="http://schemas.microsoft.com/office/powerpoint/2010/main" type="title">
+<p:sldLayout xmlns:a="http://schemas.openxmlformats.org/drawingml/2006/main" xmlns:r="http://schemas.openxmlformats.org/officeDocument/2006/relationships" xmlns:p="http://schemas.openxmlformats.org/presentationml/2006/main" type="title">
   <p:cSld name="Title slide">
     <p:bg>
       <p:bgPr>
         <a:solidFill>
           <a:schemeClr val="dk1"/>
         </a:solidFill>
+        <a:effectLst/>
       </p:bgPr>
     </p:bg>
     <p:spTree>
       <p:nvGrpSpPr>
-        <p:cNvPr id="9" name="Shape 9"/>
+        <p:cNvPr id="1" name="Shape 9"/>
         <p:cNvGrpSpPr/>
         <p:nvPr/>
       </p:nvGrpSpPr>
@@ -1490,7 +1763,7 @@
             </a:ln>
           </p:spPr>
           <p:txBody>
-            <a:bodyPr anchorCtr="0" anchor="ctr" bIns="91425" lIns="91425" rIns="91425" tIns="91425">
+            <a:bodyPr lIns="91425" tIns="91425" rIns="91425" bIns="91425" anchor="ctr" anchorCtr="0">
               <a:noAutofit/>
             </a:bodyPr>
             <a:lstStyle/>
@@ -1501,9 +1774,6 @@
                 </a:spcBef>
                 <a:buNone/>
               </a:pPr>
-              <a:r>
-                <a:t/>
-              </a:r>
               <a:endParaRPr/>
             </a:p>
           </p:txBody>
@@ -1530,7 +1800,7 @@
             </a:ln>
           </p:spPr>
           <p:txBody>
-            <a:bodyPr anchorCtr="0" anchor="ctr" bIns="91425" lIns="91425" rIns="91425" tIns="91425">
+            <a:bodyPr lIns="91425" tIns="91425" rIns="91425" bIns="91425" anchor="ctr" anchorCtr="0">
               <a:noAutofit/>
             </a:bodyPr>
             <a:lstStyle/>
@@ -1541,9 +1811,6 @@
                 </a:spcBef>
                 <a:buNone/>
               </a:pPr>
-              <a:r>
-                <a:t/>
-              </a:r>
               <a:endParaRPr/>
             </a:p>
           </p:txBody>
@@ -1555,7 +1822,7 @@
             <p:nvPr/>
           </p:nvSpPr>
           <p:spPr>
-            <a:xfrm flipH="1" rot="10800000">
+            <a:xfrm rot="10800000" flipH="1">
               <a:off x="7113588" y="106"/>
               <a:ext cx="1015200" cy="1015200"/>
             </a:xfrm>
@@ -1570,7 +1837,7 @@
             </a:ln>
           </p:spPr>
           <p:txBody>
-            <a:bodyPr anchorCtr="0" anchor="ctr" bIns="91425" lIns="91425" rIns="91425" tIns="91425">
+            <a:bodyPr lIns="91425" tIns="91425" rIns="91425" bIns="91425" anchor="ctr" anchorCtr="0">
               <a:noAutofit/>
             </a:bodyPr>
             <a:lstStyle/>
@@ -1581,9 +1848,6 @@
                 </a:spcBef>
                 <a:buNone/>
               </a:pPr>
-              <a:r>
-                <a:t/>
-              </a:r>
               <a:endParaRPr/>
             </a:p>
           </p:txBody>
@@ -1610,7 +1874,7 @@
             </a:ln>
           </p:spPr>
           <p:txBody>
-            <a:bodyPr anchorCtr="0" anchor="ctr" bIns="91425" lIns="91425" rIns="91425" tIns="91425">
+            <a:bodyPr lIns="91425" tIns="91425" rIns="91425" bIns="91425" anchor="ctr" anchorCtr="0">
               <a:noAutofit/>
             </a:bodyPr>
             <a:lstStyle/>
@@ -1621,9 +1885,6 @@
                 </a:spcBef>
                 <a:buNone/>
               </a:pPr>
-              <a:r>
-                <a:t/>
-              </a:r>
               <a:endParaRPr/>
             </a:p>
           </p:txBody>
@@ -1650,7 +1911,7 @@
             </a:ln>
           </p:spPr>
           <p:txBody>
-            <a:bodyPr anchorCtr="0" anchor="ctr" bIns="91425" lIns="91425" rIns="91425" tIns="91425">
+            <a:bodyPr lIns="91425" tIns="91425" rIns="91425" bIns="91425" anchor="ctr" anchorCtr="0">
               <a:noAutofit/>
             </a:bodyPr>
             <a:lstStyle/>
@@ -1661,9 +1922,6 @@
                 </a:spcBef>
                 <a:buNone/>
               </a:pPr>
-              <a:r>
-                <a:t/>
-              </a:r>
               <a:endParaRPr/>
             </a:p>
           </p:txBody>
@@ -1672,7 +1930,9 @@
       <p:sp>
         <p:nvSpPr>
           <p:cNvPr id="16" name="Shape 16"/>
-          <p:cNvSpPr txBox="1"/>
+          <p:cNvSpPr txBox="1">
+            <a:spLocks noGrp="1"/>
+          </p:cNvSpPr>
           <p:nvPr>
             <p:ph type="ctrTitle"/>
           </p:nvPr>
@@ -1687,7 +1947,7 @@
           </a:prstGeom>
         </p:spPr>
         <p:txBody>
-          <a:bodyPr anchorCtr="0" anchor="b" bIns="91425" lIns="91425" rIns="91425" tIns="91425"/>
+          <a:bodyPr lIns="91425" tIns="91425" rIns="91425" bIns="91425" anchor="b" anchorCtr="0"/>
           <a:lstStyle>
             <a:lvl1pPr lvl="0">
               <a:spcBef>
@@ -1816,15 +2076,19 @@
               </a:defRPr>
             </a:lvl9pPr>
           </a:lstStyle>
-          <a:p/>
+          <a:p>
+            <a:endParaRPr/>
+          </a:p>
         </p:txBody>
       </p:sp>
       <p:sp>
         <p:nvSpPr>
           <p:cNvPr id="17" name="Shape 17"/>
-          <p:cNvSpPr txBox="1"/>
+          <p:cNvSpPr txBox="1">
+            <a:spLocks noGrp="1"/>
+          </p:cNvSpPr>
           <p:nvPr>
-            <p:ph idx="1" type="subTitle"/>
+            <p:ph type="subTitle" idx="1"/>
           </p:nvPr>
         </p:nvSpPr>
         <p:spPr>
@@ -1837,7 +2101,7 @@
           </a:prstGeom>
         </p:spPr>
         <p:txBody>
-          <a:bodyPr anchorCtr="0" anchor="t" bIns="91425" lIns="91425" rIns="91425" tIns="91425"/>
+          <a:bodyPr lIns="91425" tIns="91425" rIns="91425" bIns="91425" anchor="t" anchorCtr="0"/>
           <a:lstStyle>
             <a:lvl1pPr lvl="0">
               <a:lnSpc>
@@ -2029,15 +2293,19 @@
               </a:defRPr>
             </a:lvl9pPr>
           </a:lstStyle>
-          <a:p/>
+          <a:p>
+            <a:endParaRPr/>
+          </a:p>
         </p:txBody>
       </p:sp>
       <p:sp>
         <p:nvSpPr>
           <p:cNvPr id="18" name="Shape 18"/>
-          <p:cNvSpPr txBox="1"/>
+          <p:cNvSpPr txBox="1">
+            <a:spLocks noGrp="1"/>
+          </p:cNvSpPr>
           <p:nvPr>
-            <p:ph idx="12" type="sldNum"/>
+            <p:ph type="sldNum" idx="12"/>
           </p:nvPr>
         </p:nvSpPr>
         <p:spPr>
@@ -2050,7 +2318,7 @@
           </a:prstGeom>
         </p:spPr>
         <p:txBody>
-          <a:bodyPr anchorCtr="0" anchor="ctr" bIns="91425" lIns="91425" rIns="91425" tIns="91425">
+          <a:bodyPr lIns="91425" tIns="91425" rIns="91425" bIns="91425" anchor="ctr" anchorCtr="0">
             <a:noAutofit/>
           </a:bodyPr>
           <a:lstStyle/>
@@ -2065,6 +2333,7 @@
               <a:rPr lang="pt-BR"/>
               <a:t>‹#›</a:t>
             </a:fld>
+            <a:endParaRPr lang="pt-BR"/>
           </a:p>
         </p:txBody>
       </p:sp>
@@ -2077,18 +2346,19 @@
 </file>
 
 <file path=ppt/slideLayouts/slideLayout10.xml><?xml version="1.0" encoding="utf-8"?>
-<p:sldLayout xmlns:a="http://schemas.openxmlformats.org/drawingml/2006/main" xmlns:r="http://schemas.openxmlformats.org/officeDocument/2006/relationships" xmlns:mc="http://schemas.openxmlformats.org/markup-compatibility/2006" xmlns:mv="urn:schemas-microsoft-com:mac:vml" xmlns:p="http://schemas.openxmlformats.org/presentationml/2006/main" xmlns:c="http://schemas.openxmlformats.org/drawingml/2006/chart" xmlns:dgm="http://schemas.openxmlformats.org/drawingml/2006/diagram" xmlns:o="urn:schemas-microsoft-com:office:office" xmlns:v="urn:schemas-microsoft-com:vml" xmlns:pvml="urn:schemas-microsoft-com:office:powerpoint" xmlns:com="http://schemas.openxmlformats.org/drawingml/2006/compatibility" xmlns:p14="http://schemas.microsoft.com/office/powerpoint/2010/main">
+<p:sldLayout xmlns:a="http://schemas.openxmlformats.org/drawingml/2006/main" xmlns:r="http://schemas.openxmlformats.org/officeDocument/2006/relationships" xmlns:p="http://schemas.openxmlformats.org/presentationml/2006/main">
   <p:cSld name="Big number">
     <p:bg>
       <p:bgPr>
         <a:solidFill>
           <a:schemeClr val="dk1"/>
         </a:solidFill>
+        <a:effectLst/>
       </p:bgPr>
     </p:bg>
     <p:spTree>
       <p:nvGrpSpPr>
-        <p:cNvPr id="69" name="Shape 69"/>
+        <p:cNvPr id="1" name="Shape 69"/>
         <p:cNvGrpSpPr/>
         <p:nvPr/>
       </p:nvGrpSpPr>
@@ -2136,7 +2406,7 @@
             </a:ln>
           </p:spPr>
           <p:txBody>
-            <a:bodyPr anchorCtr="0" anchor="ctr" bIns="91425" lIns="91425" rIns="91425" tIns="91425">
+            <a:bodyPr lIns="91425" tIns="91425" rIns="91425" bIns="91425" anchor="ctr" anchorCtr="0">
               <a:noAutofit/>
             </a:bodyPr>
             <a:lstStyle/>
@@ -2147,9 +2417,6 @@
                 </a:spcBef>
                 <a:buNone/>
               </a:pPr>
-              <a:r>
-                <a:t/>
-              </a:r>
               <a:endParaRPr/>
             </a:p>
           </p:txBody>
@@ -2176,7 +2443,7 @@
             </a:ln>
           </p:spPr>
           <p:txBody>
-            <a:bodyPr anchorCtr="0" anchor="ctr" bIns="91425" lIns="91425" rIns="91425" tIns="91425">
+            <a:bodyPr lIns="91425" tIns="91425" rIns="91425" bIns="91425" anchor="ctr" anchorCtr="0">
               <a:noAutofit/>
             </a:bodyPr>
             <a:lstStyle/>
@@ -2187,9 +2454,6 @@
                 </a:spcBef>
                 <a:buNone/>
               </a:pPr>
-              <a:r>
-                <a:t/>
-              </a:r>
               <a:endParaRPr/>
             </a:p>
           </p:txBody>
@@ -2201,7 +2465,7 @@
             <p:nvPr/>
           </p:nvSpPr>
           <p:spPr>
-            <a:xfrm flipH="1" rot="10800000">
+            <a:xfrm rot="10800000" flipH="1">
               <a:off x="7113588" y="106"/>
               <a:ext cx="1015200" cy="1015200"/>
             </a:xfrm>
@@ -2216,7 +2480,7 @@
             </a:ln>
           </p:spPr>
           <p:txBody>
-            <a:bodyPr anchorCtr="0" anchor="ctr" bIns="91425" lIns="91425" rIns="91425" tIns="91425">
+            <a:bodyPr lIns="91425" tIns="91425" rIns="91425" bIns="91425" anchor="ctr" anchorCtr="0">
               <a:noAutofit/>
             </a:bodyPr>
             <a:lstStyle/>
@@ -2227,9 +2491,6 @@
                 </a:spcBef>
                 <a:buNone/>
               </a:pPr>
-              <a:r>
-                <a:t/>
-              </a:r>
               <a:endParaRPr/>
             </a:p>
           </p:txBody>
@@ -2256,7 +2517,7 @@
             </a:ln>
           </p:spPr>
           <p:txBody>
-            <a:bodyPr anchorCtr="0" anchor="ctr" bIns="91425" lIns="91425" rIns="91425" tIns="91425">
+            <a:bodyPr lIns="91425" tIns="91425" rIns="91425" bIns="91425" anchor="ctr" anchorCtr="0">
               <a:noAutofit/>
             </a:bodyPr>
             <a:lstStyle/>
@@ -2267,9 +2528,6 @@
                 </a:spcBef>
                 <a:buNone/>
               </a:pPr>
-              <a:r>
-                <a:t/>
-              </a:r>
               <a:endParaRPr/>
             </a:p>
           </p:txBody>
@@ -2296,7 +2554,7 @@
             </a:ln>
           </p:spPr>
           <p:txBody>
-            <a:bodyPr anchorCtr="0" anchor="ctr" bIns="91425" lIns="91425" rIns="91425" tIns="91425">
+            <a:bodyPr lIns="91425" tIns="91425" rIns="91425" bIns="91425" anchor="ctr" anchorCtr="0">
               <a:noAutofit/>
             </a:bodyPr>
             <a:lstStyle/>
@@ -2307,9 +2565,6 @@
                 </a:spcBef>
                 <a:buNone/>
               </a:pPr>
-              <a:r>
-                <a:t/>
-              </a:r>
               <a:endParaRPr/>
             </a:p>
           </p:txBody>
@@ -2318,7 +2573,9 @@
       <p:sp>
         <p:nvSpPr>
           <p:cNvPr id="76" name="Shape 76"/>
-          <p:cNvSpPr txBox="1"/>
+          <p:cNvSpPr txBox="1">
+            <a:spLocks noGrp="1"/>
+          </p:cNvSpPr>
           <p:nvPr>
             <p:ph type="title"/>
           </p:nvPr>
@@ -2333,7 +2590,7 @@
           </a:prstGeom>
         </p:spPr>
         <p:txBody>
-          <a:bodyPr anchorCtr="0" anchor="b" bIns="91425" lIns="91425" rIns="91425" tIns="91425"/>
+          <a:bodyPr lIns="91425" tIns="91425" rIns="91425" bIns="91425" anchor="b" anchorCtr="0"/>
           <a:lstStyle>
             <a:lvl1pPr lvl="0" algn="ctr">
               <a:spcBef>
@@ -2462,15 +2719,19 @@
               </a:defRPr>
             </a:lvl9pPr>
           </a:lstStyle>
-          <a:p/>
+          <a:p>
+            <a:endParaRPr/>
+          </a:p>
         </p:txBody>
       </p:sp>
       <p:sp>
         <p:nvSpPr>
           <p:cNvPr id="77" name="Shape 77"/>
-          <p:cNvSpPr txBox="1"/>
+          <p:cNvSpPr txBox="1">
+            <a:spLocks noGrp="1"/>
+          </p:cNvSpPr>
           <p:nvPr>
-            <p:ph idx="1" type="body"/>
+            <p:ph type="body" idx="1"/>
           </p:nvPr>
         </p:nvSpPr>
         <p:spPr>
@@ -2483,7 +2744,7 @@
           </a:prstGeom>
         </p:spPr>
         <p:txBody>
-          <a:bodyPr anchorCtr="0" anchor="t" bIns="91425" lIns="91425" rIns="91425" tIns="91425"/>
+          <a:bodyPr lIns="91425" tIns="91425" rIns="91425" bIns="91425" anchor="t" anchorCtr="0"/>
           <a:lstStyle>
             <a:lvl1pPr lvl="0" algn="ctr">
               <a:spcBef>
@@ -2603,15 +2864,19 @@
               </a:defRPr>
             </a:lvl9pPr>
           </a:lstStyle>
-          <a:p/>
+          <a:p>
+            <a:endParaRPr/>
+          </a:p>
         </p:txBody>
       </p:sp>
       <p:sp>
         <p:nvSpPr>
           <p:cNvPr id="78" name="Shape 78"/>
-          <p:cNvSpPr txBox="1"/>
+          <p:cNvSpPr txBox="1">
+            <a:spLocks noGrp="1"/>
+          </p:cNvSpPr>
           <p:nvPr>
-            <p:ph idx="12" type="sldNum"/>
+            <p:ph type="sldNum" idx="12"/>
           </p:nvPr>
         </p:nvSpPr>
         <p:spPr>
@@ -2624,7 +2889,7 @@
           </a:prstGeom>
         </p:spPr>
         <p:txBody>
-          <a:bodyPr anchorCtr="0" anchor="ctr" bIns="91425" lIns="91425" rIns="91425" tIns="91425">
+          <a:bodyPr lIns="91425" tIns="91425" rIns="91425" bIns="91425" anchor="ctr" anchorCtr="0">
             <a:noAutofit/>
           </a:bodyPr>
           <a:lstStyle/>
@@ -2639,6 +2904,7 @@
               <a:rPr lang="pt-BR"/>
               <a:t>‹#›</a:t>
             </a:fld>
+            <a:endParaRPr lang="pt-BR"/>
           </a:p>
         </p:txBody>
       </p:sp>
@@ -2651,11 +2917,11 @@
 </file>
 
 <file path=ppt/slideLayouts/slideLayout11.xml><?xml version="1.0" encoding="utf-8"?>
-<p:sldLayout xmlns:a="http://schemas.openxmlformats.org/drawingml/2006/main" xmlns:r="http://schemas.openxmlformats.org/officeDocument/2006/relationships" xmlns:mc="http://schemas.openxmlformats.org/markup-compatibility/2006" xmlns:mv="urn:schemas-microsoft-com:mac:vml" xmlns:p="http://schemas.openxmlformats.org/presentationml/2006/main" xmlns:c="http://schemas.openxmlformats.org/drawingml/2006/chart" xmlns:dgm="http://schemas.openxmlformats.org/drawingml/2006/diagram" xmlns:o="urn:schemas-microsoft-com:office:office" xmlns:v="urn:schemas-microsoft-com:vml" xmlns:pvml="urn:schemas-microsoft-com:office:powerpoint" xmlns:com="http://schemas.openxmlformats.org/drawingml/2006/compatibility" xmlns:p14="http://schemas.microsoft.com/office/powerpoint/2010/main" type="blank">
+<p:sldLayout xmlns:a="http://schemas.openxmlformats.org/drawingml/2006/main" xmlns:r="http://schemas.openxmlformats.org/officeDocument/2006/relationships" xmlns:p="http://schemas.openxmlformats.org/presentationml/2006/main" type="blank">
   <p:cSld name="Blank">
     <p:spTree>
       <p:nvGrpSpPr>
-        <p:cNvPr id="79" name="Shape 79"/>
+        <p:cNvPr id="1" name="Shape 79"/>
         <p:cNvGrpSpPr/>
         <p:nvPr/>
       </p:nvGrpSpPr>
@@ -2670,9 +2936,11 @@
       <p:sp>
         <p:nvSpPr>
           <p:cNvPr id="80" name="Shape 80"/>
-          <p:cNvSpPr txBox="1"/>
+          <p:cNvSpPr txBox="1">
+            <a:spLocks noGrp="1"/>
+          </p:cNvSpPr>
           <p:nvPr>
-            <p:ph idx="12" type="sldNum"/>
+            <p:ph type="sldNum" idx="12"/>
           </p:nvPr>
         </p:nvSpPr>
         <p:spPr>
@@ -2685,7 +2953,7 @@
           </a:prstGeom>
         </p:spPr>
         <p:txBody>
-          <a:bodyPr anchorCtr="0" anchor="ctr" bIns="91425" lIns="91425" rIns="91425" tIns="91425">
+          <a:bodyPr lIns="91425" tIns="91425" rIns="91425" bIns="91425" anchor="ctr" anchorCtr="0">
             <a:noAutofit/>
           </a:bodyPr>
           <a:lstStyle/>
@@ -2704,6 +2972,11 @@
               </a:rPr>
               <a:t>‹#›</a:t>
             </a:fld>
+            <a:endParaRPr lang="pt-BR">
+              <a:solidFill>
+                <a:schemeClr val="dk2"/>
+              </a:solidFill>
+            </a:endParaRPr>
           </a:p>
         </p:txBody>
       </p:sp>
@@ -2716,18 +2989,19 @@
 </file>
 
 <file path=ppt/slideLayouts/slideLayout2.xml><?xml version="1.0" encoding="utf-8"?>
-<p:sldLayout xmlns:a="http://schemas.openxmlformats.org/drawingml/2006/main" xmlns:r="http://schemas.openxmlformats.org/officeDocument/2006/relationships" xmlns:mc="http://schemas.openxmlformats.org/markup-compatibility/2006" xmlns:mv="urn:schemas-microsoft-com:mac:vml" xmlns:p="http://schemas.openxmlformats.org/presentationml/2006/main" xmlns:c="http://schemas.openxmlformats.org/drawingml/2006/chart" xmlns:dgm="http://schemas.openxmlformats.org/drawingml/2006/diagram" xmlns:o="urn:schemas-microsoft-com:office:office" xmlns:v="urn:schemas-microsoft-com:vml" xmlns:pvml="urn:schemas-microsoft-com:office:powerpoint" xmlns:com="http://schemas.openxmlformats.org/drawingml/2006/compatibility" xmlns:p14="http://schemas.microsoft.com/office/powerpoint/2010/main" type="secHead">
+<p:sldLayout xmlns:a="http://schemas.openxmlformats.org/drawingml/2006/main" xmlns:r="http://schemas.openxmlformats.org/officeDocument/2006/relationships" xmlns:p="http://schemas.openxmlformats.org/presentationml/2006/main" type="secHead">
   <p:cSld name="Section header">
     <p:bg>
       <p:bgPr>
         <a:solidFill>
           <a:schemeClr val="dk1"/>
         </a:solidFill>
+        <a:effectLst/>
       </p:bgPr>
     </p:bg>
     <p:spTree>
       <p:nvGrpSpPr>
-        <p:cNvPr id="19" name="Shape 19"/>
+        <p:cNvPr id="1" name="Shape 19"/>
         <p:cNvGrpSpPr/>
         <p:nvPr/>
       </p:nvGrpSpPr>
@@ -2775,7 +3049,7 @@
             </a:ln>
           </p:spPr>
           <p:txBody>
-            <a:bodyPr anchorCtr="0" anchor="ctr" bIns="91425" lIns="91425" rIns="91425" tIns="91425">
+            <a:bodyPr lIns="91425" tIns="91425" rIns="91425" bIns="91425" anchor="ctr" anchorCtr="0">
               <a:noAutofit/>
             </a:bodyPr>
             <a:lstStyle/>
@@ -2786,9 +3060,6 @@
                 </a:spcBef>
                 <a:buNone/>
               </a:pPr>
-              <a:r>
-                <a:t/>
-              </a:r>
               <a:endParaRPr/>
             </a:p>
           </p:txBody>
@@ -2815,7 +3086,7 @@
             </a:ln>
           </p:spPr>
           <p:txBody>
-            <a:bodyPr anchorCtr="0" anchor="ctr" bIns="91425" lIns="91425" rIns="91425" tIns="91425">
+            <a:bodyPr lIns="91425" tIns="91425" rIns="91425" bIns="91425" anchor="ctr" anchorCtr="0">
               <a:noAutofit/>
             </a:bodyPr>
             <a:lstStyle/>
@@ -2826,9 +3097,6 @@
                 </a:spcBef>
                 <a:buNone/>
               </a:pPr>
-              <a:r>
-                <a:t/>
-              </a:r>
               <a:endParaRPr/>
             </a:p>
           </p:txBody>
@@ -2840,7 +3108,7 @@
             <p:nvPr/>
           </p:nvSpPr>
           <p:spPr>
-            <a:xfrm flipH="1" rot="10800000">
+            <a:xfrm rot="10800000" flipH="1">
               <a:off x="7113588" y="106"/>
               <a:ext cx="1015200" cy="1015200"/>
             </a:xfrm>
@@ -2855,7 +3123,7 @@
             </a:ln>
           </p:spPr>
           <p:txBody>
-            <a:bodyPr anchorCtr="0" anchor="ctr" bIns="91425" lIns="91425" rIns="91425" tIns="91425">
+            <a:bodyPr lIns="91425" tIns="91425" rIns="91425" bIns="91425" anchor="ctr" anchorCtr="0">
               <a:noAutofit/>
             </a:bodyPr>
             <a:lstStyle/>
@@ -2866,9 +3134,6 @@
                 </a:spcBef>
                 <a:buNone/>
               </a:pPr>
-              <a:r>
-                <a:t/>
-              </a:r>
               <a:endParaRPr/>
             </a:p>
           </p:txBody>
@@ -2895,7 +3160,7 @@
             </a:ln>
           </p:spPr>
           <p:txBody>
-            <a:bodyPr anchorCtr="0" anchor="ctr" bIns="91425" lIns="91425" rIns="91425" tIns="91425">
+            <a:bodyPr lIns="91425" tIns="91425" rIns="91425" bIns="91425" anchor="ctr" anchorCtr="0">
               <a:noAutofit/>
             </a:bodyPr>
             <a:lstStyle/>
@@ -2906,9 +3171,6 @@
                 </a:spcBef>
                 <a:buNone/>
               </a:pPr>
-              <a:r>
-                <a:t/>
-              </a:r>
               <a:endParaRPr/>
             </a:p>
           </p:txBody>
@@ -2935,7 +3197,7 @@
             </a:ln>
           </p:spPr>
           <p:txBody>
-            <a:bodyPr anchorCtr="0" anchor="ctr" bIns="91425" lIns="91425" rIns="91425" tIns="91425">
+            <a:bodyPr lIns="91425" tIns="91425" rIns="91425" bIns="91425" anchor="ctr" anchorCtr="0">
               <a:noAutofit/>
             </a:bodyPr>
             <a:lstStyle/>
@@ -2946,9 +3208,6 @@
                 </a:spcBef>
                 <a:buNone/>
               </a:pPr>
-              <a:r>
-                <a:t/>
-              </a:r>
               <a:endParaRPr/>
             </a:p>
           </p:txBody>
@@ -2957,7 +3216,9 @@
       <p:sp>
         <p:nvSpPr>
           <p:cNvPr id="26" name="Shape 26"/>
-          <p:cNvSpPr txBox="1"/>
+          <p:cNvSpPr txBox="1">
+            <a:spLocks noGrp="1"/>
+          </p:cNvSpPr>
           <p:nvPr>
             <p:ph type="title"/>
           </p:nvPr>
@@ -2972,7 +3233,7 @@
           </a:prstGeom>
         </p:spPr>
         <p:txBody>
-          <a:bodyPr anchorCtr="0" anchor="ctr" bIns="91425" lIns="91425" rIns="91425" tIns="91425"/>
+          <a:bodyPr lIns="91425" tIns="91425" rIns="91425" bIns="91425" anchor="ctr" anchorCtr="0"/>
           <a:lstStyle>
             <a:lvl1pPr lvl="0">
               <a:spcBef>
@@ -3101,15 +3362,19 @@
               </a:defRPr>
             </a:lvl9pPr>
           </a:lstStyle>
-          <a:p/>
+          <a:p>
+            <a:endParaRPr/>
+          </a:p>
         </p:txBody>
       </p:sp>
       <p:sp>
         <p:nvSpPr>
           <p:cNvPr id="27" name="Shape 27"/>
-          <p:cNvSpPr txBox="1"/>
+          <p:cNvSpPr txBox="1">
+            <a:spLocks noGrp="1"/>
+          </p:cNvSpPr>
           <p:nvPr>
-            <p:ph idx="12" type="sldNum"/>
+            <p:ph type="sldNum" idx="12"/>
           </p:nvPr>
         </p:nvSpPr>
         <p:spPr>
@@ -3122,7 +3387,7 @@
           </a:prstGeom>
         </p:spPr>
         <p:txBody>
-          <a:bodyPr anchorCtr="0" anchor="ctr" bIns="91425" lIns="91425" rIns="91425" tIns="91425">
+          <a:bodyPr lIns="91425" tIns="91425" rIns="91425" bIns="91425" anchor="ctr" anchorCtr="0">
             <a:noAutofit/>
           </a:bodyPr>
           <a:lstStyle/>
@@ -3137,6 +3402,7 @@
               <a:rPr lang="pt-BR"/>
               <a:t>‹#›</a:t>
             </a:fld>
+            <a:endParaRPr lang="pt-BR"/>
           </a:p>
         </p:txBody>
       </p:sp>
@@ -3149,11 +3415,11 @@
 </file>
 
 <file path=ppt/slideLayouts/slideLayout3.xml><?xml version="1.0" encoding="utf-8"?>
-<p:sldLayout xmlns:a="http://schemas.openxmlformats.org/drawingml/2006/main" xmlns:r="http://schemas.openxmlformats.org/officeDocument/2006/relationships" xmlns:mc="http://schemas.openxmlformats.org/markup-compatibility/2006" xmlns:mv="urn:schemas-microsoft-com:mac:vml" xmlns:p="http://schemas.openxmlformats.org/presentationml/2006/main" xmlns:c="http://schemas.openxmlformats.org/drawingml/2006/chart" xmlns:dgm="http://schemas.openxmlformats.org/drawingml/2006/diagram" xmlns:o="urn:schemas-microsoft-com:office:office" xmlns:v="urn:schemas-microsoft-com:vml" xmlns:pvml="urn:schemas-microsoft-com:office:powerpoint" xmlns:com="http://schemas.openxmlformats.org/drawingml/2006/compatibility" xmlns:p14="http://schemas.microsoft.com/office/powerpoint/2010/main" type="tx">
+<p:sldLayout xmlns:a="http://schemas.openxmlformats.org/drawingml/2006/main" xmlns:r="http://schemas.openxmlformats.org/officeDocument/2006/relationships" xmlns:p="http://schemas.openxmlformats.org/presentationml/2006/main" type="tx">
   <p:cSld name="Title and body">
     <p:spTree>
       <p:nvGrpSpPr>
-        <p:cNvPr id="28" name="Shape 28"/>
+        <p:cNvPr id="1" name="Shape 28"/>
         <p:cNvGrpSpPr/>
         <p:nvPr/>
       </p:nvGrpSpPr>
@@ -3201,7 +3467,7 @@
             </a:ln>
           </p:spPr>
           <p:txBody>
-            <a:bodyPr anchorCtr="0" anchor="ctr" bIns="91425" lIns="91425" rIns="91425" tIns="91425">
+            <a:bodyPr lIns="91425" tIns="91425" rIns="91425" bIns="91425" anchor="ctr" anchorCtr="0">
               <a:noAutofit/>
             </a:bodyPr>
             <a:lstStyle/>
@@ -3212,9 +3478,6 @@
                 </a:spcBef>
                 <a:buNone/>
               </a:pPr>
-              <a:r>
-                <a:t/>
-              </a:r>
               <a:endParaRPr/>
             </a:p>
           </p:txBody>
@@ -3241,7 +3504,7 @@
             </a:ln>
           </p:spPr>
           <p:txBody>
-            <a:bodyPr anchorCtr="0" anchor="ctr" bIns="91425" lIns="91425" rIns="91425" tIns="91425">
+            <a:bodyPr lIns="91425" tIns="91425" rIns="91425" bIns="91425" anchor="ctr" anchorCtr="0">
               <a:noAutofit/>
             </a:bodyPr>
             <a:lstStyle/>
@@ -3252,9 +3515,6 @@
                 </a:spcBef>
                 <a:buNone/>
               </a:pPr>
-              <a:r>
-                <a:t/>
-              </a:r>
               <a:endParaRPr/>
             </a:p>
           </p:txBody>
@@ -3281,7 +3541,7 @@
             </a:ln>
           </p:spPr>
           <p:txBody>
-            <a:bodyPr anchorCtr="0" anchor="ctr" bIns="91425" lIns="91425" rIns="91425" tIns="91425">
+            <a:bodyPr lIns="91425" tIns="91425" rIns="91425" bIns="91425" anchor="ctr" anchorCtr="0">
               <a:noAutofit/>
             </a:bodyPr>
             <a:lstStyle/>
@@ -3292,9 +3552,6 @@
                 </a:spcBef>
                 <a:buNone/>
               </a:pPr>
-              <a:r>
-                <a:t/>
-              </a:r>
               <a:endParaRPr/>
             </a:p>
           </p:txBody>
@@ -3321,7 +3578,7 @@
             </a:ln>
           </p:spPr>
           <p:txBody>
-            <a:bodyPr anchorCtr="0" anchor="ctr" bIns="91425" lIns="91425" rIns="91425" tIns="91425">
+            <a:bodyPr lIns="91425" tIns="91425" rIns="91425" bIns="91425" anchor="ctr" anchorCtr="0">
               <a:noAutofit/>
             </a:bodyPr>
             <a:lstStyle/>
@@ -3332,9 +3589,6 @@
                 </a:spcBef>
                 <a:buNone/>
               </a:pPr>
-              <a:r>
-                <a:t/>
-              </a:r>
               <a:endParaRPr/>
             </a:p>
           </p:txBody>
@@ -3361,7 +3615,7 @@
             </a:ln>
           </p:spPr>
           <p:txBody>
-            <a:bodyPr anchorCtr="0" anchor="ctr" bIns="91425" lIns="91425" rIns="91425" tIns="91425">
+            <a:bodyPr lIns="91425" tIns="91425" rIns="91425" bIns="91425" anchor="ctr" anchorCtr="0">
               <a:noAutofit/>
             </a:bodyPr>
             <a:lstStyle/>
@@ -3372,9 +3626,6 @@
                 </a:spcBef>
                 <a:buNone/>
               </a:pPr>
-              <a:r>
-                <a:t/>
-              </a:r>
               <a:endParaRPr/>
             </a:p>
           </p:txBody>
@@ -3383,7 +3634,9 @@
       <p:sp>
         <p:nvSpPr>
           <p:cNvPr id="35" name="Shape 35"/>
-          <p:cNvSpPr txBox="1"/>
+          <p:cNvSpPr txBox="1">
+            <a:spLocks noGrp="1"/>
+          </p:cNvSpPr>
           <p:nvPr>
             <p:ph type="title"/>
           </p:nvPr>
@@ -3398,7 +3651,7 @@
           </a:prstGeom>
         </p:spPr>
         <p:txBody>
-          <a:bodyPr anchorCtr="0" anchor="t" bIns="91425" lIns="91425" rIns="91425" tIns="91425"/>
+          <a:bodyPr lIns="91425" tIns="91425" rIns="91425" bIns="91425" anchor="t" anchorCtr="0"/>
           <a:lstStyle>
             <a:lvl1pPr lvl="0">
               <a:spcBef>
@@ -3455,15 +3708,19 @@
               <a:defRPr/>
             </a:lvl9pPr>
           </a:lstStyle>
-          <a:p/>
+          <a:p>
+            <a:endParaRPr/>
+          </a:p>
         </p:txBody>
       </p:sp>
       <p:sp>
         <p:nvSpPr>
           <p:cNvPr id="36" name="Shape 36"/>
-          <p:cNvSpPr txBox="1"/>
+          <p:cNvSpPr txBox="1">
+            <a:spLocks noGrp="1"/>
+          </p:cNvSpPr>
           <p:nvPr>
-            <p:ph idx="1" type="body"/>
+            <p:ph type="body" idx="1"/>
           </p:nvPr>
         </p:nvSpPr>
         <p:spPr>
@@ -3476,7 +3733,7 @@
           </a:prstGeom>
         </p:spPr>
         <p:txBody>
-          <a:bodyPr anchorCtr="0" anchor="t" bIns="91425" lIns="91425" rIns="91425" tIns="91425"/>
+          <a:bodyPr lIns="91425" tIns="91425" rIns="91425" bIns="91425" anchor="t" anchorCtr="0"/>
           <a:lstStyle>
             <a:lvl1pPr lvl="0">
               <a:spcBef>
@@ -3533,15 +3790,19 @@
               <a:defRPr/>
             </a:lvl9pPr>
           </a:lstStyle>
-          <a:p/>
+          <a:p>
+            <a:endParaRPr/>
+          </a:p>
         </p:txBody>
       </p:sp>
       <p:sp>
         <p:nvSpPr>
           <p:cNvPr id="37" name="Shape 37"/>
-          <p:cNvSpPr txBox="1"/>
+          <p:cNvSpPr txBox="1">
+            <a:spLocks noGrp="1"/>
+          </p:cNvSpPr>
           <p:nvPr>
-            <p:ph idx="12" type="sldNum"/>
+            <p:ph type="sldNum" idx="12"/>
           </p:nvPr>
         </p:nvSpPr>
         <p:spPr>
@@ -3554,7 +3815,7 @@
           </a:prstGeom>
         </p:spPr>
         <p:txBody>
-          <a:bodyPr anchorCtr="0" anchor="ctr" bIns="91425" lIns="91425" rIns="91425" tIns="91425">
+          <a:bodyPr lIns="91425" tIns="91425" rIns="91425" bIns="91425" anchor="ctr" anchorCtr="0">
             <a:noAutofit/>
           </a:bodyPr>
           <a:lstStyle/>
@@ -3569,6 +3830,7 @@
               <a:rPr lang="pt-BR"/>
               <a:t>‹#›</a:t>
             </a:fld>
+            <a:endParaRPr lang="pt-BR"/>
           </a:p>
         </p:txBody>
       </p:sp>
@@ -3581,11 +3843,11 @@
 </file>
 
 <file path=ppt/slideLayouts/slideLayout4.xml><?xml version="1.0" encoding="utf-8"?>
-<p:sldLayout xmlns:a="http://schemas.openxmlformats.org/drawingml/2006/main" xmlns:r="http://schemas.openxmlformats.org/officeDocument/2006/relationships" xmlns:mc="http://schemas.openxmlformats.org/markup-compatibility/2006" xmlns:mv="urn:schemas-microsoft-com:mac:vml" xmlns:p="http://schemas.openxmlformats.org/presentationml/2006/main" xmlns:c="http://schemas.openxmlformats.org/drawingml/2006/chart" xmlns:dgm="http://schemas.openxmlformats.org/drawingml/2006/diagram" xmlns:o="urn:schemas-microsoft-com:office:office" xmlns:v="urn:schemas-microsoft-com:vml" xmlns:pvml="urn:schemas-microsoft-com:office:powerpoint" xmlns:com="http://schemas.openxmlformats.org/drawingml/2006/compatibility" xmlns:p14="http://schemas.microsoft.com/office/powerpoint/2010/main" type="twoColTx">
+<p:sldLayout xmlns:a="http://schemas.openxmlformats.org/drawingml/2006/main" xmlns:r="http://schemas.openxmlformats.org/officeDocument/2006/relationships" xmlns:p="http://schemas.openxmlformats.org/presentationml/2006/main" type="twoColTx">
   <p:cSld name="Title and two columns">
     <p:spTree>
       <p:nvGrpSpPr>
-        <p:cNvPr id="38" name="Shape 38"/>
+        <p:cNvPr id="1" name="Shape 38"/>
         <p:cNvGrpSpPr/>
         <p:nvPr/>
       </p:nvGrpSpPr>
@@ -3600,7 +3862,9 @@
       <p:sp>
         <p:nvSpPr>
           <p:cNvPr id="39" name="Shape 39"/>
-          <p:cNvSpPr txBox="1"/>
+          <p:cNvSpPr txBox="1">
+            <a:spLocks noGrp="1"/>
+          </p:cNvSpPr>
           <p:nvPr>
             <p:ph type="title"/>
           </p:nvPr>
@@ -3615,7 +3879,7 @@
           </a:prstGeom>
         </p:spPr>
         <p:txBody>
-          <a:bodyPr anchorCtr="0" anchor="t" bIns="91425" lIns="91425" rIns="91425" tIns="91425"/>
+          <a:bodyPr lIns="91425" tIns="91425" rIns="91425" bIns="91425" anchor="t" anchorCtr="0"/>
           <a:lstStyle>
             <a:lvl1pPr lvl="0">
               <a:spcBef>
@@ -3672,15 +3936,19 @@
               <a:defRPr/>
             </a:lvl9pPr>
           </a:lstStyle>
-          <a:p/>
+          <a:p>
+            <a:endParaRPr/>
+          </a:p>
         </p:txBody>
       </p:sp>
       <p:sp>
         <p:nvSpPr>
           <p:cNvPr id="40" name="Shape 40"/>
-          <p:cNvSpPr txBox="1"/>
+          <p:cNvSpPr txBox="1">
+            <a:spLocks noGrp="1"/>
+          </p:cNvSpPr>
           <p:nvPr>
-            <p:ph idx="1" type="body"/>
+            <p:ph type="body" idx="1"/>
           </p:nvPr>
         </p:nvSpPr>
         <p:spPr>
@@ -3693,7 +3961,7 @@
           </a:prstGeom>
         </p:spPr>
         <p:txBody>
-          <a:bodyPr anchorCtr="0" anchor="t" bIns="91425" lIns="91425" rIns="91425" tIns="91425"/>
+          <a:bodyPr lIns="91425" tIns="91425" rIns="91425" bIns="91425" anchor="t" anchorCtr="0"/>
           <a:lstStyle>
             <a:lvl1pPr lvl="0">
               <a:spcBef>
@@ -3759,15 +4027,19 @@
               <a:defRPr sz="1200"/>
             </a:lvl9pPr>
           </a:lstStyle>
-          <a:p/>
+          <a:p>
+            <a:endParaRPr/>
+          </a:p>
         </p:txBody>
       </p:sp>
       <p:sp>
         <p:nvSpPr>
           <p:cNvPr id="41" name="Shape 41"/>
-          <p:cNvSpPr txBox="1"/>
+          <p:cNvSpPr txBox="1">
+            <a:spLocks noGrp="1"/>
+          </p:cNvSpPr>
           <p:nvPr>
-            <p:ph idx="2" type="body"/>
+            <p:ph type="body" idx="2"/>
           </p:nvPr>
         </p:nvSpPr>
         <p:spPr>
@@ -3780,7 +4052,7 @@
           </a:prstGeom>
         </p:spPr>
         <p:txBody>
-          <a:bodyPr anchorCtr="0" anchor="t" bIns="91425" lIns="91425" rIns="91425" tIns="91425"/>
+          <a:bodyPr lIns="91425" tIns="91425" rIns="91425" bIns="91425" anchor="t" anchorCtr="0"/>
           <a:lstStyle>
             <a:lvl1pPr lvl="0">
               <a:spcBef>
@@ -3846,15 +4118,19 @@
               <a:defRPr sz="1200"/>
             </a:lvl9pPr>
           </a:lstStyle>
-          <a:p/>
+          <a:p>
+            <a:endParaRPr/>
+          </a:p>
         </p:txBody>
       </p:sp>
       <p:sp>
         <p:nvSpPr>
           <p:cNvPr id="42" name="Shape 42"/>
-          <p:cNvSpPr txBox="1"/>
+          <p:cNvSpPr txBox="1">
+            <a:spLocks noGrp="1"/>
+          </p:cNvSpPr>
           <p:nvPr>
-            <p:ph idx="12" type="sldNum"/>
+            <p:ph type="sldNum" idx="12"/>
           </p:nvPr>
         </p:nvSpPr>
         <p:spPr>
@@ -3867,7 +4143,7 @@
           </a:prstGeom>
         </p:spPr>
         <p:txBody>
-          <a:bodyPr anchorCtr="0" anchor="ctr" bIns="91425" lIns="91425" rIns="91425" tIns="91425">
+          <a:bodyPr lIns="91425" tIns="91425" rIns="91425" bIns="91425" anchor="ctr" anchorCtr="0">
             <a:noAutofit/>
           </a:bodyPr>
           <a:lstStyle/>
@@ -3886,6 +4162,11 @@
               </a:rPr>
               <a:t>‹#›</a:t>
             </a:fld>
+            <a:endParaRPr lang="pt-BR">
+              <a:solidFill>
+                <a:schemeClr val="dk2"/>
+              </a:solidFill>
+            </a:endParaRPr>
           </a:p>
         </p:txBody>
       </p:sp>
@@ -3898,11 +4179,11 @@
 </file>
 
 <file path=ppt/slideLayouts/slideLayout5.xml><?xml version="1.0" encoding="utf-8"?>
-<p:sldLayout xmlns:a="http://schemas.openxmlformats.org/drawingml/2006/main" xmlns:r="http://schemas.openxmlformats.org/officeDocument/2006/relationships" xmlns:mc="http://schemas.openxmlformats.org/markup-compatibility/2006" xmlns:mv="urn:schemas-microsoft-com:mac:vml" xmlns:p="http://schemas.openxmlformats.org/presentationml/2006/main" xmlns:c="http://schemas.openxmlformats.org/drawingml/2006/chart" xmlns:dgm="http://schemas.openxmlformats.org/drawingml/2006/diagram" xmlns:o="urn:schemas-microsoft-com:office:office" xmlns:v="urn:schemas-microsoft-com:vml" xmlns:pvml="urn:schemas-microsoft-com:office:powerpoint" xmlns:com="http://schemas.openxmlformats.org/drawingml/2006/compatibility" xmlns:p14="http://schemas.microsoft.com/office/powerpoint/2010/main" type="titleOnly">
+<p:sldLayout xmlns:a="http://schemas.openxmlformats.org/drawingml/2006/main" xmlns:r="http://schemas.openxmlformats.org/officeDocument/2006/relationships" xmlns:p="http://schemas.openxmlformats.org/presentationml/2006/main" type="titleOnly">
   <p:cSld name="Title only">
     <p:spTree>
       <p:nvGrpSpPr>
-        <p:cNvPr id="43" name="Shape 43"/>
+        <p:cNvPr id="1" name="Shape 43"/>
         <p:cNvGrpSpPr/>
         <p:nvPr/>
       </p:nvGrpSpPr>
@@ -3917,7 +4198,9 @@
       <p:sp>
         <p:nvSpPr>
           <p:cNvPr id="44" name="Shape 44"/>
-          <p:cNvSpPr txBox="1"/>
+          <p:cNvSpPr txBox="1">
+            <a:spLocks noGrp="1"/>
+          </p:cNvSpPr>
           <p:nvPr>
             <p:ph type="title"/>
           </p:nvPr>
@@ -3932,7 +4215,7 @@
           </a:prstGeom>
         </p:spPr>
         <p:txBody>
-          <a:bodyPr anchorCtr="0" anchor="t" bIns="91425" lIns="91425" rIns="91425" tIns="91425"/>
+          <a:bodyPr lIns="91425" tIns="91425" rIns="91425" bIns="91425" anchor="t" anchorCtr="0"/>
           <a:lstStyle>
             <a:lvl1pPr lvl="0">
               <a:spcBef>
@@ -3989,15 +4272,19 @@
               <a:defRPr/>
             </a:lvl9pPr>
           </a:lstStyle>
-          <a:p/>
+          <a:p>
+            <a:endParaRPr/>
+          </a:p>
         </p:txBody>
       </p:sp>
       <p:sp>
         <p:nvSpPr>
           <p:cNvPr id="45" name="Shape 45"/>
-          <p:cNvSpPr txBox="1"/>
+          <p:cNvSpPr txBox="1">
+            <a:spLocks noGrp="1"/>
+          </p:cNvSpPr>
           <p:nvPr>
-            <p:ph idx="12" type="sldNum"/>
+            <p:ph type="sldNum" idx="12"/>
           </p:nvPr>
         </p:nvSpPr>
         <p:spPr>
@@ -4010,7 +4297,7 @@
           </a:prstGeom>
         </p:spPr>
         <p:txBody>
-          <a:bodyPr anchorCtr="0" anchor="ctr" bIns="91425" lIns="91425" rIns="91425" tIns="91425">
+          <a:bodyPr lIns="91425" tIns="91425" rIns="91425" bIns="91425" anchor="ctr" anchorCtr="0">
             <a:noAutofit/>
           </a:bodyPr>
           <a:lstStyle/>
@@ -4029,6 +4316,11 @@
               </a:rPr>
               <a:t>‹#›</a:t>
             </a:fld>
+            <a:endParaRPr lang="pt-BR">
+              <a:solidFill>
+                <a:schemeClr val="dk2"/>
+              </a:solidFill>
+            </a:endParaRPr>
           </a:p>
         </p:txBody>
       </p:sp>
@@ -4041,11 +4333,11 @@
 </file>
 
 <file path=ppt/slideLayouts/slideLayout6.xml><?xml version="1.0" encoding="utf-8"?>
-<p:sldLayout xmlns:a="http://schemas.openxmlformats.org/drawingml/2006/main" xmlns:r="http://schemas.openxmlformats.org/officeDocument/2006/relationships" xmlns:mc="http://schemas.openxmlformats.org/markup-compatibility/2006" xmlns:mv="urn:schemas-microsoft-com:mac:vml" xmlns:p="http://schemas.openxmlformats.org/presentationml/2006/main" xmlns:c="http://schemas.openxmlformats.org/drawingml/2006/chart" xmlns:dgm="http://schemas.openxmlformats.org/drawingml/2006/diagram" xmlns:o="urn:schemas-microsoft-com:office:office" xmlns:v="urn:schemas-microsoft-com:vml" xmlns:pvml="urn:schemas-microsoft-com:office:powerpoint" xmlns:com="http://schemas.openxmlformats.org/drawingml/2006/compatibility" xmlns:p14="http://schemas.microsoft.com/office/powerpoint/2010/main">
+<p:sldLayout xmlns:a="http://schemas.openxmlformats.org/drawingml/2006/main" xmlns:r="http://schemas.openxmlformats.org/officeDocument/2006/relationships" xmlns:p="http://schemas.openxmlformats.org/presentationml/2006/main">
   <p:cSld name="One column text">
     <p:spTree>
       <p:nvGrpSpPr>
-        <p:cNvPr id="46" name="Shape 46"/>
+        <p:cNvPr id="1" name="Shape 46"/>
         <p:cNvGrpSpPr/>
         <p:nvPr/>
       </p:nvGrpSpPr>
@@ -4060,7 +4352,9 @@
       <p:sp>
         <p:nvSpPr>
           <p:cNvPr id="47" name="Shape 47"/>
-          <p:cNvSpPr txBox="1"/>
+          <p:cNvSpPr txBox="1">
+            <a:spLocks noGrp="1"/>
+          </p:cNvSpPr>
           <p:nvPr>
             <p:ph type="title"/>
           </p:nvPr>
@@ -4075,7 +4369,7 @@
           </a:prstGeom>
         </p:spPr>
         <p:txBody>
-          <a:bodyPr anchorCtr="0" anchor="b" bIns="91425" lIns="91425" rIns="91425" tIns="91425"/>
+          <a:bodyPr lIns="91425" tIns="91425" rIns="91425" bIns="91425" anchor="b" anchorCtr="0"/>
           <a:lstStyle>
             <a:lvl1pPr lvl="0">
               <a:spcBef>
@@ -4141,15 +4435,19 @@
               <a:defRPr sz="2400"/>
             </a:lvl9pPr>
           </a:lstStyle>
-          <a:p/>
+          <a:p>
+            <a:endParaRPr/>
+          </a:p>
         </p:txBody>
       </p:sp>
       <p:sp>
         <p:nvSpPr>
           <p:cNvPr id="48" name="Shape 48"/>
-          <p:cNvSpPr txBox="1"/>
+          <p:cNvSpPr txBox="1">
+            <a:spLocks noGrp="1"/>
+          </p:cNvSpPr>
           <p:nvPr>
-            <p:ph idx="1" type="body"/>
+            <p:ph type="body" idx="1"/>
           </p:nvPr>
         </p:nvSpPr>
         <p:spPr>
@@ -4162,7 +4460,7 @@
           </a:prstGeom>
         </p:spPr>
         <p:txBody>
-          <a:bodyPr anchorCtr="0" anchor="t" bIns="91425" lIns="91425" rIns="91425" tIns="91425"/>
+          <a:bodyPr lIns="91425" tIns="91425" rIns="91425" bIns="91425" anchor="t" anchorCtr="0"/>
           <a:lstStyle>
             <a:lvl1pPr lvl="0">
               <a:spcBef>
@@ -4228,15 +4526,19 @@
               <a:defRPr sz="1200"/>
             </a:lvl9pPr>
           </a:lstStyle>
-          <a:p/>
+          <a:p>
+            <a:endParaRPr/>
+          </a:p>
         </p:txBody>
       </p:sp>
       <p:sp>
         <p:nvSpPr>
           <p:cNvPr id="49" name="Shape 49"/>
-          <p:cNvSpPr txBox="1"/>
+          <p:cNvSpPr txBox="1">
+            <a:spLocks noGrp="1"/>
+          </p:cNvSpPr>
           <p:nvPr>
-            <p:ph idx="12" type="sldNum"/>
+            <p:ph type="sldNum" idx="12"/>
           </p:nvPr>
         </p:nvSpPr>
         <p:spPr>
@@ -4249,7 +4551,7 @@
           </a:prstGeom>
         </p:spPr>
         <p:txBody>
-          <a:bodyPr anchorCtr="0" anchor="ctr" bIns="91425" lIns="91425" rIns="91425" tIns="91425">
+          <a:bodyPr lIns="91425" tIns="91425" rIns="91425" bIns="91425" anchor="ctr" anchorCtr="0">
             <a:noAutofit/>
           </a:bodyPr>
           <a:lstStyle/>
@@ -4268,6 +4570,11 @@
               </a:rPr>
               <a:t>‹#›</a:t>
             </a:fld>
+            <a:endParaRPr lang="pt-BR">
+              <a:solidFill>
+                <a:schemeClr val="dk2"/>
+              </a:solidFill>
+            </a:endParaRPr>
           </a:p>
         </p:txBody>
       </p:sp>
@@ -4280,18 +4587,19 @@
 </file>
 
 <file path=ppt/slideLayouts/slideLayout7.xml><?xml version="1.0" encoding="utf-8"?>
-<p:sldLayout xmlns:a="http://schemas.openxmlformats.org/drawingml/2006/main" xmlns:r="http://schemas.openxmlformats.org/officeDocument/2006/relationships" xmlns:mc="http://schemas.openxmlformats.org/markup-compatibility/2006" xmlns:mv="urn:schemas-microsoft-com:mac:vml" xmlns:p="http://schemas.openxmlformats.org/presentationml/2006/main" xmlns:c="http://schemas.openxmlformats.org/drawingml/2006/chart" xmlns:dgm="http://schemas.openxmlformats.org/drawingml/2006/diagram" xmlns:o="urn:schemas-microsoft-com:office:office" xmlns:v="urn:schemas-microsoft-com:vml" xmlns:pvml="urn:schemas-microsoft-com:office:powerpoint" xmlns:com="http://schemas.openxmlformats.org/drawingml/2006/compatibility" xmlns:p14="http://schemas.microsoft.com/office/powerpoint/2010/main">
+<p:sldLayout xmlns:a="http://schemas.openxmlformats.org/drawingml/2006/main" xmlns:r="http://schemas.openxmlformats.org/officeDocument/2006/relationships" xmlns:p="http://schemas.openxmlformats.org/presentationml/2006/main">
   <p:cSld name="Main point">
     <p:bg>
       <p:bgPr>
         <a:solidFill>
           <a:schemeClr val="accent4"/>
         </a:solidFill>
+        <a:effectLst/>
       </p:bgPr>
     </p:bg>
     <p:spTree>
       <p:nvGrpSpPr>
-        <p:cNvPr id="50" name="Shape 50"/>
+        <p:cNvPr id="1" name="Shape 50"/>
         <p:cNvGrpSpPr/>
         <p:nvPr/>
       </p:nvGrpSpPr>
@@ -4339,7 +4647,7 @@
             </a:ln>
           </p:spPr>
           <p:txBody>
-            <a:bodyPr anchorCtr="0" anchor="ctr" bIns="91425" lIns="91425" rIns="91425" tIns="91425">
+            <a:bodyPr lIns="91425" tIns="91425" rIns="91425" bIns="91425" anchor="ctr" anchorCtr="0">
               <a:noAutofit/>
             </a:bodyPr>
             <a:lstStyle/>
@@ -4350,9 +4658,6 @@
                 </a:spcBef>
                 <a:buNone/>
               </a:pPr>
-              <a:r>
-                <a:t/>
-              </a:r>
               <a:endParaRPr/>
             </a:p>
           </p:txBody>
@@ -4379,7 +4684,7 @@
             </a:ln>
           </p:spPr>
           <p:txBody>
-            <a:bodyPr anchorCtr="0" anchor="ctr" bIns="91425" lIns="91425" rIns="91425" tIns="91425">
+            <a:bodyPr lIns="91425" tIns="91425" rIns="91425" bIns="91425" anchor="ctr" anchorCtr="0">
               <a:noAutofit/>
             </a:bodyPr>
             <a:lstStyle/>
@@ -4390,9 +4695,6 @@
                 </a:spcBef>
                 <a:buNone/>
               </a:pPr>
-              <a:r>
-                <a:t/>
-              </a:r>
               <a:endParaRPr/>
             </a:p>
           </p:txBody>
@@ -4404,7 +4706,7 @@
             <p:nvPr/>
           </p:nvSpPr>
           <p:spPr>
-            <a:xfrm flipH="1" rot="10800000">
+            <a:xfrm rot="10800000" flipH="1">
               <a:off x="7113588" y="106"/>
               <a:ext cx="1015200" cy="1015200"/>
             </a:xfrm>
@@ -4419,7 +4721,7 @@
             </a:ln>
           </p:spPr>
           <p:txBody>
-            <a:bodyPr anchorCtr="0" anchor="ctr" bIns="91425" lIns="91425" rIns="91425" tIns="91425">
+            <a:bodyPr lIns="91425" tIns="91425" rIns="91425" bIns="91425" anchor="ctr" anchorCtr="0">
               <a:noAutofit/>
             </a:bodyPr>
             <a:lstStyle/>
@@ -4430,9 +4732,6 @@
                 </a:spcBef>
                 <a:buNone/>
               </a:pPr>
-              <a:r>
-                <a:t/>
-              </a:r>
               <a:endParaRPr/>
             </a:p>
           </p:txBody>
@@ -4459,7 +4758,7 @@
             </a:ln>
           </p:spPr>
           <p:txBody>
-            <a:bodyPr anchorCtr="0" anchor="ctr" bIns="91425" lIns="91425" rIns="91425" tIns="91425">
+            <a:bodyPr lIns="91425" tIns="91425" rIns="91425" bIns="91425" anchor="ctr" anchorCtr="0">
               <a:noAutofit/>
             </a:bodyPr>
             <a:lstStyle/>
@@ -4470,9 +4769,6 @@
                 </a:spcBef>
                 <a:buNone/>
               </a:pPr>
-              <a:r>
-                <a:t/>
-              </a:r>
               <a:endParaRPr/>
             </a:p>
           </p:txBody>
@@ -4499,7 +4795,7 @@
             </a:ln>
           </p:spPr>
           <p:txBody>
-            <a:bodyPr anchorCtr="0" anchor="ctr" bIns="91425" lIns="91425" rIns="91425" tIns="91425">
+            <a:bodyPr lIns="91425" tIns="91425" rIns="91425" bIns="91425" anchor="ctr" anchorCtr="0">
               <a:noAutofit/>
             </a:bodyPr>
             <a:lstStyle/>
@@ -4510,9 +4806,6 @@
                 </a:spcBef>
                 <a:buNone/>
               </a:pPr>
-              <a:r>
-                <a:t/>
-              </a:r>
               <a:endParaRPr/>
             </a:p>
           </p:txBody>
@@ -4521,7 +4814,9 @@
       <p:sp>
         <p:nvSpPr>
           <p:cNvPr id="57" name="Shape 57"/>
-          <p:cNvSpPr txBox="1"/>
+          <p:cNvSpPr txBox="1">
+            <a:spLocks noGrp="1"/>
+          </p:cNvSpPr>
           <p:nvPr>
             <p:ph type="title"/>
           </p:nvPr>
@@ -4536,7 +4831,7 @@
           </a:prstGeom>
         </p:spPr>
         <p:txBody>
-          <a:bodyPr anchorCtr="0" anchor="ctr" bIns="91425" lIns="91425" rIns="91425" tIns="91425"/>
+          <a:bodyPr lIns="91425" tIns="91425" rIns="91425" bIns="91425" anchor="ctr" anchorCtr="0"/>
           <a:lstStyle>
             <a:lvl1pPr lvl="0">
               <a:spcBef>
@@ -4665,15 +4960,19 @@
               </a:defRPr>
             </a:lvl9pPr>
           </a:lstStyle>
-          <a:p/>
+          <a:p>
+            <a:endParaRPr/>
+          </a:p>
         </p:txBody>
       </p:sp>
       <p:sp>
         <p:nvSpPr>
           <p:cNvPr id="58" name="Shape 58"/>
-          <p:cNvSpPr txBox="1"/>
+          <p:cNvSpPr txBox="1">
+            <a:spLocks noGrp="1"/>
+          </p:cNvSpPr>
           <p:nvPr>
-            <p:ph idx="12" type="sldNum"/>
+            <p:ph type="sldNum" idx="12"/>
           </p:nvPr>
         </p:nvSpPr>
         <p:spPr>
@@ -4686,7 +4985,7 @@
           </a:prstGeom>
         </p:spPr>
         <p:txBody>
-          <a:bodyPr anchorCtr="0" anchor="ctr" bIns="91425" lIns="91425" rIns="91425" tIns="91425">
+          <a:bodyPr lIns="91425" tIns="91425" rIns="91425" bIns="91425" anchor="ctr" anchorCtr="0">
             <a:noAutofit/>
           </a:bodyPr>
           <a:lstStyle/>
@@ -4701,6 +5000,7 @@
               <a:rPr lang="pt-BR"/>
               <a:t>‹#›</a:t>
             </a:fld>
+            <a:endParaRPr lang="pt-BR"/>
           </a:p>
         </p:txBody>
       </p:sp>
@@ -4713,11 +5013,11 @@
 </file>
 
 <file path=ppt/slideLayouts/slideLayout8.xml><?xml version="1.0" encoding="utf-8"?>
-<p:sldLayout xmlns:a="http://schemas.openxmlformats.org/drawingml/2006/main" xmlns:r="http://schemas.openxmlformats.org/officeDocument/2006/relationships" xmlns:mc="http://schemas.openxmlformats.org/markup-compatibility/2006" xmlns:mv="urn:schemas-microsoft-com:mac:vml" xmlns:p="http://schemas.openxmlformats.org/presentationml/2006/main" xmlns:c="http://schemas.openxmlformats.org/drawingml/2006/chart" xmlns:dgm="http://schemas.openxmlformats.org/drawingml/2006/diagram" xmlns:o="urn:schemas-microsoft-com:office:office" xmlns:v="urn:schemas-microsoft-com:vml" xmlns:pvml="urn:schemas-microsoft-com:office:powerpoint" xmlns:com="http://schemas.openxmlformats.org/drawingml/2006/compatibility" xmlns:p14="http://schemas.microsoft.com/office/powerpoint/2010/main">
+<p:sldLayout xmlns:a="http://schemas.openxmlformats.org/drawingml/2006/main" xmlns:r="http://schemas.openxmlformats.org/officeDocument/2006/relationships" xmlns:p="http://schemas.openxmlformats.org/presentationml/2006/main">
   <p:cSld name="Section title and description">
     <p:spTree>
       <p:nvGrpSpPr>
-        <p:cNvPr id="59" name="Shape 59"/>
+        <p:cNvPr id="1" name="Shape 59"/>
         <p:cNvGrpSpPr/>
         <p:nvPr/>
       </p:nvGrpSpPr>
@@ -4751,7 +5051,7 @@
           </a:ln>
         </p:spPr>
         <p:txBody>
-          <a:bodyPr anchorCtr="0" anchor="ctr" bIns="91425" lIns="91425" rIns="91425" tIns="91425">
+          <a:bodyPr lIns="91425" tIns="91425" rIns="91425" bIns="91425" anchor="ctr" anchorCtr="0">
             <a:noAutofit/>
           </a:bodyPr>
           <a:lstStyle/>
@@ -4762,9 +5062,6 @@
               </a:spcBef>
               <a:buNone/>
             </a:pPr>
-            <a:r>
-              <a:t/>
-            </a:r>
             <a:endParaRPr/>
           </a:p>
         </p:txBody>
@@ -4784,21 +5081,23 @@
             <a:avLst/>
           </a:prstGeom>
           <a:noFill/>
-          <a:ln cap="flat" cmpd="sng" w="19050">
+          <a:ln w="19050" cap="flat" cmpd="sng">
             <a:solidFill>
               <a:schemeClr val="lt1"/>
             </a:solidFill>
             <a:prstDash val="solid"/>
             <a:round/>
-            <a:headEnd len="med" w="med" type="none"/>
-            <a:tailEnd len="med" w="med" type="none"/>
+            <a:headEnd type="none" w="med" len="med"/>
+            <a:tailEnd type="none" w="med" len="med"/>
           </a:ln>
         </p:spPr>
       </p:cxnSp>
       <p:sp>
         <p:nvSpPr>
           <p:cNvPr id="62" name="Shape 62"/>
-          <p:cNvSpPr txBox="1"/>
+          <p:cNvSpPr txBox="1">
+            <a:spLocks noGrp="1"/>
+          </p:cNvSpPr>
           <p:nvPr>
             <p:ph type="title"/>
           </p:nvPr>
@@ -4813,7 +5112,7 @@
           </a:prstGeom>
         </p:spPr>
         <p:txBody>
-          <a:bodyPr anchorCtr="0" anchor="b" bIns="91425" lIns="91425" rIns="91425" tIns="91425"/>
+          <a:bodyPr lIns="91425" tIns="91425" rIns="91425" bIns="91425" anchor="b" anchorCtr="0"/>
           <a:lstStyle>
             <a:lvl1pPr lvl="0" algn="ctr">
               <a:spcBef>
@@ -4879,15 +5178,19 @@
               <a:defRPr sz="4200"/>
             </a:lvl9pPr>
           </a:lstStyle>
-          <a:p/>
+          <a:p>
+            <a:endParaRPr/>
+          </a:p>
         </p:txBody>
       </p:sp>
       <p:sp>
         <p:nvSpPr>
           <p:cNvPr id="63" name="Shape 63"/>
-          <p:cNvSpPr txBox="1"/>
+          <p:cNvSpPr txBox="1">
+            <a:spLocks noGrp="1"/>
+          </p:cNvSpPr>
           <p:nvPr>
-            <p:ph idx="1" type="subTitle"/>
+            <p:ph type="subTitle" idx="1"/>
           </p:nvPr>
         </p:nvSpPr>
         <p:spPr>
@@ -4900,7 +5203,7 @@
           </a:prstGeom>
         </p:spPr>
         <p:txBody>
-          <a:bodyPr anchorCtr="0" anchor="t" bIns="91425" lIns="91425" rIns="91425" tIns="91425"/>
+          <a:bodyPr lIns="91425" tIns="91425" rIns="91425" bIns="91425" anchor="t" anchorCtr="0"/>
           <a:lstStyle>
             <a:lvl1pPr lvl="0" algn="ctr">
               <a:lnSpc>
@@ -5029,15 +5332,19 @@
               <a:defRPr sz="2100"/>
             </a:lvl9pPr>
           </a:lstStyle>
-          <a:p/>
+          <a:p>
+            <a:endParaRPr/>
+          </a:p>
         </p:txBody>
       </p:sp>
       <p:sp>
         <p:nvSpPr>
           <p:cNvPr id="64" name="Shape 64"/>
-          <p:cNvSpPr txBox="1"/>
+          <p:cNvSpPr txBox="1">
+            <a:spLocks noGrp="1"/>
+          </p:cNvSpPr>
           <p:nvPr>
-            <p:ph idx="2" type="body"/>
+            <p:ph type="body" idx="2"/>
           </p:nvPr>
         </p:nvSpPr>
         <p:spPr>
@@ -5050,7 +5357,7 @@
           </a:prstGeom>
         </p:spPr>
         <p:txBody>
-          <a:bodyPr anchorCtr="0" anchor="ctr" bIns="91425" lIns="91425" rIns="91425" tIns="91425"/>
+          <a:bodyPr lIns="91425" tIns="91425" rIns="91425" bIns="91425" anchor="ctr" anchorCtr="0"/>
           <a:lstStyle>
             <a:lvl1pPr lvl="0">
               <a:spcBef>
@@ -5170,15 +5477,19 @@
               </a:defRPr>
             </a:lvl9pPr>
           </a:lstStyle>
-          <a:p/>
+          <a:p>
+            <a:endParaRPr/>
+          </a:p>
         </p:txBody>
       </p:sp>
       <p:sp>
         <p:nvSpPr>
           <p:cNvPr id="65" name="Shape 65"/>
-          <p:cNvSpPr txBox="1"/>
+          <p:cNvSpPr txBox="1">
+            <a:spLocks noGrp="1"/>
+          </p:cNvSpPr>
           <p:nvPr>
-            <p:ph idx="12" type="sldNum"/>
+            <p:ph type="sldNum" idx="12"/>
           </p:nvPr>
         </p:nvSpPr>
         <p:spPr>
@@ -5191,7 +5502,7 @@
           </a:prstGeom>
         </p:spPr>
         <p:txBody>
-          <a:bodyPr anchorCtr="0" anchor="ctr" bIns="91425" lIns="91425" rIns="91425" tIns="91425">
+          <a:bodyPr lIns="91425" tIns="91425" rIns="91425" bIns="91425" anchor="ctr" anchorCtr="0">
             <a:noAutofit/>
           </a:bodyPr>
           <a:lstStyle/>
@@ -5206,6 +5517,7 @@
               <a:rPr lang="pt-BR"/>
               <a:t>‹#›</a:t>
             </a:fld>
+            <a:endParaRPr lang="pt-BR"/>
           </a:p>
         </p:txBody>
       </p:sp>
@@ -5218,11 +5530,11 @@
 </file>
 
 <file path=ppt/slideLayouts/slideLayout9.xml><?xml version="1.0" encoding="utf-8"?>
-<p:sldLayout xmlns:a="http://schemas.openxmlformats.org/drawingml/2006/main" xmlns:r="http://schemas.openxmlformats.org/officeDocument/2006/relationships" xmlns:mc="http://schemas.openxmlformats.org/markup-compatibility/2006" xmlns:mv="urn:schemas-microsoft-com:mac:vml" xmlns:p="http://schemas.openxmlformats.org/presentationml/2006/main" xmlns:c="http://schemas.openxmlformats.org/drawingml/2006/chart" xmlns:dgm="http://schemas.openxmlformats.org/drawingml/2006/diagram" xmlns:o="urn:schemas-microsoft-com:office:office" xmlns:v="urn:schemas-microsoft-com:vml" xmlns:pvml="urn:schemas-microsoft-com:office:powerpoint" xmlns:com="http://schemas.openxmlformats.org/drawingml/2006/compatibility" xmlns:p14="http://schemas.microsoft.com/office/powerpoint/2010/main">
+<p:sldLayout xmlns:a="http://schemas.openxmlformats.org/drawingml/2006/main" xmlns:r="http://schemas.openxmlformats.org/officeDocument/2006/relationships" xmlns:p="http://schemas.openxmlformats.org/presentationml/2006/main">
   <p:cSld name="Caption">
     <p:spTree>
       <p:nvGrpSpPr>
-        <p:cNvPr id="66" name="Shape 66"/>
+        <p:cNvPr id="1" name="Shape 66"/>
         <p:cNvGrpSpPr/>
         <p:nvPr/>
       </p:nvGrpSpPr>
@@ -5237,9 +5549,11 @@
       <p:sp>
         <p:nvSpPr>
           <p:cNvPr id="67" name="Shape 67"/>
-          <p:cNvSpPr txBox="1"/>
+          <p:cNvSpPr txBox="1">
+            <a:spLocks noGrp="1"/>
+          </p:cNvSpPr>
           <p:nvPr>
-            <p:ph idx="1" type="body"/>
+            <p:ph type="body" idx="1"/>
           </p:nvPr>
         </p:nvSpPr>
         <p:spPr>
@@ -5252,7 +5566,7 @@
           </a:prstGeom>
         </p:spPr>
         <p:txBody>
-          <a:bodyPr anchorCtr="0" anchor="ctr" bIns="91425" lIns="91425" rIns="91425" tIns="91425"/>
+          <a:bodyPr lIns="91425" tIns="91425" rIns="91425" bIns="91425" anchor="ctr" anchorCtr="0"/>
           <a:lstStyle>
             <a:lvl1pPr lvl="0">
               <a:lnSpc>
@@ -5268,15 +5582,19 @@
               <a:defRPr/>
             </a:lvl1pPr>
           </a:lstStyle>
-          <a:p/>
+          <a:p>
+            <a:endParaRPr/>
+          </a:p>
         </p:txBody>
       </p:sp>
       <p:sp>
         <p:nvSpPr>
           <p:cNvPr id="68" name="Shape 68"/>
-          <p:cNvSpPr txBox="1"/>
+          <p:cNvSpPr txBox="1">
+            <a:spLocks noGrp="1"/>
+          </p:cNvSpPr>
           <p:nvPr>
-            <p:ph idx="12" type="sldNum"/>
+            <p:ph type="sldNum" idx="12"/>
           </p:nvPr>
         </p:nvSpPr>
         <p:spPr>
@@ -5289,7 +5607,7 @@
           </a:prstGeom>
         </p:spPr>
         <p:txBody>
-          <a:bodyPr anchorCtr="0" anchor="ctr" bIns="91425" lIns="91425" rIns="91425" tIns="91425">
+          <a:bodyPr lIns="91425" tIns="91425" rIns="91425" bIns="91425" anchor="ctr" anchorCtr="0">
             <a:noAutofit/>
           </a:bodyPr>
           <a:lstStyle/>
@@ -5308,6 +5626,11 @@
               </a:rPr>
               <a:t>‹#›</a:t>
             </a:fld>
+            <a:endParaRPr lang="pt-BR">
+              <a:solidFill>
+                <a:schemeClr val="dk2"/>
+              </a:solidFill>
+            </a:endParaRPr>
           </a:p>
         </p:txBody>
       </p:sp>
@@ -5320,18 +5643,19 @@
 </file>
 
 <file path=ppt/slideMasters/slideMaster1.xml><?xml version="1.0" encoding="utf-8"?>
-<p:sldMaster xmlns:a="http://schemas.openxmlformats.org/drawingml/2006/main" xmlns:r="http://schemas.openxmlformats.org/officeDocument/2006/relationships" xmlns:mc="http://schemas.openxmlformats.org/markup-compatibility/2006" xmlns:mv="urn:schemas-microsoft-com:mac:vml" xmlns:p="http://schemas.openxmlformats.org/presentationml/2006/main" xmlns:c="http://schemas.openxmlformats.org/drawingml/2006/chart" xmlns:dgm="http://schemas.openxmlformats.org/drawingml/2006/diagram" xmlns:o="urn:schemas-microsoft-com:office:office" xmlns:v="urn:schemas-microsoft-com:vml" xmlns:pvml="urn:schemas-microsoft-com:office:powerpoint" xmlns:com="http://schemas.openxmlformats.org/drawingml/2006/compatibility" xmlns:p14="http://schemas.microsoft.com/office/powerpoint/2010/main">
+<p:sldMaster xmlns:a="http://schemas.openxmlformats.org/drawingml/2006/main" xmlns:r="http://schemas.openxmlformats.org/officeDocument/2006/relationships" xmlns:p="http://schemas.openxmlformats.org/presentationml/2006/main">
   <p:cSld>
     <p:bg>
       <p:bgPr>
         <a:solidFill>
           <a:schemeClr val="lt1"/>
         </a:solidFill>
+        <a:effectLst/>
       </p:bgPr>
     </p:bg>
     <p:spTree>
       <p:nvGrpSpPr>
-        <p:cNvPr id="5" name="Shape 5"/>
+        <p:cNvPr id="1" name="Shape 5"/>
         <p:cNvGrpSpPr/>
         <p:nvPr/>
       </p:nvGrpSpPr>
@@ -5346,7 +5670,9 @@
       <p:sp>
         <p:nvSpPr>
           <p:cNvPr id="6" name="Shape 6"/>
-          <p:cNvSpPr txBox="1"/>
+          <p:cNvSpPr txBox="1">
+            <a:spLocks noGrp="1"/>
+          </p:cNvSpPr>
           <p:nvPr>
             <p:ph type="title"/>
           </p:nvPr>
@@ -5365,7 +5691,7 @@
           </a:ln>
         </p:spPr>
         <p:txBody>
-          <a:bodyPr anchorCtr="0" anchor="t" bIns="91425" lIns="91425" rIns="91425" tIns="91425"/>
+          <a:bodyPr lIns="91425" tIns="91425" rIns="91425" bIns="91425" anchor="t" anchorCtr="0"/>
           <a:lstStyle>
             <a:lvl1pPr lvl="0">
               <a:spcBef>
@@ -5548,15 +5874,19 @@
               </a:defRPr>
             </a:lvl9pPr>
           </a:lstStyle>
-          <a:p/>
+          <a:p>
+            <a:endParaRPr/>
+          </a:p>
         </p:txBody>
       </p:sp>
       <p:sp>
         <p:nvSpPr>
           <p:cNvPr id="7" name="Shape 7"/>
-          <p:cNvSpPr txBox="1"/>
+          <p:cNvSpPr txBox="1">
+            <a:spLocks noGrp="1"/>
+          </p:cNvSpPr>
           <p:nvPr>
-            <p:ph idx="1" type="body"/>
+            <p:ph type="body" idx="1"/>
           </p:nvPr>
         </p:nvSpPr>
         <p:spPr>
@@ -5573,7 +5903,7 @@
           </a:ln>
         </p:spPr>
         <p:txBody>
-          <a:bodyPr anchorCtr="0" anchor="t" bIns="91425" lIns="91425" rIns="91425" tIns="91425"/>
+          <a:bodyPr lIns="91425" tIns="91425" rIns="91425" bIns="91425" anchor="t" anchorCtr="0"/>
           <a:lstStyle>
             <a:lvl1pPr lvl="0">
               <a:lnSpc>
@@ -5793,15 +6123,19 @@
               </a:defRPr>
             </a:lvl9pPr>
           </a:lstStyle>
-          <a:p/>
+          <a:p>
+            <a:endParaRPr/>
+          </a:p>
         </p:txBody>
       </p:sp>
       <p:sp>
         <p:nvSpPr>
           <p:cNvPr id="8" name="Shape 8"/>
-          <p:cNvSpPr txBox="1"/>
+          <p:cNvSpPr txBox="1">
+            <a:spLocks noGrp="1"/>
+          </p:cNvSpPr>
           <p:nvPr>
-            <p:ph idx="12" type="sldNum"/>
+            <p:ph type="sldNum" idx="12"/>
           </p:nvPr>
         </p:nvSpPr>
         <p:spPr>
@@ -5818,7 +6152,7 @@
           </a:ln>
         </p:spPr>
         <p:txBody>
-          <a:bodyPr anchorCtr="0" anchor="ctr" bIns="91425" lIns="91425" rIns="91425" tIns="91425">
+          <a:bodyPr lIns="91425" tIns="91425" rIns="91425" bIns="91425" anchor="ctr" anchorCtr="0">
             <a:noAutofit/>
           </a:bodyPr>
           <a:lstStyle/>
@@ -5841,12 +6175,21 @@
               </a:rPr>
               <a:t>‹#›</a:t>
             </a:fld>
+            <a:endParaRPr lang="pt-BR" sz="1000">
+              <a:solidFill>
+                <a:schemeClr val="lt1"/>
+              </a:solidFill>
+              <a:latin typeface="Roboto"/>
+              <a:ea typeface="Roboto"/>
+              <a:cs typeface="Roboto"/>
+              <a:sym typeface="Roboto"/>
+            </a:endParaRPr>
           </a:p>
         </p:txBody>
       </p:sp>
     </p:spTree>
   </p:cSld>
-  <p:clrMap accent1="accent1" accent2="accent2" accent3="accent3" accent4="accent4" accent5="accent5" accent6="accent6" bg1="lt1" bg2="dk2" tx1="dk1" tx2="lt2" folHlink="folHlink" hlink="hlink"/>
+  <p:clrMap bg1="lt1" tx1="dk1" bg2="dk2" tx2="lt2" accent1="accent1" accent2="accent2" accent3="accent3" accent4="accent4" accent5="accent5" accent6="accent6" hlink="hlink" folHlink="folHlink"/>
   <p:sldLayoutIdLst>
     <p:sldLayoutId id="2147483648" r:id="rId1"/>
     <p:sldLayoutId id="2147483649" r:id="rId2"/>
@@ -5860,10 +6203,10 @@
     <p:sldLayoutId id="2147483657" r:id="rId10"/>
     <p:sldLayoutId id="2147483658" r:id="rId11"/>
   </p:sldLayoutIdLst>
-  <p:hf dt="0" ftr="0" hdr="0" sldNum="0"/>
+  <p:hf sldNum="0" hdr="0" ftr="0" dt="0"/>
   <p:txStyles>
     <p:titleStyle>
-      <a:defPPr lvl="0" marR="0" rtl="0" algn="l">
+      <a:defPPr marR="0" lvl="0" algn="l" rtl="0">
         <a:lnSpc>
           <a:spcPct val="100000"/>
         </a:lnSpc>
@@ -5874,7 +6217,7 @@
           <a:spcPts val="0"/>
         </a:spcAft>
       </a:defPPr>
-      <a:lvl1pPr lvl="0" marR="0" rtl="0" algn="l">
+      <a:lvl1pPr marR="0" lvl="0" algn="l" rtl="0">
         <a:lnSpc>
           <a:spcPct val="100000"/>
         </a:lnSpc>
@@ -5885,7 +6228,7 @@
           <a:spcPts val="0"/>
         </a:spcAft>
         <a:buNone/>
-        <a:defRPr b="0" i="0" sz="1400" u="none" cap="none" strike="noStrike">
+        <a:defRPr sz="1400" b="0" i="0" u="none" strike="noStrike" cap="none">
           <a:solidFill>
             <a:srgbClr val="000000"/>
           </a:solidFill>
@@ -5897,7 +6240,7 @@
       </a:lvl1pPr>
     </p:titleStyle>
     <p:bodyStyle>
-      <a:defPPr lvl="0" marR="0" rtl="0" algn="l">
+      <a:defPPr marR="0" lvl="0" algn="l" rtl="0">
         <a:lnSpc>
           <a:spcPct val="100000"/>
         </a:lnSpc>
@@ -5908,7 +6251,7 @@
           <a:spcPts val="0"/>
         </a:spcAft>
       </a:defPPr>
-      <a:lvl1pPr lvl="0" marR="0" rtl="0" algn="l">
+      <a:lvl1pPr marR="0" lvl="0" algn="l" rtl="0">
         <a:lnSpc>
           <a:spcPct val="100000"/>
         </a:lnSpc>
@@ -5919,7 +6262,7 @@
           <a:spcPts val="0"/>
         </a:spcAft>
         <a:buNone/>
-        <a:defRPr b="0" i="0" sz="1400" u="none" cap="none" strike="noStrike">
+        <a:defRPr sz="1400" b="0" i="0" u="none" strike="noStrike" cap="none">
           <a:solidFill>
             <a:srgbClr val="000000"/>
           </a:solidFill>
@@ -5929,7 +6272,7 @@
           <a:sym typeface="Arial"/>
         </a:defRPr>
       </a:lvl1pPr>
-      <a:lvl2pPr lvl="1" marR="0" rtl="0" algn="l">
+      <a:lvl2pPr marR="0" lvl="1" algn="l" rtl="0">
         <a:lnSpc>
           <a:spcPct val="100000"/>
         </a:lnSpc>
@@ -5940,7 +6283,7 @@
           <a:spcPts val="0"/>
         </a:spcAft>
         <a:buNone/>
-        <a:defRPr b="0" i="0" sz="1400" u="none" cap="none" strike="noStrike">
+        <a:defRPr sz="1400" b="0" i="0" u="none" strike="noStrike" cap="none">
           <a:solidFill>
             <a:srgbClr val="000000"/>
           </a:solidFill>
@@ -5950,7 +6293,7 @@
           <a:sym typeface="Arial"/>
         </a:defRPr>
       </a:lvl2pPr>
-      <a:lvl3pPr lvl="2" marR="0" rtl="0" algn="l">
+      <a:lvl3pPr marR="0" lvl="2" algn="l" rtl="0">
         <a:lnSpc>
           <a:spcPct val="100000"/>
         </a:lnSpc>
@@ -5961,7 +6304,7 @@
           <a:spcPts val="0"/>
         </a:spcAft>
         <a:buNone/>
-        <a:defRPr b="0" i="0" sz="1400" u="none" cap="none" strike="noStrike">
+        <a:defRPr sz="1400" b="0" i="0" u="none" strike="noStrike" cap="none">
           <a:solidFill>
             <a:srgbClr val="000000"/>
           </a:solidFill>
@@ -5971,7 +6314,7 @@
           <a:sym typeface="Arial"/>
         </a:defRPr>
       </a:lvl3pPr>
-      <a:lvl4pPr lvl="3" marR="0" rtl="0" algn="l">
+      <a:lvl4pPr marR="0" lvl="3" algn="l" rtl="0">
         <a:lnSpc>
           <a:spcPct val="100000"/>
         </a:lnSpc>
@@ -5982,7 +6325,7 @@
           <a:spcPts val="0"/>
         </a:spcAft>
         <a:buNone/>
-        <a:defRPr b="0" i="0" sz="1400" u="none" cap="none" strike="noStrike">
+        <a:defRPr sz="1400" b="0" i="0" u="none" strike="noStrike" cap="none">
           <a:solidFill>
             <a:srgbClr val="000000"/>
           </a:solidFill>
@@ -5992,7 +6335,7 @@
           <a:sym typeface="Arial"/>
         </a:defRPr>
       </a:lvl4pPr>
-      <a:lvl5pPr lvl="4" marR="0" rtl="0" algn="l">
+      <a:lvl5pPr marR="0" lvl="4" algn="l" rtl="0">
         <a:lnSpc>
           <a:spcPct val="100000"/>
         </a:lnSpc>
@@ -6003,7 +6346,7 @@
           <a:spcPts val="0"/>
         </a:spcAft>
         <a:buNone/>
-        <a:defRPr b="0" i="0" sz="1400" u="none" cap="none" strike="noStrike">
+        <a:defRPr sz="1400" b="0" i="0" u="none" strike="noStrike" cap="none">
           <a:solidFill>
             <a:srgbClr val="000000"/>
           </a:solidFill>
@@ -6013,7 +6356,7 @@
           <a:sym typeface="Arial"/>
         </a:defRPr>
       </a:lvl5pPr>
-      <a:lvl6pPr lvl="5" marR="0" rtl="0" algn="l">
+      <a:lvl6pPr marR="0" lvl="5" algn="l" rtl="0">
         <a:lnSpc>
           <a:spcPct val="100000"/>
         </a:lnSpc>
@@ -6024,7 +6367,7 @@
           <a:spcPts val="0"/>
         </a:spcAft>
         <a:buNone/>
-        <a:defRPr b="0" i="0" sz="1400" u="none" cap="none" strike="noStrike">
+        <a:defRPr sz="1400" b="0" i="0" u="none" strike="noStrike" cap="none">
           <a:solidFill>
             <a:srgbClr val="000000"/>
           </a:solidFill>
@@ -6034,7 +6377,7 @@
           <a:sym typeface="Arial"/>
         </a:defRPr>
       </a:lvl6pPr>
-      <a:lvl7pPr lvl="6" marR="0" rtl="0" algn="l">
+      <a:lvl7pPr marR="0" lvl="6" algn="l" rtl="0">
         <a:lnSpc>
           <a:spcPct val="100000"/>
         </a:lnSpc>
@@ -6045,7 +6388,7 @@
           <a:spcPts val="0"/>
         </a:spcAft>
         <a:buNone/>
-        <a:defRPr b="0" i="0" sz="1400" u="none" cap="none" strike="noStrike">
+        <a:defRPr sz="1400" b="0" i="0" u="none" strike="noStrike" cap="none">
           <a:solidFill>
             <a:srgbClr val="000000"/>
           </a:solidFill>
@@ -6055,7 +6398,7 @@
           <a:sym typeface="Arial"/>
         </a:defRPr>
       </a:lvl7pPr>
-      <a:lvl8pPr lvl="7" marR="0" rtl="0" algn="l">
+      <a:lvl8pPr marR="0" lvl="7" algn="l" rtl="0">
         <a:lnSpc>
           <a:spcPct val="100000"/>
         </a:lnSpc>
@@ -6066,7 +6409,7 @@
           <a:spcPts val="0"/>
         </a:spcAft>
         <a:buNone/>
-        <a:defRPr b="0" i="0" sz="1400" u="none" cap="none" strike="noStrike">
+        <a:defRPr sz="1400" b="0" i="0" u="none" strike="noStrike" cap="none">
           <a:solidFill>
             <a:srgbClr val="000000"/>
           </a:solidFill>
@@ -6076,7 +6419,7 @@
           <a:sym typeface="Arial"/>
         </a:defRPr>
       </a:lvl8pPr>
-      <a:lvl9pPr lvl="8" marR="0" rtl="0" algn="l">
+      <a:lvl9pPr marR="0" lvl="8" algn="l" rtl="0">
         <a:lnSpc>
           <a:spcPct val="100000"/>
         </a:lnSpc>
@@ -6087,7 +6430,7 @@
           <a:spcPts val="0"/>
         </a:spcAft>
         <a:buNone/>
-        <a:defRPr b="0" i="0" sz="1400" u="none" cap="none" strike="noStrike">
+        <a:defRPr sz="1400" b="0" i="0" u="none" strike="noStrike" cap="none">
           <a:solidFill>
             <a:srgbClr val="000000"/>
           </a:solidFill>
@@ -6099,7 +6442,7 @@
       </a:lvl9pPr>
     </p:bodyStyle>
     <p:otherStyle>
-      <a:defPPr lvl="0" marR="0" rtl="0" algn="l">
+      <a:defPPr marR="0" lvl="0" algn="l" rtl="0">
         <a:lnSpc>
           <a:spcPct val="100000"/>
         </a:lnSpc>
@@ -6110,7 +6453,7 @@
           <a:spcPts val="0"/>
         </a:spcAft>
       </a:defPPr>
-      <a:lvl1pPr lvl="0" marR="0" rtl="0" algn="l">
+      <a:lvl1pPr marR="0" lvl="0" algn="l" rtl="0">
         <a:lnSpc>
           <a:spcPct val="100000"/>
         </a:lnSpc>
@@ -6121,7 +6464,7 @@
           <a:spcPts val="0"/>
         </a:spcAft>
         <a:buNone/>
-        <a:defRPr b="0" i="0" sz="1400" u="none" cap="none" strike="noStrike">
+        <a:defRPr sz="1400" b="0" i="0" u="none" strike="noStrike" cap="none">
           <a:solidFill>
             <a:srgbClr val="000000"/>
           </a:solidFill>
@@ -6131,7 +6474,7 @@
           <a:sym typeface="Arial"/>
         </a:defRPr>
       </a:lvl1pPr>
-      <a:lvl2pPr lvl="1" marR="0" rtl="0" algn="l">
+      <a:lvl2pPr marR="0" lvl="1" algn="l" rtl="0">
         <a:lnSpc>
           <a:spcPct val="100000"/>
         </a:lnSpc>
@@ -6142,7 +6485,7 @@
           <a:spcPts val="0"/>
         </a:spcAft>
         <a:buNone/>
-        <a:defRPr b="0" i="0" sz="1400" u="none" cap="none" strike="noStrike">
+        <a:defRPr sz="1400" b="0" i="0" u="none" strike="noStrike" cap="none">
           <a:solidFill>
             <a:srgbClr val="000000"/>
           </a:solidFill>
@@ -6152,7 +6495,7 @@
           <a:sym typeface="Arial"/>
         </a:defRPr>
       </a:lvl2pPr>
-      <a:lvl3pPr lvl="2" marR="0" rtl="0" algn="l">
+      <a:lvl3pPr marR="0" lvl="2" algn="l" rtl="0">
         <a:lnSpc>
           <a:spcPct val="100000"/>
         </a:lnSpc>
@@ -6163,7 +6506,7 @@
           <a:spcPts val="0"/>
         </a:spcAft>
         <a:buNone/>
-        <a:defRPr b="0" i="0" sz="1400" u="none" cap="none" strike="noStrike">
+        <a:defRPr sz="1400" b="0" i="0" u="none" strike="noStrike" cap="none">
           <a:solidFill>
             <a:srgbClr val="000000"/>
           </a:solidFill>
@@ -6173,7 +6516,7 @@
           <a:sym typeface="Arial"/>
         </a:defRPr>
       </a:lvl3pPr>
-      <a:lvl4pPr lvl="3" marR="0" rtl="0" algn="l">
+      <a:lvl4pPr marR="0" lvl="3" algn="l" rtl="0">
         <a:lnSpc>
           <a:spcPct val="100000"/>
         </a:lnSpc>
@@ -6184,7 +6527,7 @@
           <a:spcPts val="0"/>
         </a:spcAft>
         <a:buNone/>
-        <a:defRPr b="0" i="0" sz="1400" u="none" cap="none" strike="noStrike">
+        <a:defRPr sz="1400" b="0" i="0" u="none" strike="noStrike" cap="none">
           <a:solidFill>
             <a:srgbClr val="000000"/>
           </a:solidFill>
@@ -6194,7 +6537,7 @@
           <a:sym typeface="Arial"/>
         </a:defRPr>
       </a:lvl4pPr>
-      <a:lvl5pPr lvl="4" marR="0" rtl="0" algn="l">
+      <a:lvl5pPr marR="0" lvl="4" algn="l" rtl="0">
         <a:lnSpc>
           <a:spcPct val="100000"/>
         </a:lnSpc>
@@ -6205,7 +6548,7 @@
           <a:spcPts val="0"/>
         </a:spcAft>
         <a:buNone/>
-        <a:defRPr b="0" i="0" sz="1400" u="none" cap="none" strike="noStrike">
+        <a:defRPr sz="1400" b="0" i="0" u="none" strike="noStrike" cap="none">
           <a:solidFill>
             <a:srgbClr val="000000"/>
           </a:solidFill>
@@ -6215,7 +6558,7 @@
           <a:sym typeface="Arial"/>
         </a:defRPr>
       </a:lvl5pPr>
-      <a:lvl6pPr lvl="5" marR="0" rtl="0" algn="l">
+      <a:lvl6pPr marR="0" lvl="5" algn="l" rtl="0">
         <a:lnSpc>
           <a:spcPct val="100000"/>
         </a:lnSpc>
@@ -6226,7 +6569,7 @@
           <a:spcPts val="0"/>
         </a:spcAft>
         <a:buNone/>
-        <a:defRPr b="0" i="0" sz="1400" u="none" cap="none" strike="noStrike">
+        <a:defRPr sz="1400" b="0" i="0" u="none" strike="noStrike" cap="none">
           <a:solidFill>
             <a:srgbClr val="000000"/>
           </a:solidFill>
@@ -6236,7 +6579,7 @@
           <a:sym typeface="Arial"/>
         </a:defRPr>
       </a:lvl6pPr>
-      <a:lvl7pPr lvl="6" marR="0" rtl="0" algn="l">
+      <a:lvl7pPr marR="0" lvl="6" algn="l" rtl="0">
         <a:lnSpc>
           <a:spcPct val="100000"/>
         </a:lnSpc>
@@ -6247,7 +6590,7 @@
           <a:spcPts val="0"/>
         </a:spcAft>
         <a:buNone/>
-        <a:defRPr b="0" i="0" sz="1400" u="none" cap="none" strike="noStrike">
+        <a:defRPr sz="1400" b="0" i="0" u="none" strike="noStrike" cap="none">
           <a:solidFill>
             <a:srgbClr val="000000"/>
           </a:solidFill>
@@ -6257,7 +6600,7 @@
           <a:sym typeface="Arial"/>
         </a:defRPr>
       </a:lvl7pPr>
-      <a:lvl8pPr lvl="7" marR="0" rtl="0" algn="l">
+      <a:lvl8pPr marR="0" lvl="7" algn="l" rtl="0">
         <a:lnSpc>
           <a:spcPct val="100000"/>
         </a:lnSpc>
@@ -6268,7 +6611,7 @@
           <a:spcPts val="0"/>
         </a:spcAft>
         <a:buNone/>
-        <a:defRPr b="0" i="0" sz="1400" u="none" cap="none" strike="noStrike">
+        <a:defRPr sz="1400" b="0" i="0" u="none" strike="noStrike" cap="none">
           <a:solidFill>
             <a:srgbClr val="000000"/>
           </a:solidFill>
@@ -6278,7 +6621,7 @@
           <a:sym typeface="Arial"/>
         </a:defRPr>
       </a:lvl8pPr>
-      <a:lvl9pPr lvl="8" marR="0" rtl="0" algn="l">
+      <a:lvl9pPr marR="0" lvl="8" algn="l" rtl="0">
         <a:lnSpc>
           <a:spcPct val="100000"/>
         </a:lnSpc>
@@ -6289,7 +6632,7 @@
           <a:spcPts val="0"/>
         </a:spcAft>
         <a:buNone/>
-        <a:defRPr b="0" i="0" sz="1400" u="none" cap="none" strike="noStrike">
+        <a:defRPr sz="1400" b="0" i="0" u="none" strike="noStrike" cap="none">
           <a:solidFill>
             <a:srgbClr val="000000"/>
           </a:solidFill>
@@ -6305,11 +6648,11 @@
 </file>
 
 <file path=ppt/slides/slide1.xml><?xml version="1.0" encoding="utf-8"?>
-<p:sld xmlns:a="http://schemas.openxmlformats.org/drawingml/2006/main" xmlns:r="http://schemas.openxmlformats.org/officeDocument/2006/relationships" xmlns:mc="http://schemas.openxmlformats.org/markup-compatibility/2006" xmlns:mv="urn:schemas-microsoft-com:mac:vml" xmlns:p="http://schemas.openxmlformats.org/presentationml/2006/main" xmlns:c="http://schemas.openxmlformats.org/drawingml/2006/chart" xmlns:dgm="http://schemas.openxmlformats.org/drawingml/2006/diagram" xmlns:o="urn:schemas-microsoft-com:office:office" xmlns:v="urn:schemas-microsoft-com:vml" xmlns:pvml="urn:schemas-microsoft-com:office:powerpoint" xmlns:com="http://schemas.openxmlformats.org/drawingml/2006/compatibility" xmlns:p14="http://schemas.microsoft.com/office/powerpoint/2010/main">
+<p:sld xmlns:a="http://schemas.openxmlformats.org/drawingml/2006/main" xmlns:r="http://schemas.openxmlformats.org/officeDocument/2006/relationships" xmlns:p="http://schemas.openxmlformats.org/presentationml/2006/main">
   <p:cSld>
     <p:spTree>
       <p:nvGrpSpPr>
-        <p:cNvPr id="84" name="Shape 84"/>
+        <p:cNvPr id="1" name="Shape 84"/>
         <p:cNvGrpSpPr/>
         <p:nvPr/>
       </p:nvGrpSpPr>
@@ -6324,7 +6667,9 @@
       <p:sp>
         <p:nvSpPr>
           <p:cNvPr id="85" name="Shape 85"/>
-          <p:cNvSpPr txBox="1"/>
+          <p:cNvSpPr txBox="1">
+            <a:spLocks noGrp="1"/>
+          </p:cNvSpPr>
           <p:nvPr>
             <p:ph type="ctrTitle"/>
           </p:nvPr>
@@ -6339,7 +6684,7 @@
           </a:prstGeom>
         </p:spPr>
         <p:txBody>
-          <a:bodyPr anchorCtr="0" anchor="b" bIns="91425" lIns="91425" rIns="91425" tIns="91425">
+          <a:bodyPr lIns="91425" tIns="91425" rIns="91425" bIns="91425" anchor="b" anchorCtr="0">
             <a:noAutofit/>
           </a:bodyPr>
           <a:lstStyle/>
@@ -6364,9 +6709,11 @@
       <p:sp>
         <p:nvSpPr>
           <p:cNvPr id="86" name="Shape 86"/>
-          <p:cNvSpPr txBox="1"/>
+          <p:cNvSpPr txBox="1">
+            <a:spLocks noGrp="1"/>
+          </p:cNvSpPr>
           <p:nvPr>
-            <p:ph idx="1" type="subTitle"/>
+            <p:ph type="subTitle" idx="1"/>
           </p:nvPr>
         </p:nvSpPr>
         <p:spPr>
@@ -6379,7 +6726,7 @@
           </a:prstGeom>
         </p:spPr>
         <p:txBody>
-          <a:bodyPr anchorCtr="0" anchor="t" bIns="91425" lIns="91425" rIns="91425" tIns="91425">
+          <a:bodyPr lIns="91425" tIns="91425" rIns="91425" bIns="91425" anchor="t" anchorCtr="0">
             <a:noAutofit/>
           </a:bodyPr>
           <a:lstStyle/>
@@ -6418,11 +6765,11 @@
 </file>
 
 <file path=ppt/slides/slide10.xml><?xml version="1.0" encoding="utf-8"?>
-<p:sld xmlns:a="http://schemas.openxmlformats.org/drawingml/2006/main" xmlns:r="http://schemas.openxmlformats.org/officeDocument/2006/relationships" xmlns:mc="http://schemas.openxmlformats.org/markup-compatibility/2006" xmlns:mv="urn:schemas-microsoft-com:mac:vml" xmlns:p="http://schemas.openxmlformats.org/presentationml/2006/main" xmlns:c="http://schemas.openxmlformats.org/drawingml/2006/chart" xmlns:dgm="http://schemas.openxmlformats.org/drawingml/2006/diagram" xmlns:o="urn:schemas-microsoft-com:office:office" xmlns:v="urn:schemas-microsoft-com:vml" xmlns:pvml="urn:schemas-microsoft-com:office:powerpoint" xmlns:com="http://schemas.openxmlformats.org/drawingml/2006/compatibility" xmlns:p14="http://schemas.microsoft.com/office/powerpoint/2010/main">
+<p:sld xmlns:a="http://schemas.openxmlformats.org/drawingml/2006/main" xmlns:r="http://schemas.openxmlformats.org/officeDocument/2006/relationships" xmlns:p="http://schemas.openxmlformats.org/presentationml/2006/main">
   <p:cSld>
     <p:spTree>
       <p:nvGrpSpPr>
-        <p:cNvPr id="140" name="Shape 140"/>
+        <p:cNvPr id="1" name="Shape 140"/>
         <p:cNvGrpSpPr/>
         <p:nvPr/>
       </p:nvGrpSpPr>
@@ -6437,7 +6784,9 @@
       <p:sp>
         <p:nvSpPr>
           <p:cNvPr id="141" name="Shape 141"/>
-          <p:cNvSpPr txBox="1"/>
+          <p:cNvSpPr txBox="1">
+            <a:spLocks noGrp="1"/>
+          </p:cNvSpPr>
           <p:nvPr>
             <p:ph type="title"/>
           </p:nvPr>
@@ -6452,7 +6801,7 @@
           </a:prstGeom>
         </p:spPr>
         <p:txBody>
-          <a:bodyPr anchorCtr="0" anchor="t" bIns="91425" lIns="91425" rIns="91425" tIns="91425">
+          <a:bodyPr lIns="91425" tIns="91425" rIns="91425" bIns="91425" anchor="t" anchorCtr="0">
             <a:noAutofit/>
           </a:bodyPr>
           <a:lstStyle/>
@@ -6470,22 +6819,264 @@
           </a:p>
         </p:txBody>
       </p:sp>
+      <p:pic>
+        <p:nvPicPr>
+          <p:cNvPr id="142" name="Shape 142"/>
+          <p:cNvPicPr preferRelativeResize="0"/>
+          <p:nvPr/>
+        </p:nvPicPr>
+        <p:blipFill>
+          <a:blip r:embed="rId3">
+            <a:alphaModFix/>
+          </a:blip>
+          <a:stretch>
+            <a:fillRect/>
+          </a:stretch>
+        </p:blipFill>
+        <p:spPr>
+          <a:xfrm>
+            <a:off x="187075" y="1022187"/>
+            <a:ext cx="3430100" cy="3099124"/>
+          </a:xfrm>
+          <a:prstGeom prst="rect">
+            <a:avLst/>
+          </a:prstGeom>
+          <a:noFill/>
+          <a:ln>
+            <a:noFill/>
+          </a:ln>
+        </p:spPr>
+      </p:pic>
+      <p:pic>
+        <p:nvPicPr>
+          <p:cNvPr id="143" name="Shape 143"/>
+          <p:cNvPicPr preferRelativeResize="0"/>
+          <p:nvPr/>
+        </p:nvPicPr>
+        <p:blipFill>
+          <a:blip r:embed="rId4">
+            <a:alphaModFix/>
+          </a:blip>
+          <a:stretch>
+            <a:fillRect/>
+          </a:stretch>
+        </p:blipFill>
+        <p:spPr>
+          <a:xfrm>
+            <a:off x="4055850" y="971299"/>
+            <a:ext cx="3430099" cy="3841427"/>
+          </a:xfrm>
+          <a:prstGeom prst="rect">
+            <a:avLst/>
+          </a:prstGeom>
+          <a:noFill/>
+          <a:ln>
+            <a:noFill/>
+          </a:ln>
+        </p:spPr>
+      </p:pic>
+      <p:sp>
+        <p:nvSpPr>
+          <p:cNvPr id="144" name="Shape 144"/>
+          <p:cNvSpPr txBox="1">
+            <a:spLocks noGrp="1"/>
+          </p:cNvSpPr>
+          <p:nvPr>
+            <p:ph type="body" idx="1"/>
+          </p:nvPr>
+        </p:nvSpPr>
+        <p:spPr>
+          <a:xfrm>
+            <a:off x="379675" y="4086050"/>
+            <a:ext cx="3914100" cy="678600"/>
+          </a:xfrm>
+          <a:prstGeom prst="rect">
+            <a:avLst/>
+          </a:prstGeom>
+        </p:spPr>
+        <p:txBody>
+          <a:bodyPr lIns="91425" tIns="91425" rIns="91425" bIns="91425" anchor="t" anchorCtr="0">
+            <a:noAutofit/>
+          </a:bodyPr>
+          <a:lstStyle/>
+          <a:p>
+            <a:pPr marL="457200" lvl="0" indent="-228600" algn="just" rtl="0">
+              <a:lnSpc>
+                <a:spcPct val="100000"/>
+              </a:lnSpc>
+              <a:spcBef>
+                <a:spcPts val="600"/>
+              </a:spcBef>
+              <a:spcAft>
+                <a:spcPts val="0"/>
+              </a:spcAft>
+            </a:pPr>
+            <a:r>
+              <a:rPr lang="pt-BR"/>
+              <a:t>Primeiro livro</a:t>
+            </a:r>
+          </a:p>
+          <a:p>
+            <a:pPr marL="0" lvl="0" indent="0" algn="just" rtl="0">
+              <a:lnSpc>
+                <a:spcPct val="100000"/>
+              </a:lnSpc>
+              <a:spcBef>
+                <a:spcPts val="600"/>
+              </a:spcBef>
+              <a:spcAft>
+                <a:spcPts val="0"/>
+              </a:spcAft>
+              <a:buNone/>
+            </a:pPr>
+            <a:endParaRPr sz="1600"/>
+          </a:p>
+        </p:txBody>
+      </p:sp>
+      <p:sp>
+        <p:nvSpPr>
+          <p:cNvPr id="145" name="Shape 145"/>
+          <p:cNvSpPr txBox="1">
+            <a:spLocks noGrp="1"/>
+          </p:cNvSpPr>
+          <p:nvPr>
+            <p:ph type="body" idx="1"/>
+          </p:nvPr>
+        </p:nvSpPr>
+        <p:spPr>
+          <a:xfrm>
+            <a:off x="4104350" y="4086875"/>
+            <a:ext cx="3914100" cy="541800"/>
+          </a:xfrm>
+          <a:prstGeom prst="rect">
+            <a:avLst/>
+          </a:prstGeom>
+        </p:spPr>
+        <p:txBody>
+          <a:bodyPr lIns="91425" tIns="91425" rIns="91425" bIns="91425" anchor="t" anchorCtr="0">
+            <a:noAutofit/>
+          </a:bodyPr>
+          <a:lstStyle/>
+          <a:p>
+            <a:pPr marL="457200" lvl="0" indent="-228600" algn="just" rtl="0">
+              <a:lnSpc>
+                <a:spcPct val="100000"/>
+              </a:lnSpc>
+              <a:spcBef>
+                <a:spcPts val="600"/>
+              </a:spcBef>
+              <a:spcAft>
+                <a:spcPts val="0"/>
+              </a:spcAft>
+            </a:pPr>
+            <a:r>
+              <a:rPr lang="pt-BR"/>
+              <a:t>A série completa</a:t>
+            </a:r>
+          </a:p>
+          <a:p>
+            <a:pPr marL="0" lvl="0" indent="0" algn="just" rtl="0">
+              <a:lnSpc>
+                <a:spcPct val="100000"/>
+              </a:lnSpc>
+              <a:spcBef>
+                <a:spcPts val="600"/>
+              </a:spcBef>
+              <a:spcAft>
+                <a:spcPts val="0"/>
+              </a:spcAft>
+              <a:buNone/>
+            </a:pPr>
+            <a:endParaRPr sz="1600"/>
+          </a:p>
+        </p:txBody>
+      </p:sp>
+    </p:spTree>
+  </p:cSld>
+  <p:clrMapOvr>
+    <a:masterClrMapping/>
+  </p:clrMapOvr>
+  <p:timing>
+    <p:tnLst>
+      <p:par>
+        <p:cTn xmlns:p14="http://schemas.microsoft.com/office/powerpoint/2010/main" id="1" dur="indefinite" restart="never" nodeType="tmRoot"/>
+      </p:par>
+    </p:tnLst>
+  </p:timing>
+</p:sld>
+</file>
+
+<file path=ppt/slides/slide11.xml><?xml version="1.0" encoding="utf-8"?>
+<p:sld xmlns:a="http://schemas.openxmlformats.org/drawingml/2006/main" xmlns:r="http://schemas.openxmlformats.org/officeDocument/2006/relationships" xmlns:p="http://schemas.openxmlformats.org/presentationml/2006/main">
+  <p:cSld>
+    <p:spTree>
+      <p:nvGrpSpPr>
+        <p:cNvPr id="1" name="Shape 149"/>
+        <p:cNvGrpSpPr/>
+        <p:nvPr/>
+      </p:nvGrpSpPr>
+      <p:grpSpPr>
+        <a:xfrm>
+          <a:off x="0" y="0"/>
+          <a:ext cx="0" cy="0"/>
+          <a:chOff x="0" y="0"/>
+          <a:chExt cx="0" cy="0"/>
+        </a:xfrm>
+      </p:grpSpPr>
+      <p:sp>
+        <p:nvSpPr>
+          <p:cNvPr id="150" name="Shape 150"/>
+          <p:cNvSpPr txBox="1">
+            <a:spLocks noGrp="1"/>
+          </p:cNvSpPr>
+          <p:nvPr>
+            <p:ph type="title"/>
+          </p:nvPr>
+        </p:nvSpPr>
+        <p:spPr>
+          <a:xfrm>
+            <a:off x="311700" y="410000"/>
+            <a:ext cx="8520600" cy="607800"/>
+          </a:xfrm>
+          <a:prstGeom prst="rect">
+            <a:avLst/>
+          </a:prstGeom>
+        </p:spPr>
+        <p:txBody>
+          <a:bodyPr lIns="91425" tIns="91425" rIns="91425" bIns="91425" anchor="t" anchorCtr="0">
+            <a:noAutofit/>
+          </a:bodyPr>
+          <a:lstStyle/>
+          <a:p>
+            <a:pPr lvl="0" rtl="0">
+              <a:spcBef>
+                <a:spcPts val="0"/>
+              </a:spcBef>
+              <a:buNone/>
+            </a:pPr>
+            <a:r>
+              <a:rPr lang="pt-BR"/>
+              <a:t>Evolução da Rede ao Longo da Série</a:t>
+            </a:r>
+          </a:p>
+        </p:txBody>
+      </p:sp>
       <p:graphicFrame>
         <p:nvGraphicFramePr>
-          <p:cNvPr id="142" name="Shape 142"/>
+          <p:cNvPr id="151" name="Shape 151"/>
           <p:cNvGraphicFramePr/>
           <p:nvPr/>
         </p:nvGraphicFramePr>
         <p:xfrm>
           <a:off x="1777125" y="1443275"/>
-          <a:ext cx="3000000" cy="3000000"/>
+          <a:ext cx="5156750" cy="2557800"/>
         </p:xfrm>
         <a:graphic>
           <a:graphicData uri="http://schemas.openxmlformats.org/drawingml/2006/table">
             <a:tbl>
               <a:tblPr>
                 <a:noFill/>
-                <a:tableStyleId>{D3E8D8D4-3EA4-441A-8325-70E574B051EC}</a:tableStyleId>
+                <a:tableStyleId>{789DE882-420D-4B94-8C0C-140921C24252}</a:tableStyleId>
               </a:tblPr>
               <a:tblGrid>
                 <a:gridCol w="572975"/>
@@ -6498,12 +7089,10 @@
               <a:tr h="319725">
                 <a:tc>
                   <a:txBody>
-                    <a:bodyPr>
-                      <a:noAutofit/>
-                    </a:bodyPr>
+                    <a:bodyPr/>
                     <a:lstStyle/>
                     <a:p>
-                      <a:pPr lvl="0" rtl="0" algn="ctr">
+                      <a:pPr lvl="0" algn="ctr" rtl="0">
                         <a:spcBef>
                           <a:spcPts val="0"/>
                         </a:spcBef>
@@ -6520,16 +7109,14 @@
                       </a:r>
                     </a:p>
                   </a:txBody>
-                  <a:tcPr marT="63500" marB="63500" marR="63500" marL="63500"/>
+                  <a:tcPr marL="63500" marR="63500" marT="63500" marB="63500"/>
                 </a:tc>
                 <a:tc>
                   <a:txBody>
-                    <a:bodyPr>
-                      <a:noAutofit/>
-                    </a:bodyPr>
+                    <a:bodyPr/>
                     <a:lstStyle/>
                     <a:p>
-                      <a:pPr lvl="0" rtl="0" algn="ctr">
+                      <a:pPr lvl="0" algn="ctr" rtl="0">
                         <a:spcBef>
                           <a:spcPts val="0"/>
                         </a:spcBef>
@@ -6546,16 +7133,14 @@
                       </a:r>
                     </a:p>
                   </a:txBody>
-                  <a:tcPr marT="63500" marB="63500" marR="63500" marL="63500"/>
+                  <a:tcPr marL="63500" marR="63500" marT="63500" marB="63500"/>
                 </a:tc>
                 <a:tc>
                   <a:txBody>
-                    <a:bodyPr>
-                      <a:noAutofit/>
-                    </a:bodyPr>
+                    <a:bodyPr/>
                     <a:lstStyle/>
                     <a:p>
-                      <a:pPr lvl="0" rtl="0" algn="ctr">
+                      <a:pPr lvl="0" algn="ctr" rtl="0">
                         <a:spcBef>
                           <a:spcPts val="0"/>
                         </a:spcBef>
@@ -6572,16 +7157,14 @@
                       </a:r>
                     </a:p>
                   </a:txBody>
-                  <a:tcPr marT="63500" marB="63500" marR="63500" marL="63500"/>
+                  <a:tcPr marL="63500" marR="63500" marT="63500" marB="63500"/>
                 </a:tc>
                 <a:tc>
                   <a:txBody>
-                    <a:bodyPr>
-                      <a:noAutofit/>
-                    </a:bodyPr>
+                    <a:bodyPr/>
                     <a:lstStyle/>
                     <a:p>
-                      <a:pPr lvl="0" rtl="0" algn="ctr">
+                      <a:pPr lvl="0" algn="ctr" rtl="0">
                         <a:spcBef>
                           <a:spcPts val="0"/>
                         </a:spcBef>
@@ -6598,16 +7181,14 @@
                       </a:r>
                     </a:p>
                   </a:txBody>
-                  <a:tcPr marT="63500" marB="63500" marR="63500" marL="63500"/>
+                  <a:tcPr marL="63500" marR="63500" marT="63500" marB="63500"/>
                 </a:tc>
                 <a:tc>
                   <a:txBody>
-                    <a:bodyPr>
-                      <a:noAutofit/>
-                    </a:bodyPr>
+                    <a:bodyPr/>
                     <a:lstStyle/>
                     <a:p>
-                      <a:pPr lvl="0" rtl="0" algn="ctr">
+                      <a:pPr lvl="0" algn="ctr" rtl="0">
                         <a:spcBef>
                           <a:spcPts val="0"/>
                         </a:spcBef>
@@ -6624,16 +7205,14 @@
                       </a:r>
                     </a:p>
                   </a:txBody>
-                  <a:tcPr marT="63500" marB="63500" marR="63500" marL="63500"/>
+                  <a:tcPr marL="63500" marR="63500" marT="63500" marB="63500"/>
                 </a:tc>
                 <a:tc>
                   <a:txBody>
-                    <a:bodyPr>
-                      <a:noAutofit/>
-                    </a:bodyPr>
+                    <a:bodyPr/>
                     <a:lstStyle/>
                     <a:p>
-                      <a:pPr lvl="0" rtl="0" algn="ctr">
+                      <a:pPr lvl="0" algn="ctr" rtl="0">
                         <a:spcBef>
                           <a:spcPts val="0"/>
                         </a:spcBef>
@@ -6650,18 +7229,16 @@
                       </a:r>
                     </a:p>
                   </a:txBody>
-                  <a:tcPr marT="63500" marB="63500" marR="63500" marL="63500"/>
+                  <a:tcPr marL="63500" marR="63500" marT="63500" marB="63500"/>
                 </a:tc>
               </a:tr>
               <a:tr h="319725">
                 <a:tc>
                   <a:txBody>
-                    <a:bodyPr>
-                      <a:noAutofit/>
-                    </a:bodyPr>
+                    <a:bodyPr/>
                     <a:lstStyle/>
                     <a:p>
-                      <a:pPr lvl="0" rtl="0" algn="ctr">
+                      <a:pPr lvl="0" algn="ctr" rtl="0">
                         <a:spcBef>
                           <a:spcPts val="0"/>
                         </a:spcBef>
@@ -6678,16 +7255,14 @@
                       </a:r>
                     </a:p>
                   </a:txBody>
-                  <a:tcPr marT="63500" marB="63500" marR="63500" marL="63500"/>
+                  <a:tcPr marL="63500" marR="63500" marT="63500" marB="63500"/>
                 </a:tc>
                 <a:tc>
                   <a:txBody>
-                    <a:bodyPr>
-                      <a:noAutofit/>
-                    </a:bodyPr>
+                    <a:bodyPr/>
                     <a:lstStyle/>
                     <a:p>
-                      <a:pPr lvl="0" rtl="0" algn="ctr">
+                      <a:pPr lvl="0" algn="ctr" rtl="0">
                         <a:spcBef>
                           <a:spcPts val="0"/>
                         </a:spcBef>
@@ -6704,16 +7279,14 @@
                       </a:r>
                     </a:p>
                   </a:txBody>
-                  <a:tcPr marT="63500" marB="63500" marR="63500" marL="63500"/>
+                  <a:tcPr marL="63500" marR="63500" marT="63500" marB="63500"/>
                 </a:tc>
                 <a:tc>
                   <a:txBody>
-                    <a:bodyPr>
-                      <a:noAutofit/>
-                    </a:bodyPr>
+                    <a:bodyPr/>
                     <a:lstStyle/>
                     <a:p>
-                      <a:pPr lvl="0" rtl="0" algn="ctr">
+                      <a:pPr lvl="0" algn="ctr" rtl="0">
                         <a:spcBef>
                           <a:spcPts val="0"/>
                         </a:spcBef>
@@ -6730,16 +7303,14 @@
                       </a:r>
                     </a:p>
                   </a:txBody>
-                  <a:tcPr marT="63500" marB="63500" marR="63500" marL="63500"/>
+                  <a:tcPr marL="63500" marR="63500" marT="63500" marB="63500"/>
                 </a:tc>
                 <a:tc>
                   <a:txBody>
-                    <a:bodyPr>
-                      <a:noAutofit/>
-                    </a:bodyPr>
+                    <a:bodyPr/>
                     <a:lstStyle/>
                     <a:p>
-                      <a:pPr lvl="0" rtl="0" algn="ctr">
+                      <a:pPr lvl="0" algn="ctr" rtl="0">
                         <a:spcBef>
                           <a:spcPts val="0"/>
                         </a:spcBef>
@@ -6756,16 +7327,14 @@
                       </a:r>
                     </a:p>
                   </a:txBody>
-                  <a:tcPr marT="63500" marB="63500" marR="63500" marL="63500"/>
+                  <a:tcPr marL="63500" marR="63500" marT="63500" marB="63500"/>
                 </a:tc>
                 <a:tc>
                   <a:txBody>
-                    <a:bodyPr>
-                      <a:noAutofit/>
-                    </a:bodyPr>
+                    <a:bodyPr/>
                     <a:lstStyle/>
                     <a:p>
-                      <a:pPr lvl="0" rtl="0" algn="ctr">
+                      <a:pPr lvl="0" algn="ctr" rtl="0">
                         <a:spcBef>
                           <a:spcPts val="0"/>
                         </a:spcBef>
@@ -6782,16 +7351,14 @@
                       </a:r>
                     </a:p>
                   </a:txBody>
-                  <a:tcPr marT="63500" marB="63500" marR="63500" marL="63500"/>
+                  <a:tcPr marL="63500" marR="63500" marT="63500" marB="63500"/>
                 </a:tc>
                 <a:tc>
                   <a:txBody>
-                    <a:bodyPr>
-                      <a:noAutofit/>
-                    </a:bodyPr>
+                    <a:bodyPr/>
                     <a:lstStyle/>
                     <a:p>
-                      <a:pPr lvl="0" rtl="0" algn="ctr">
+                      <a:pPr lvl="0" algn="ctr" rtl="0">
                         <a:spcBef>
                           <a:spcPts val="0"/>
                         </a:spcBef>
@@ -6808,18 +7375,16 @@
                       </a:r>
                     </a:p>
                   </a:txBody>
-                  <a:tcPr marT="63500" marB="63500" marR="63500" marL="63500"/>
+                  <a:tcPr marL="63500" marR="63500" marT="63500" marB="63500"/>
                 </a:tc>
               </a:tr>
               <a:tr h="319725">
                 <a:tc>
                   <a:txBody>
-                    <a:bodyPr>
-                      <a:noAutofit/>
-                    </a:bodyPr>
+                    <a:bodyPr/>
                     <a:lstStyle/>
                     <a:p>
-                      <a:pPr lvl="0" rtl="0" algn="ctr">
+                      <a:pPr lvl="0" algn="ctr" rtl="0">
                         <a:spcBef>
                           <a:spcPts val="0"/>
                         </a:spcBef>
@@ -6836,16 +7401,14 @@
                       </a:r>
                     </a:p>
                   </a:txBody>
-                  <a:tcPr marT="63500" marB="63500" marR="63500" marL="63500"/>
+                  <a:tcPr marL="63500" marR="63500" marT="63500" marB="63500"/>
                 </a:tc>
                 <a:tc>
                   <a:txBody>
-                    <a:bodyPr>
-                      <a:noAutofit/>
-                    </a:bodyPr>
+                    <a:bodyPr/>
                     <a:lstStyle/>
                     <a:p>
-                      <a:pPr lvl="0" rtl="0" algn="ctr">
+                      <a:pPr lvl="0" algn="ctr" rtl="0">
                         <a:spcBef>
                           <a:spcPts val="0"/>
                         </a:spcBef>
@@ -6862,16 +7425,14 @@
                       </a:r>
                     </a:p>
                   </a:txBody>
-                  <a:tcPr marT="63500" marB="63500" marR="63500" marL="63500"/>
+                  <a:tcPr marL="63500" marR="63500" marT="63500" marB="63500"/>
                 </a:tc>
                 <a:tc>
                   <a:txBody>
-                    <a:bodyPr>
-                      <a:noAutofit/>
-                    </a:bodyPr>
+                    <a:bodyPr/>
                     <a:lstStyle/>
                     <a:p>
-                      <a:pPr lvl="0" rtl="0" algn="ctr">
+                      <a:pPr lvl="0" algn="ctr" rtl="0">
                         <a:spcBef>
                           <a:spcPts val="0"/>
                         </a:spcBef>
@@ -6888,16 +7449,14 @@
                       </a:r>
                     </a:p>
                   </a:txBody>
-                  <a:tcPr marT="63500" marB="63500" marR="63500" marL="63500"/>
+                  <a:tcPr marL="63500" marR="63500" marT="63500" marB="63500"/>
                 </a:tc>
                 <a:tc>
                   <a:txBody>
-                    <a:bodyPr>
-                      <a:noAutofit/>
-                    </a:bodyPr>
+                    <a:bodyPr/>
                     <a:lstStyle/>
                     <a:p>
-                      <a:pPr lvl="0" rtl="0" algn="ctr">
+                      <a:pPr lvl="0" algn="ctr" rtl="0">
                         <a:spcBef>
                           <a:spcPts val="0"/>
                         </a:spcBef>
@@ -6914,16 +7473,14 @@
                       </a:r>
                     </a:p>
                   </a:txBody>
-                  <a:tcPr marT="63500" marB="63500" marR="63500" marL="63500"/>
+                  <a:tcPr marL="63500" marR="63500" marT="63500" marB="63500"/>
                 </a:tc>
                 <a:tc>
                   <a:txBody>
-                    <a:bodyPr>
-                      <a:noAutofit/>
-                    </a:bodyPr>
+                    <a:bodyPr/>
                     <a:lstStyle/>
                     <a:p>
-                      <a:pPr lvl="0" rtl="0" algn="ctr">
+                      <a:pPr lvl="0" algn="ctr" rtl="0">
                         <a:spcBef>
                           <a:spcPts val="0"/>
                         </a:spcBef>
@@ -6940,16 +7497,14 @@
                       </a:r>
                     </a:p>
                   </a:txBody>
-                  <a:tcPr marT="63500" marB="63500" marR="63500" marL="63500"/>
+                  <a:tcPr marL="63500" marR="63500" marT="63500" marB="63500"/>
                 </a:tc>
                 <a:tc>
                   <a:txBody>
-                    <a:bodyPr>
-                      <a:noAutofit/>
-                    </a:bodyPr>
+                    <a:bodyPr/>
                     <a:lstStyle/>
                     <a:p>
-                      <a:pPr lvl="0" rtl="0" algn="ctr">
+                      <a:pPr lvl="0" algn="ctr" rtl="0">
                         <a:spcBef>
                           <a:spcPts val="0"/>
                         </a:spcBef>
@@ -6966,18 +7521,16 @@
                       </a:r>
                     </a:p>
                   </a:txBody>
-                  <a:tcPr marT="63500" marB="63500" marR="63500" marL="63500"/>
+                  <a:tcPr marL="63500" marR="63500" marT="63500" marB="63500"/>
                 </a:tc>
               </a:tr>
               <a:tr h="319725">
                 <a:tc>
                   <a:txBody>
-                    <a:bodyPr>
-                      <a:noAutofit/>
-                    </a:bodyPr>
+                    <a:bodyPr/>
                     <a:lstStyle/>
                     <a:p>
-                      <a:pPr lvl="0" rtl="0" algn="ctr">
+                      <a:pPr lvl="0" algn="ctr" rtl="0">
                         <a:spcBef>
                           <a:spcPts val="0"/>
                         </a:spcBef>
@@ -6994,16 +7547,14 @@
                       </a:r>
                     </a:p>
                   </a:txBody>
-                  <a:tcPr marT="63500" marB="63500" marR="63500" marL="63500"/>
+                  <a:tcPr marL="63500" marR="63500" marT="63500" marB="63500"/>
                 </a:tc>
                 <a:tc>
                   <a:txBody>
-                    <a:bodyPr>
-                      <a:noAutofit/>
-                    </a:bodyPr>
+                    <a:bodyPr/>
                     <a:lstStyle/>
                     <a:p>
-                      <a:pPr lvl="0" rtl="0" algn="ctr">
+                      <a:pPr lvl="0" algn="ctr" rtl="0">
                         <a:spcBef>
                           <a:spcPts val="0"/>
                         </a:spcBef>
@@ -7020,16 +7571,14 @@
                       </a:r>
                     </a:p>
                   </a:txBody>
-                  <a:tcPr marT="63500" marB="63500" marR="63500" marL="63500"/>
+                  <a:tcPr marL="63500" marR="63500" marT="63500" marB="63500"/>
                 </a:tc>
                 <a:tc>
                   <a:txBody>
-                    <a:bodyPr>
-                      <a:noAutofit/>
-                    </a:bodyPr>
+                    <a:bodyPr/>
                     <a:lstStyle/>
                     <a:p>
-                      <a:pPr lvl="0" rtl="0" algn="ctr">
+                      <a:pPr lvl="0" algn="ctr" rtl="0">
                         <a:spcBef>
                           <a:spcPts val="0"/>
                         </a:spcBef>
@@ -7046,16 +7595,14 @@
                       </a:r>
                     </a:p>
                   </a:txBody>
-                  <a:tcPr marT="63500" marB="63500" marR="63500" marL="63500"/>
+                  <a:tcPr marL="63500" marR="63500" marT="63500" marB="63500"/>
                 </a:tc>
                 <a:tc>
                   <a:txBody>
-                    <a:bodyPr>
-                      <a:noAutofit/>
-                    </a:bodyPr>
+                    <a:bodyPr/>
                     <a:lstStyle/>
                     <a:p>
-                      <a:pPr lvl="0" rtl="0" algn="ctr">
+                      <a:pPr lvl="0" algn="ctr" rtl="0">
                         <a:spcBef>
                           <a:spcPts val="0"/>
                         </a:spcBef>
@@ -7072,16 +7619,14 @@
                       </a:r>
                     </a:p>
                   </a:txBody>
-                  <a:tcPr marT="63500" marB="63500" marR="63500" marL="63500"/>
+                  <a:tcPr marL="63500" marR="63500" marT="63500" marB="63500"/>
                 </a:tc>
                 <a:tc>
                   <a:txBody>
-                    <a:bodyPr>
-                      <a:noAutofit/>
-                    </a:bodyPr>
+                    <a:bodyPr/>
                     <a:lstStyle/>
                     <a:p>
-                      <a:pPr lvl="0" rtl="0" algn="ctr">
+                      <a:pPr lvl="0" algn="ctr" rtl="0">
                         <a:spcBef>
                           <a:spcPts val="0"/>
                         </a:spcBef>
@@ -7098,16 +7643,14 @@
                       </a:r>
                     </a:p>
                   </a:txBody>
-                  <a:tcPr marT="63500" marB="63500" marR="63500" marL="63500"/>
+                  <a:tcPr marL="63500" marR="63500" marT="63500" marB="63500"/>
                 </a:tc>
                 <a:tc>
                   <a:txBody>
-                    <a:bodyPr>
-                      <a:noAutofit/>
-                    </a:bodyPr>
+                    <a:bodyPr/>
                     <a:lstStyle/>
                     <a:p>
-                      <a:pPr lvl="0" rtl="0" algn="ctr">
+                      <a:pPr lvl="0" algn="ctr" rtl="0">
                         <a:spcBef>
                           <a:spcPts val="0"/>
                         </a:spcBef>
@@ -7124,18 +7667,16 @@
                       </a:r>
                     </a:p>
                   </a:txBody>
-                  <a:tcPr marT="63500" marB="63500" marR="63500" marL="63500"/>
+                  <a:tcPr marL="63500" marR="63500" marT="63500" marB="63500"/>
                 </a:tc>
               </a:tr>
               <a:tr h="319725">
                 <a:tc>
                   <a:txBody>
-                    <a:bodyPr>
-                      <a:noAutofit/>
-                    </a:bodyPr>
+                    <a:bodyPr/>
                     <a:lstStyle/>
                     <a:p>
-                      <a:pPr lvl="0" rtl="0" algn="ctr">
+                      <a:pPr lvl="0" algn="ctr" rtl="0">
                         <a:spcBef>
                           <a:spcPts val="0"/>
                         </a:spcBef>
@@ -7152,16 +7693,14 @@
                       </a:r>
                     </a:p>
                   </a:txBody>
-                  <a:tcPr marT="63500" marB="63500" marR="63500" marL="63500"/>
+                  <a:tcPr marL="63500" marR="63500" marT="63500" marB="63500"/>
                 </a:tc>
                 <a:tc>
                   <a:txBody>
-                    <a:bodyPr>
-                      <a:noAutofit/>
-                    </a:bodyPr>
+                    <a:bodyPr/>
                     <a:lstStyle/>
                     <a:p>
-                      <a:pPr lvl="0" rtl="0" algn="ctr">
+                      <a:pPr lvl="0" algn="ctr" rtl="0">
                         <a:spcBef>
                           <a:spcPts val="0"/>
                         </a:spcBef>
@@ -7178,16 +7717,14 @@
                       </a:r>
                     </a:p>
                   </a:txBody>
-                  <a:tcPr marT="63500" marB="63500" marR="63500" marL="63500"/>
+                  <a:tcPr marL="63500" marR="63500" marT="63500" marB="63500"/>
                 </a:tc>
                 <a:tc>
                   <a:txBody>
-                    <a:bodyPr>
-                      <a:noAutofit/>
-                    </a:bodyPr>
+                    <a:bodyPr/>
                     <a:lstStyle/>
                     <a:p>
-                      <a:pPr lvl="0" rtl="0" algn="ctr">
+                      <a:pPr lvl="0" algn="ctr" rtl="0">
                         <a:spcBef>
                           <a:spcPts val="0"/>
                         </a:spcBef>
@@ -7204,16 +7741,14 @@
                       </a:r>
                     </a:p>
                   </a:txBody>
-                  <a:tcPr marT="63500" marB="63500" marR="63500" marL="63500"/>
+                  <a:tcPr marL="63500" marR="63500" marT="63500" marB="63500"/>
                 </a:tc>
                 <a:tc>
                   <a:txBody>
-                    <a:bodyPr>
-                      <a:noAutofit/>
-                    </a:bodyPr>
+                    <a:bodyPr/>
                     <a:lstStyle/>
                     <a:p>
-                      <a:pPr lvl="0" rtl="0" algn="ctr">
+                      <a:pPr lvl="0" algn="ctr" rtl="0">
                         <a:spcBef>
                           <a:spcPts val="0"/>
                         </a:spcBef>
@@ -7230,16 +7765,14 @@
                       </a:r>
                     </a:p>
                   </a:txBody>
-                  <a:tcPr marT="63500" marB="63500" marR="63500" marL="63500"/>
+                  <a:tcPr marL="63500" marR="63500" marT="63500" marB="63500"/>
                 </a:tc>
                 <a:tc>
                   <a:txBody>
-                    <a:bodyPr>
-                      <a:noAutofit/>
-                    </a:bodyPr>
+                    <a:bodyPr/>
                     <a:lstStyle/>
                     <a:p>
-                      <a:pPr lvl="0" rtl="0" algn="ctr">
+                      <a:pPr lvl="0" algn="ctr" rtl="0">
                         <a:spcBef>
                           <a:spcPts val="0"/>
                         </a:spcBef>
@@ -7256,16 +7789,14 @@
                       </a:r>
                     </a:p>
                   </a:txBody>
-                  <a:tcPr marT="63500" marB="63500" marR="63500" marL="63500"/>
+                  <a:tcPr marL="63500" marR="63500" marT="63500" marB="63500"/>
                 </a:tc>
                 <a:tc>
                   <a:txBody>
-                    <a:bodyPr>
-                      <a:noAutofit/>
-                    </a:bodyPr>
+                    <a:bodyPr/>
                     <a:lstStyle/>
                     <a:p>
-                      <a:pPr lvl="0" rtl="0" algn="ctr">
+                      <a:pPr lvl="0" algn="ctr" rtl="0">
                         <a:spcBef>
                           <a:spcPts val="0"/>
                         </a:spcBef>
@@ -7282,18 +7813,16 @@
                       </a:r>
                     </a:p>
                   </a:txBody>
-                  <a:tcPr marT="63500" marB="63500" marR="63500" marL="63500"/>
+                  <a:tcPr marL="63500" marR="63500" marT="63500" marB="63500"/>
                 </a:tc>
               </a:tr>
               <a:tr h="319725">
                 <a:tc>
                   <a:txBody>
-                    <a:bodyPr>
-                      <a:noAutofit/>
-                    </a:bodyPr>
+                    <a:bodyPr/>
                     <a:lstStyle/>
                     <a:p>
-                      <a:pPr lvl="0" rtl="0" algn="ctr">
+                      <a:pPr lvl="0" algn="ctr" rtl="0">
                         <a:spcBef>
                           <a:spcPts val="0"/>
                         </a:spcBef>
@@ -7310,16 +7839,14 @@
                       </a:r>
                     </a:p>
                   </a:txBody>
-                  <a:tcPr marT="63500" marB="63500" marR="63500" marL="63500"/>
+                  <a:tcPr marL="63500" marR="63500" marT="63500" marB="63500"/>
                 </a:tc>
                 <a:tc>
                   <a:txBody>
-                    <a:bodyPr>
-                      <a:noAutofit/>
-                    </a:bodyPr>
+                    <a:bodyPr/>
                     <a:lstStyle/>
                     <a:p>
-                      <a:pPr lvl="0" rtl="0" algn="ctr">
+                      <a:pPr lvl="0" algn="ctr" rtl="0">
                         <a:spcBef>
                           <a:spcPts val="0"/>
                         </a:spcBef>
@@ -7336,16 +7863,14 @@
                       </a:r>
                     </a:p>
                   </a:txBody>
-                  <a:tcPr marT="63500" marB="63500" marR="63500" marL="63500"/>
+                  <a:tcPr marL="63500" marR="63500" marT="63500" marB="63500"/>
                 </a:tc>
                 <a:tc>
                   <a:txBody>
-                    <a:bodyPr>
-                      <a:noAutofit/>
-                    </a:bodyPr>
+                    <a:bodyPr/>
                     <a:lstStyle/>
                     <a:p>
-                      <a:pPr lvl="0" rtl="0" algn="ctr">
+                      <a:pPr lvl="0" algn="ctr" rtl="0">
                         <a:spcBef>
                           <a:spcPts val="0"/>
                         </a:spcBef>
@@ -7362,16 +7887,14 @@
                       </a:r>
                     </a:p>
                   </a:txBody>
-                  <a:tcPr marT="63500" marB="63500" marR="63500" marL="63500"/>
+                  <a:tcPr marL="63500" marR="63500" marT="63500" marB="63500"/>
                 </a:tc>
                 <a:tc>
                   <a:txBody>
-                    <a:bodyPr>
-                      <a:noAutofit/>
-                    </a:bodyPr>
+                    <a:bodyPr/>
                     <a:lstStyle/>
                     <a:p>
-                      <a:pPr lvl="0" rtl="0" algn="ctr">
+                      <a:pPr lvl="0" algn="ctr" rtl="0">
                         <a:spcBef>
                           <a:spcPts val="0"/>
                         </a:spcBef>
@@ -7388,16 +7911,14 @@
                       </a:r>
                     </a:p>
                   </a:txBody>
-                  <a:tcPr marT="63500" marB="63500" marR="63500" marL="63500"/>
+                  <a:tcPr marL="63500" marR="63500" marT="63500" marB="63500"/>
                 </a:tc>
                 <a:tc>
                   <a:txBody>
-                    <a:bodyPr>
-                      <a:noAutofit/>
-                    </a:bodyPr>
+                    <a:bodyPr/>
                     <a:lstStyle/>
                     <a:p>
-                      <a:pPr lvl="0" rtl="0" algn="ctr">
+                      <a:pPr lvl="0" algn="ctr" rtl="0">
                         <a:spcBef>
                           <a:spcPts val="0"/>
                         </a:spcBef>
@@ -7414,16 +7935,14 @@
                       </a:r>
                     </a:p>
                   </a:txBody>
-                  <a:tcPr marT="63500" marB="63500" marR="63500" marL="63500"/>
+                  <a:tcPr marL="63500" marR="63500" marT="63500" marB="63500"/>
                 </a:tc>
                 <a:tc>
                   <a:txBody>
-                    <a:bodyPr>
-                      <a:noAutofit/>
-                    </a:bodyPr>
+                    <a:bodyPr/>
                     <a:lstStyle/>
                     <a:p>
-                      <a:pPr lvl="0" rtl="0" algn="ctr">
+                      <a:pPr lvl="0" algn="ctr" rtl="0">
                         <a:spcBef>
                           <a:spcPts val="0"/>
                         </a:spcBef>
@@ -7440,18 +7959,16 @@
                       </a:r>
                     </a:p>
                   </a:txBody>
-                  <a:tcPr marT="63500" marB="63500" marR="63500" marL="63500"/>
+                  <a:tcPr marL="63500" marR="63500" marT="63500" marB="63500"/>
                 </a:tc>
               </a:tr>
               <a:tr h="319725">
                 <a:tc>
                   <a:txBody>
-                    <a:bodyPr>
-                      <a:noAutofit/>
-                    </a:bodyPr>
+                    <a:bodyPr/>
                     <a:lstStyle/>
                     <a:p>
-                      <a:pPr lvl="0" rtl="0" algn="ctr">
+                      <a:pPr lvl="0" algn="ctr" rtl="0">
                         <a:spcBef>
                           <a:spcPts val="0"/>
                         </a:spcBef>
@@ -7468,16 +7985,14 @@
                       </a:r>
                     </a:p>
                   </a:txBody>
-                  <a:tcPr marT="63500" marB="63500" marR="63500" marL="63500"/>
+                  <a:tcPr marL="63500" marR="63500" marT="63500" marB="63500"/>
                 </a:tc>
                 <a:tc>
                   <a:txBody>
-                    <a:bodyPr>
-                      <a:noAutofit/>
-                    </a:bodyPr>
+                    <a:bodyPr/>
                     <a:lstStyle/>
                     <a:p>
-                      <a:pPr lvl="0" rtl="0" algn="ctr">
+                      <a:pPr lvl="0" algn="ctr" rtl="0">
                         <a:spcBef>
                           <a:spcPts val="0"/>
                         </a:spcBef>
@@ -7494,16 +8009,14 @@
                       </a:r>
                     </a:p>
                   </a:txBody>
-                  <a:tcPr marT="63500" marB="63500" marR="63500" marL="63500"/>
+                  <a:tcPr marL="63500" marR="63500" marT="63500" marB="63500"/>
                 </a:tc>
                 <a:tc>
                   <a:txBody>
-                    <a:bodyPr>
-                      <a:noAutofit/>
-                    </a:bodyPr>
+                    <a:bodyPr/>
                     <a:lstStyle/>
                     <a:p>
-                      <a:pPr lvl="0" rtl="0" algn="ctr">
+                      <a:pPr lvl="0" algn="ctr" rtl="0">
                         <a:spcBef>
                           <a:spcPts val="0"/>
                         </a:spcBef>
@@ -7520,16 +8033,14 @@
                       </a:r>
                     </a:p>
                   </a:txBody>
-                  <a:tcPr marT="63500" marB="63500" marR="63500" marL="63500"/>
+                  <a:tcPr marL="63500" marR="63500" marT="63500" marB="63500"/>
                 </a:tc>
                 <a:tc>
                   <a:txBody>
-                    <a:bodyPr>
-                      <a:noAutofit/>
-                    </a:bodyPr>
+                    <a:bodyPr/>
                     <a:lstStyle/>
                     <a:p>
-                      <a:pPr lvl="0" rtl="0" algn="ctr">
+                      <a:pPr lvl="0" algn="ctr" rtl="0">
                         <a:spcBef>
                           <a:spcPts val="0"/>
                         </a:spcBef>
@@ -7546,16 +8057,14 @@
                       </a:r>
                     </a:p>
                   </a:txBody>
-                  <a:tcPr marT="63500" marB="63500" marR="63500" marL="63500"/>
+                  <a:tcPr marL="63500" marR="63500" marT="63500" marB="63500"/>
                 </a:tc>
                 <a:tc>
                   <a:txBody>
-                    <a:bodyPr>
-                      <a:noAutofit/>
-                    </a:bodyPr>
+                    <a:bodyPr/>
                     <a:lstStyle/>
                     <a:p>
-                      <a:pPr lvl="0" rtl="0" algn="ctr">
+                      <a:pPr lvl="0" algn="ctr" rtl="0">
                         <a:spcBef>
                           <a:spcPts val="0"/>
                         </a:spcBef>
@@ -7572,16 +8081,14 @@
                       </a:r>
                     </a:p>
                   </a:txBody>
-                  <a:tcPr marT="63500" marB="63500" marR="63500" marL="63500"/>
+                  <a:tcPr marL="63500" marR="63500" marT="63500" marB="63500"/>
                 </a:tc>
                 <a:tc>
                   <a:txBody>
-                    <a:bodyPr>
-                      <a:noAutofit/>
-                    </a:bodyPr>
+                    <a:bodyPr/>
                     <a:lstStyle/>
                     <a:p>
-                      <a:pPr lvl="0" rtl="0" algn="ctr">
+                      <a:pPr lvl="0" algn="ctr" rtl="0">
                         <a:spcBef>
                           <a:spcPts val="0"/>
                         </a:spcBef>
@@ -7598,18 +8105,16 @@
                       </a:r>
                     </a:p>
                   </a:txBody>
-                  <a:tcPr marT="63500" marB="63500" marR="63500" marL="63500"/>
+                  <a:tcPr marL="63500" marR="63500" marT="63500" marB="63500"/>
                 </a:tc>
               </a:tr>
               <a:tr h="319725">
                 <a:tc>
                   <a:txBody>
-                    <a:bodyPr>
-                      <a:noAutofit/>
-                    </a:bodyPr>
+                    <a:bodyPr/>
                     <a:lstStyle/>
                     <a:p>
-                      <a:pPr lvl="0" rtl="0" algn="ctr">
+                      <a:pPr lvl="0" algn="ctr" rtl="0">
                         <a:spcBef>
                           <a:spcPts val="0"/>
                         </a:spcBef>
@@ -7626,16 +8131,14 @@
                       </a:r>
                     </a:p>
                   </a:txBody>
-                  <a:tcPr marT="63500" marB="63500" marR="63500" marL="63500"/>
+                  <a:tcPr marL="63500" marR="63500" marT="63500" marB="63500"/>
                 </a:tc>
                 <a:tc>
                   <a:txBody>
-                    <a:bodyPr>
-                      <a:noAutofit/>
-                    </a:bodyPr>
+                    <a:bodyPr/>
                     <a:lstStyle/>
                     <a:p>
-                      <a:pPr lvl="0" rtl="0" algn="ctr">
+                      <a:pPr lvl="0" algn="ctr" rtl="0">
                         <a:spcBef>
                           <a:spcPts val="0"/>
                         </a:spcBef>
@@ -7652,16 +8155,14 @@
                       </a:r>
                     </a:p>
                   </a:txBody>
-                  <a:tcPr marT="63500" marB="63500" marR="63500" marL="63500"/>
+                  <a:tcPr marL="63500" marR="63500" marT="63500" marB="63500"/>
                 </a:tc>
                 <a:tc>
                   <a:txBody>
-                    <a:bodyPr>
-                      <a:noAutofit/>
-                    </a:bodyPr>
+                    <a:bodyPr/>
                     <a:lstStyle/>
                     <a:p>
-                      <a:pPr lvl="0" rtl="0" algn="ctr">
+                      <a:pPr lvl="0" algn="ctr" rtl="0">
                         <a:spcBef>
                           <a:spcPts val="0"/>
                         </a:spcBef>
@@ -7678,16 +8179,14 @@
                       </a:r>
                     </a:p>
                   </a:txBody>
-                  <a:tcPr marT="63500" marB="63500" marR="63500" marL="63500"/>
+                  <a:tcPr marL="63500" marR="63500" marT="63500" marB="63500"/>
                 </a:tc>
                 <a:tc>
                   <a:txBody>
-                    <a:bodyPr>
-                      <a:noAutofit/>
-                    </a:bodyPr>
+                    <a:bodyPr/>
                     <a:lstStyle/>
                     <a:p>
-                      <a:pPr lvl="0" rtl="0" algn="ctr">
+                      <a:pPr lvl="0" algn="ctr" rtl="0">
                         <a:spcBef>
                           <a:spcPts val="0"/>
                         </a:spcBef>
@@ -7704,16 +8203,14 @@
                       </a:r>
                     </a:p>
                   </a:txBody>
-                  <a:tcPr marT="63500" marB="63500" marR="63500" marL="63500"/>
+                  <a:tcPr marL="63500" marR="63500" marT="63500" marB="63500"/>
                 </a:tc>
                 <a:tc>
                   <a:txBody>
-                    <a:bodyPr>
-                      <a:noAutofit/>
-                    </a:bodyPr>
+                    <a:bodyPr/>
                     <a:lstStyle/>
                     <a:p>
-                      <a:pPr lvl="0" rtl="0" algn="ctr">
+                      <a:pPr lvl="0" algn="ctr" rtl="0">
                         <a:spcBef>
                           <a:spcPts val="0"/>
                         </a:spcBef>
@@ -7730,16 +8227,14 @@
                       </a:r>
                     </a:p>
                   </a:txBody>
-                  <a:tcPr marT="63500" marB="63500" marR="63500" marL="63500"/>
+                  <a:tcPr marL="63500" marR="63500" marT="63500" marB="63500"/>
                 </a:tc>
                 <a:tc>
                   <a:txBody>
-                    <a:bodyPr>
-                      <a:noAutofit/>
-                    </a:bodyPr>
+                    <a:bodyPr/>
                     <a:lstStyle/>
                     <a:p>
-                      <a:pPr lvl="0" rtl="0" algn="ctr">
+                      <a:pPr lvl="0" algn="ctr" rtl="0">
                         <a:spcBef>
                           <a:spcPts val="0"/>
                         </a:spcBef>
@@ -7756,7 +8251,7 @@
                       </a:r>
                     </a:p>
                   </a:txBody>
-                  <a:tcPr marT="63500" marB="63500" marR="63500" marL="63500"/>
+                  <a:tcPr marL="63500" marR="63500" marT="63500" marB="63500"/>
                 </a:tc>
               </a:tr>
             </a:tbl>
@@ -7765,7 +8260,7 @@
       </p:graphicFrame>
       <p:sp>
         <p:nvSpPr>
-          <p:cNvPr id="143" name="Shape 143"/>
+          <p:cNvPr id="152" name="Shape 152"/>
           <p:cNvSpPr txBox="1"/>
           <p:nvPr/>
         </p:nvSpPr>
@@ -7783,12 +8278,12 @@
           </a:ln>
         </p:spPr>
         <p:txBody>
-          <a:bodyPr anchorCtr="0" anchor="t" bIns="91425" lIns="91425" rIns="91425" tIns="91425">
+          <a:bodyPr lIns="91425" tIns="91425" rIns="91425" bIns="91425" anchor="t" anchorCtr="0">
             <a:noAutofit/>
           </a:bodyPr>
           <a:lstStyle/>
           <a:p>
-            <a:pPr lvl="0" rtl="0" algn="ctr">
+            <a:pPr lvl="0" algn="ctr" rtl="0">
               <a:spcBef>
                 <a:spcPts val="0"/>
               </a:spcBef>
@@ -7814,15 +8309,22 @@
   <p:clrMapOvr>
     <a:masterClrMapping/>
   </p:clrMapOvr>
+  <p:timing>
+    <p:tnLst>
+      <p:par>
+        <p:cTn xmlns:p14="http://schemas.microsoft.com/office/powerpoint/2010/main" id="1" dur="indefinite" restart="never" nodeType="tmRoot"/>
+      </p:par>
+    </p:tnLst>
+  </p:timing>
 </p:sld>
 </file>
 
-<file path=ppt/slides/slide11.xml><?xml version="1.0" encoding="utf-8"?>
-<p:sld xmlns:a="http://schemas.openxmlformats.org/drawingml/2006/main" xmlns:r="http://schemas.openxmlformats.org/officeDocument/2006/relationships" xmlns:mc="http://schemas.openxmlformats.org/markup-compatibility/2006" xmlns:mv="urn:schemas-microsoft-com:mac:vml" xmlns:p="http://schemas.openxmlformats.org/presentationml/2006/main" xmlns:c="http://schemas.openxmlformats.org/drawingml/2006/chart" xmlns:dgm="http://schemas.openxmlformats.org/drawingml/2006/diagram" xmlns:o="urn:schemas-microsoft-com:office:office" xmlns:v="urn:schemas-microsoft-com:vml" xmlns:pvml="urn:schemas-microsoft-com:office:powerpoint" xmlns:com="http://schemas.openxmlformats.org/drawingml/2006/compatibility" xmlns:p14="http://schemas.microsoft.com/office/powerpoint/2010/main">
+<file path=ppt/slides/slide12.xml><?xml version="1.0" encoding="utf-8"?>
+<p:sld xmlns:a="http://schemas.openxmlformats.org/drawingml/2006/main" xmlns:r="http://schemas.openxmlformats.org/officeDocument/2006/relationships" xmlns:p="http://schemas.openxmlformats.org/presentationml/2006/main">
   <p:cSld>
     <p:spTree>
       <p:nvGrpSpPr>
-        <p:cNvPr id="147" name="Shape 147"/>
+        <p:cNvPr id="1" name="Shape 156"/>
         <p:cNvGrpSpPr/>
         <p:nvPr/>
       </p:nvGrpSpPr>
@@ -7836,8 +8338,10 @@
       </p:grpSpPr>
       <p:sp>
         <p:nvSpPr>
-          <p:cNvPr id="148" name="Shape 148"/>
-          <p:cNvSpPr txBox="1"/>
+          <p:cNvPr id="157" name="Shape 157"/>
+          <p:cNvSpPr txBox="1">
+            <a:spLocks noGrp="1"/>
+          </p:cNvSpPr>
           <p:nvPr>
             <p:ph type="title"/>
           </p:nvPr>
@@ -7852,7 +8356,7 @@
           </a:prstGeom>
         </p:spPr>
         <p:txBody>
-          <a:bodyPr anchorCtr="0" anchor="t" bIns="91425" lIns="91425" rIns="91425" tIns="91425">
+          <a:bodyPr lIns="91425" tIns="91425" rIns="91425" bIns="91425" anchor="t" anchorCtr="0">
             <a:noAutofit/>
           </a:bodyPr>
           <a:lstStyle/>
@@ -7872,15 +8376,17 @@
       </p:sp>
       <p:sp>
         <p:nvSpPr>
-          <p:cNvPr id="149" name="Shape 149"/>
-          <p:cNvSpPr txBox="1"/>
+          <p:cNvPr id="158" name="Shape 158"/>
+          <p:cNvSpPr txBox="1">
+            <a:spLocks noGrp="1"/>
+          </p:cNvSpPr>
           <p:nvPr>
-            <p:ph idx="1" type="body"/>
+            <p:ph type="body" idx="1"/>
           </p:nvPr>
         </p:nvSpPr>
         <p:spPr>
           <a:xfrm>
-            <a:off x="311700" y="1229875"/>
+            <a:off x="311700" y="1001275"/>
             <a:ext cx="8520600" cy="3520200"/>
           </a:xfrm>
           <a:prstGeom prst="rect">
@@ -7888,12 +8394,12 @@
           </a:prstGeom>
         </p:spPr>
         <p:txBody>
-          <a:bodyPr anchorCtr="0" anchor="t" bIns="91425" lIns="91425" rIns="91425" tIns="91425">
+          <a:bodyPr lIns="91425" tIns="91425" rIns="91425" bIns="91425" anchor="t" anchorCtr="0">
             <a:noAutofit/>
           </a:bodyPr>
           <a:lstStyle/>
           <a:p>
-            <a:pPr indent="-228600" lvl="0" marL="457200" rtl="0" algn="just">
+            <a:pPr marL="457200" lvl="0" indent="-228600" algn="just" rtl="0">
               <a:lnSpc>
                 <a:spcPct val="100000"/>
               </a:lnSpc>
@@ -7906,15 +8412,11 @@
             </a:pPr>
             <a:r>
               <a:rPr lang="pt-BR"/>
-              <a:t>É s</a:t>
+              <a:t>É semelhante a redes reais!</a:t>
             </a:r>
-            <a:r>
-              <a:rPr lang="pt-BR"/>
-              <a:t>emelhante a redes reais!</a:t>
-            </a:r>
-          </a:p>
-          <a:p>
-            <a:pPr indent="-330200" lvl="1" marL="914400" rtl="0" algn="just">
+          </a:p>
+          <a:p>
+            <a:pPr marL="914400" lvl="1" indent="-330200" algn="just" rtl="0">
               <a:lnSpc>
                 <a:spcPct val="100000"/>
               </a:lnSpc>
@@ -7932,7 +8434,7 @@
             </a:r>
           </a:p>
           <a:p>
-            <a:pPr indent="-330200" lvl="1" marL="914400" rtl="0" algn="just">
+            <a:pPr marL="914400" lvl="1" indent="-330200" algn="just" rtl="0">
               <a:lnSpc>
                 <a:spcPct val="100000"/>
               </a:lnSpc>
@@ -7950,7 +8452,7 @@
             </a:r>
           </a:p>
           <a:p>
-            <a:pPr indent="-330200" lvl="1" marL="914400" rtl="0" algn="just">
+            <a:pPr marL="914400" lvl="1" indent="-330200" algn="just" rtl="0">
               <a:lnSpc>
                 <a:spcPct val="100000"/>
               </a:lnSpc>
@@ -7968,7 +8470,7 @@
             </a:r>
           </a:p>
           <a:p>
-            <a:pPr indent="-330200" lvl="1" marL="914400" rtl="0" algn="just">
+            <a:pPr marL="914400" lvl="1" indent="-330200" algn="just" rtl="0">
               <a:lnSpc>
                 <a:spcPct val="100000"/>
               </a:lnSpc>
@@ -7986,7 +8488,7 @@
             </a:r>
           </a:p>
           <a:p>
-            <a:pPr indent="-330200" lvl="1" marL="914400" rtl="0" algn="just">
+            <a:pPr marL="914400" lvl="1" indent="-330200" algn="just" rtl="0">
               <a:lnSpc>
                 <a:spcPct val="100000"/>
               </a:lnSpc>
@@ -8004,7 +8506,25 @@
             </a:r>
           </a:p>
           <a:p>
-            <a:pPr indent="-330200" lvl="0" marL="457200" rtl="0" algn="just">
+            <a:pPr marL="914400" lvl="1" indent="-330200" algn="just" rtl="0">
+              <a:lnSpc>
+                <a:spcPct val="100000"/>
+              </a:lnSpc>
+              <a:spcBef>
+                <a:spcPts val="600"/>
+              </a:spcBef>
+              <a:spcAft>
+                <a:spcPts val="1000"/>
+              </a:spcAft>
+              <a:buSzPct val="100000"/>
+            </a:pPr>
+            <a:r>
+              <a:rPr lang="pt-BR" sz="1600"/>
+              <a:t>Alta clusterização</a:t>
+            </a:r>
+          </a:p>
+          <a:p>
+            <a:pPr marL="457200" lvl="0" indent="-330200" algn="just" rtl="0">
               <a:lnSpc>
                 <a:spcPct val="100000"/>
               </a:lnSpc>
@@ -8022,7 +8542,7 @@
             </a:r>
           </a:p>
           <a:p>
-            <a:pPr indent="-330200" lvl="1" marL="914400" rtl="0" algn="just">
+            <a:pPr marL="914400" lvl="1" indent="-330200" algn="just" rtl="0">
               <a:lnSpc>
                 <a:spcPct val="100000"/>
               </a:lnSpc>
@@ -8040,7 +8560,7 @@
             </a:r>
           </a:p>
           <a:p>
-            <a:pPr indent="-330200" lvl="1" marL="914400" rtl="0" algn="just">
+            <a:pPr marL="914400" lvl="1" indent="-330200" algn="just" rtl="0">
               <a:lnSpc>
                 <a:spcPct val="100000"/>
               </a:lnSpc>
@@ -8068,11 +8588,11 @@
 </file>
 
 <file path=ppt/slides/slide2.xml><?xml version="1.0" encoding="utf-8"?>
-<p:sld xmlns:a="http://schemas.openxmlformats.org/drawingml/2006/main" xmlns:r="http://schemas.openxmlformats.org/officeDocument/2006/relationships" xmlns:mc="http://schemas.openxmlformats.org/markup-compatibility/2006" xmlns:mv="urn:schemas-microsoft-com:mac:vml" xmlns:p="http://schemas.openxmlformats.org/presentationml/2006/main" xmlns:c="http://schemas.openxmlformats.org/drawingml/2006/chart" xmlns:dgm="http://schemas.openxmlformats.org/drawingml/2006/diagram" xmlns:o="urn:schemas-microsoft-com:office:office" xmlns:v="urn:schemas-microsoft-com:vml" xmlns:pvml="urn:schemas-microsoft-com:office:powerpoint" xmlns:com="http://schemas.openxmlformats.org/drawingml/2006/compatibility" xmlns:p14="http://schemas.microsoft.com/office/powerpoint/2010/main">
+<p:sld xmlns:a="http://schemas.openxmlformats.org/drawingml/2006/main" xmlns:r="http://schemas.openxmlformats.org/officeDocument/2006/relationships" xmlns:p="http://schemas.openxmlformats.org/presentationml/2006/main">
   <p:cSld>
     <p:spTree>
       <p:nvGrpSpPr>
-        <p:cNvPr id="90" name="Shape 90"/>
+        <p:cNvPr id="1" name="Shape 90"/>
         <p:cNvGrpSpPr/>
         <p:nvPr/>
       </p:nvGrpSpPr>
@@ -8087,7 +8607,9 @@
       <p:sp>
         <p:nvSpPr>
           <p:cNvPr id="91" name="Shape 91"/>
-          <p:cNvSpPr txBox="1"/>
+          <p:cNvSpPr txBox="1">
+            <a:spLocks noGrp="1"/>
+          </p:cNvSpPr>
           <p:nvPr>
             <p:ph type="title"/>
           </p:nvPr>
@@ -8102,7 +8624,7 @@
           </a:prstGeom>
         </p:spPr>
         <p:txBody>
-          <a:bodyPr anchorCtr="0" anchor="t" bIns="91425" lIns="91425" rIns="91425" tIns="91425">
+          <a:bodyPr lIns="91425" tIns="91425" rIns="91425" bIns="91425" anchor="t" anchorCtr="0">
             <a:noAutofit/>
           </a:bodyPr>
           <a:lstStyle/>
@@ -8123,9 +8645,11 @@
       <p:sp>
         <p:nvSpPr>
           <p:cNvPr id="92" name="Shape 92"/>
-          <p:cNvSpPr txBox="1"/>
+          <p:cNvSpPr txBox="1">
+            <a:spLocks noGrp="1"/>
+          </p:cNvSpPr>
           <p:nvPr>
-            <p:ph idx="1" type="body"/>
+            <p:ph type="body" idx="1"/>
           </p:nvPr>
         </p:nvSpPr>
         <p:spPr>
@@ -8138,12 +8662,12 @@
           </a:prstGeom>
         </p:spPr>
         <p:txBody>
-          <a:bodyPr anchorCtr="0" anchor="t" bIns="91425" lIns="91425" rIns="91425" tIns="91425">
+          <a:bodyPr lIns="91425" tIns="91425" rIns="91425" bIns="91425" anchor="t" anchorCtr="0">
             <a:noAutofit/>
           </a:bodyPr>
           <a:lstStyle/>
           <a:p>
-            <a:pPr indent="-228600" lvl="0" marL="457200" rtl="0" algn="just">
+            <a:pPr marL="457200" lvl="0" indent="-228600" algn="just" rtl="0">
               <a:spcBef>
                 <a:spcPts val="0"/>
               </a:spcBef>
@@ -8157,7 +8681,7 @@
             </a:r>
           </a:p>
           <a:p>
-            <a:pPr indent="-330200" lvl="1" marL="914400" rtl="0" algn="just">
+            <a:pPr marL="914400" lvl="1" indent="-330200" algn="just" rtl="0">
               <a:spcBef>
                 <a:spcPts val="0"/>
               </a:spcBef>
@@ -8172,7 +8696,7 @@
             </a:r>
           </a:p>
           <a:p>
-            <a:pPr indent="-228600" lvl="0" marL="457200" rtl="0" algn="just">
+            <a:pPr marL="457200" lvl="0" indent="-228600" algn="just" rtl="0">
               <a:spcBef>
                 <a:spcPts val="0"/>
               </a:spcBef>
@@ -8186,7 +8710,7 @@
             </a:r>
           </a:p>
           <a:p>
-            <a:pPr indent="-228600" lvl="1" marL="914400" rtl="0" algn="just">
+            <a:pPr marL="914400" lvl="1" indent="-228600" algn="just" rtl="0">
               <a:spcBef>
                 <a:spcPts val="0"/>
               </a:spcBef>
@@ -8203,7 +8727,7 @@
               <a:t>studo técnico foi feito por Newman a partir de uma rede de adjacências de palavras na obra de </a:t>
             </a:r>
             <a:r>
-              <a:rPr i="1" lang="pt-BR" sz="1600"/>
+              <a:rPr lang="pt-BR" sz="1600" i="1"/>
               <a:t>Charles Dickens</a:t>
             </a:r>
             <a:r>
@@ -8212,7 +8736,7 @@
             </a:r>
           </a:p>
           <a:p>
-            <a:pPr indent="-330200" lvl="1" marL="914400" rtl="0" algn="just">
+            <a:pPr marL="914400" lvl="1" indent="-330200" algn="just" rtl="0">
               <a:spcBef>
                 <a:spcPts val="0"/>
               </a:spcBef>
@@ -8227,7 +8751,7 @@
             </a:r>
           </a:p>
           <a:p>
-            <a:pPr indent="-330200" lvl="1" marL="914400" rtl="0" algn="just">
+            <a:pPr marL="914400" lvl="1" indent="-330200" algn="just" rtl="0">
               <a:spcBef>
                 <a:spcPts val="0"/>
               </a:spcBef>
@@ -8252,11 +8776,11 @@
 </file>
 
 <file path=ppt/slides/slide3.xml><?xml version="1.0" encoding="utf-8"?>
-<p:sld xmlns:a="http://schemas.openxmlformats.org/drawingml/2006/main" xmlns:r="http://schemas.openxmlformats.org/officeDocument/2006/relationships" xmlns:mc="http://schemas.openxmlformats.org/markup-compatibility/2006" xmlns:mv="urn:schemas-microsoft-com:mac:vml" xmlns:p="http://schemas.openxmlformats.org/presentationml/2006/main" xmlns:c="http://schemas.openxmlformats.org/drawingml/2006/chart" xmlns:dgm="http://schemas.openxmlformats.org/drawingml/2006/diagram" xmlns:o="urn:schemas-microsoft-com:office:office" xmlns:v="urn:schemas-microsoft-com:vml" xmlns:pvml="urn:schemas-microsoft-com:office:powerpoint" xmlns:com="http://schemas.openxmlformats.org/drawingml/2006/compatibility" xmlns:p14="http://schemas.microsoft.com/office/powerpoint/2010/main">
+<p:sld xmlns:a="http://schemas.openxmlformats.org/drawingml/2006/main" xmlns:r="http://schemas.openxmlformats.org/officeDocument/2006/relationships" xmlns:p="http://schemas.openxmlformats.org/presentationml/2006/main">
   <p:cSld>
     <p:spTree>
       <p:nvGrpSpPr>
-        <p:cNvPr id="96" name="Shape 96"/>
+        <p:cNvPr id="1" name="Shape 96"/>
         <p:cNvGrpSpPr/>
         <p:nvPr/>
       </p:nvGrpSpPr>
@@ -8271,7 +8795,9 @@
       <p:sp>
         <p:nvSpPr>
           <p:cNvPr id="97" name="Shape 97"/>
-          <p:cNvSpPr txBox="1"/>
+          <p:cNvSpPr txBox="1">
+            <a:spLocks noGrp="1"/>
+          </p:cNvSpPr>
           <p:nvPr>
             <p:ph type="title"/>
           </p:nvPr>
@@ -8286,7 +8812,7 @@
           </a:prstGeom>
         </p:spPr>
         <p:txBody>
-          <a:bodyPr anchorCtr="0" anchor="t" bIns="91425" lIns="91425" rIns="91425" tIns="91425">
+          <a:bodyPr lIns="91425" tIns="91425" rIns="91425" bIns="91425" anchor="t" anchorCtr="0">
             <a:noAutofit/>
           </a:bodyPr>
           <a:lstStyle/>
@@ -8307,9 +8833,11 @@
       <p:sp>
         <p:nvSpPr>
           <p:cNvPr id="98" name="Shape 98"/>
-          <p:cNvSpPr txBox="1"/>
+          <p:cNvSpPr txBox="1">
+            <a:spLocks noGrp="1"/>
+          </p:cNvSpPr>
           <p:nvPr>
-            <p:ph idx="1" type="body"/>
+            <p:ph type="body" idx="1"/>
           </p:nvPr>
         </p:nvSpPr>
         <p:spPr>
@@ -8322,12 +8850,12 @@
           </a:prstGeom>
         </p:spPr>
         <p:txBody>
-          <a:bodyPr anchorCtr="0" anchor="t" bIns="91425" lIns="91425" rIns="91425" tIns="91425">
+          <a:bodyPr lIns="91425" tIns="91425" rIns="91425" bIns="91425" anchor="t" anchorCtr="0">
             <a:noAutofit/>
           </a:bodyPr>
           <a:lstStyle/>
           <a:p>
-            <a:pPr indent="-311150" lvl="0" marL="457200" marR="0" rtl="0" algn="l">
+            <a:pPr marL="457200" marR="0" lvl="0" indent="-311150" algn="l" rtl="0">
               <a:lnSpc>
                 <a:spcPct val="100000"/>
               </a:lnSpc>
@@ -8346,7 +8874,7 @@
             </a:r>
           </a:p>
           <a:p>
-            <a:pPr indent="-311150" lvl="0" marL="457200" marR="0" rtl="0" algn="l">
+            <a:pPr marL="457200" marR="0" lvl="0" indent="-311150" algn="l" rtl="0">
               <a:lnSpc>
                 <a:spcPct val="100000"/>
               </a:lnSpc>
@@ -8365,7 +8893,7 @@
             </a:r>
           </a:p>
           <a:p>
-            <a:pPr indent="-311150" lvl="1" marL="914400" marR="0" rtl="0" algn="l">
+            <a:pPr marL="914400" marR="0" lvl="1" indent="-311150" algn="l" rtl="0">
               <a:lnSpc>
                 <a:spcPct val="100000"/>
               </a:lnSpc>
@@ -8383,15 +8911,11 @@
             </a:pPr>
             <a:r>
               <a:rPr lang="pt-BR" sz="1300"/>
-              <a:t>É</a:t>
+              <a:t>É maiúscula:</a:t>
             </a:r>
-            <a:r>
-              <a:rPr lang="pt-BR" sz="1300"/>
-              <a:t> maiúscula:</a:t>
-            </a:r>
-          </a:p>
-          <a:p>
-            <a:pPr indent="-311150" lvl="2" marL="1371600" marR="0" rtl="0" algn="l">
+          </a:p>
+          <a:p>
+            <a:pPr marL="1371600" marR="0" lvl="2" indent="-311150" algn="l" rtl="0">
               <a:lnSpc>
                 <a:spcPct val="100000"/>
               </a:lnSpc>
@@ -8413,7 +8937,7 @@
             </a:r>
           </a:p>
           <a:p>
-            <a:pPr indent="-311150" lvl="3" marL="1828800" marR="0" rtl="0" algn="l">
+            <a:pPr marL="1828800" marR="0" lvl="3" indent="-311150" algn="l" rtl="0">
               <a:lnSpc>
                 <a:spcPct val="100000"/>
               </a:lnSpc>
@@ -8435,7 +8959,7 @@
             </a:r>
           </a:p>
           <a:p>
-            <a:pPr indent="-311150" lvl="4" marL="2286000" marR="0" rtl="0" algn="l">
+            <a:pPr marL="2286000" marR="0" lvl="4" indent="-311150" algn="l" rtl="0">
               <a:lnSpc>
                 <a:spcPct val="100000"/>
               </a:lnSpc>
@@ -8457,7 +8981,7 @@
             </a:r>
           </a:p>
           <a:p>
-            <a:pPr indent="-311150" lvl="3" marL="1828800" marR="0" rtl="0" algn="l">
+            <a:pPr marL="1828800" marR="0" lvl="3" indent="-311150" algn="l" rtl="0">
               <a:lnSpc>
                 <a:spcPct val="100000"/>
               </a:lnSpc>
@@ -8479,7 +9003,7 @@
             </a:r>
           </a:p>
           <a:p>
-            <a:pPr indent="-311150" lvl="4" marL="2286000" marR="0" rtl="0" algn="l">
+            <a:pPr marL="2286000" marR="0" lvl="4" indent="-311150" algn="l" rtl="0">
               <a:lnSpc>
                 <a:spcPct val="100000"/>
               </a:lnSpc>
@@ -8501,7 +9025,7 @@
             </a:r>
           </a:p>
           <a:p>
-            <a:pPr indent="-311150" lvl="2" marL="1371600" marR="0" rtl="0" algn="l">
+            <a:pPr marL="1371600" marR="0" lvl="2" indent="-311150" algn="l" rtl="0">
               <a:lnSpc>
                 <a:spcPct val="100000"/>
               </a:lnSpc>
@@ -8523,7 +9047,7 @@
             </a:r>
           </a:p>
           <a:p>
-            <a:pPr indent="-311150" lvl="3" marL="1828800" marR="0" rtl="0" algn="l">
+            <a:pPr marL="1828800" marR="0" lvl="3" indent="-311150" algn="l" rtl="0">
               <a:lnSpc>
                 <a:spcPct val="100000"/>
               </a:lnSpc>
@@ -8545,7 +9069,7 @@
             </a:r>
           </a:p>
           <a:p>
-            <a:pPr indent="-311150" lvl="4" marL="2286000" marR="0" rtl="0" algn="l">
+            <a:pPr marL="2286000" marR="0" lvl="4" indent="-311150" algn="l" rtl="0">
               <a:lnSpc>
                 <a:spcPct val="100000"/>
               </a:lnSpc>
@@ -8567,7 +9091,7 @@
             </a:r>
           </a:p>
           <a:p>
-            <a:pPr indent="-311150" lvl="3" marL="1828800" marR="0" rtl="0" algn="l">
+            <a:pPr marL="1828800" marR="0" lvl="3" indent="-311150" algn="l" rtl="0">
               <a:lnSpc>
                 <a:spcPct val="100000"/>
               </a:lnSpc>
@@ -8589,7 +9113,7 @@
             </a:r>
           </a:p>
           <a:p>
-            <a:pPr indent="-311150" lvl="4" marL="2286000" marR="0" rtl="0" algn="l">
+            <a:pPr marL="2286000" marR="0" lvl="4" indent="-311150" algn="l" rtl="0">
               <a:lnSpc>
                 <a:spcPct val="100000"/>
               </a:lnSpc>
@@ -8611,7 +9135,7 @@
             </a:r>
           </a:p>
           <a:p>
-            <a:pPr indent="-311150" lvl="1" marL="914400" rtl="0">
+            <a:pPr marL="914400" lvl="1" indent="-311150" rtl="0">
               <a:lnSpc>
                 <a:spcPct val="100000"/>
               </a:lnSpc>
@@ -8633,7 +9157,7 @@
             </a:r>
           </a:p>
           <a:p>
-            <a:pPr indent="-311150" lvl="3" marL="1828800" rtl="0">
+            <a:pPr marL="1828800" lvl="3" indent="-311150" rtl="0">
               <a:lnSpc>
                 <a:spcPct val="100000"/>
               </a:lnSpc>
@@ -8655,7 +9179,7 @@
             </a:r>
           </a:p>
           <a:p>
-            <a:pPr indent="-311150" lvl="4" marL="2286000" rtl="0">
+            <a:pPr marL="2286000" lvl="4" indent="-311150" rtl="0">
               <a:lnSpc>
                 <a:spcPct val="100000"/>
               </a:lnSpc>
@@ -8677,7 +9201,7 @@
             </a:r>
           </a:p>
           <a:p>
-            <a:pPr indent="-311150" lvl="3" marL="1828800" rtl="0">
+            <a:pPr marL="1828800" lvl="3" indent="-311150" rtl="0">
               <a:lnSpc>
                 <a:spcPct val="100000"/>
               </a:lnSpc>
@@ -8699,7 +9223,7 @@
             </a:r>
           </a:p>
           <a:p>
-            <a:pPr indent="-311150" lvl="4" marL="2286000" rtl="0">
+            <a:pPr marL="2286000" lvl="4" indent="-311150" rtl="0">
               <a:lnSpc>
                 <a:spcPct val="100000"/>
               </a:lnSpc>
@@ -8730,9 +9254,6 @@
               </a:spcAft>
               <a:buNone/>
             </a:pPr>
-            <a:r>
-              <a:t/>
-            </a:r>
             <a:endParaRPr sz="1300"/>
           </a:p>
         </p:txBody>
@@ -8746,11 +9267,11 @@
 </file>
 
 <file path=ppt/slides/slide4.xml><?xml version="1.0" encoding="utf-8"?>
-<p:sld xmlns:a="http://schemas.openxmlformats.org/drawingml/2006/main" xmlns:r="http://schemas.openxmlformats.org/officeDocument/2006/relationships" xmlns:mc="http://schemas.openxmlformats.org/markup-compatibility/2006" xmlns:mv="urn:schemas-microsoft-com:mac:vml" xmlns:p="http://schemas.openxmlformats.org/presentationml/2006/main" xmlns:c="http://schemas.openxmlformats.org/drawingml/2006/chart" xmlns:dgm="http://schemas.openxmlformats.org/drawingml/2006/diagram" xmlns:o="urn:schemas-microsoft-com:office:office" xmlns:v="urn:schemas-microsoft-com:vml" xmlns:pvml="urn:schemas-microsoft-com:office:powerpoint" xmlns:com="http://schemas.openxmlformats.org/drawingml/2006/compatibility" xmlns:p14="http://schemas.microsoft.com/office/powerpoint/2010/main">
+<p:sld xmlns:a="http://schemas.openxmlformats.org/drawingml/2006/main" xmlns:r="http://schemas.openxmlformats.org/officeDocument/2006/relationships" xmlns:p="http://schemas.openxmlformats.org/presentationml/2006/main">
   <p:cSld>
     <p:spTree>
       <p:nvGrpSpPr>
-        <p:cNvPr id="102" name="Shape 102"/>
+        <p:cNvPr id="1" name="Shape 102"/>
         <p:cNvGrpSpPr/>
         <p:nvPr/>
       </p:nvGrpSpPr>
@@ -8765,7 +9286,9 @@
       <p:sp>
         <p:nvSpPr>
           <p:cNvPr id="103" name="Shape 103"/>
-          <p:cNvSpPr txBox="1"/>
+          <p:cNvSpPr txBox="1">
+            <a:spLocks noGrp="1"/>
+          </p:cNvSpPr>
           <p:nvPr>
             <p:ph type="title"/>
           </p:nvPr>
@@ -8780,7 +9303,7 @@
           </a:prstGeom>
         </p:spPr>
         <p:txBody>
-          <a:bodyPr anchorCtr="0" anchor="t" bIns="91425" lIns="91425" rIns="91425" tIns="91425">
+          <a:bodyPr lIns="91425" tIns="91425" rIns="91425" bIns="91425" anchor="t" anchorCtr="0">
             <a:noAutofit/>
           </a:bodyPr>
           <a:lstStyle/>
@@ -8801,9 +9324,11 @@
       <p:sp>
         <p:nvSpPr>
           <p:cNvPr id="104" name="Shape 104"/>
-          <p:cNvSpPr txBox="1"/>
+          <p:cNvSpPr txBox="1">
+            <a:spLocks noGrp="1"/>
+          </p:cNvSpPr>
           <p:nvPr>
-            <p:ph idx="1" type="body"/>
+            <p:ph type="body" idx="1"/>
           </p:nvPr>
         </p:nvSpPr>
         <p:spPr>
@@ -8816,12 +9341,12 @@
           </a:prstGeom>
         </p:spPr>
         <p:txBody>
-          <a:bodyPr anchorCtr="0" anchor="t" bIns="91425" lIns="91425" rIns="91425" tIns="91425">
+          <a:bodyPr lIns="91425" tIns="91425" rIns="91425" bIns="91425" anchor="t" anchorCtr="0">
             <a:noAutofit/>
           </a:bodyPr>
           <a:lstStyle/>
           <a:p>
-            <a:pPr indent="-228600" lvl="0" marL="457200" rtl="0">
+            <a:pPr marL="457200" lvl="0" indent="-228600" rtl="0">
               <a:spcBef>
                 <a:spcPts val="0"/>
               </a:spcBef>
@@ -8835,7 +9360,7 @@
             </a:r>
           </a:p>
           <a:p>
-            <a:pPr indent="-228600" lvl="1" marL="914400" rtl="0">
+            <a:pPr marL="914400" lvl="1" indent="-228600" rtl="0">
               <a:spcBef>
                 <a:spcPts val="0"/>
               </a:spcBef>
@@ -8844,7 +9369,7 @@
               </a:spcAft>
             </a:pPr>
             <a:r>
-              <a:rPr i="1" lang="pt-BR"/>
+              <a:rPr lang="pt-BR" i="1"/>
               <a:t>Preferential Attachment </a:t>
             </a:r>
             <a:r>
@@ -8853,7 +9378,7 @@
             </a:r>
           </a:p>
           <a:p>
-            <a:pPr indent="-228600" lvl="0" marL="457200" rtl="0">
+            <a:pPr marL="457200" lvl="0" indent="-228600" rtl="0">
               <a:spcBef>
                 <a:spcPts val="0"/>
               </a:spcBef>
@@ -8867,7 +9392,7 @@
             </a:r>
           </a:p>
           <a:p>
-            <a:pPr indent="-228600" lvl="1" marL="914400" rtl="0">
+            <a:pPr marL="914400" lvl="1" indent="-228600" rtl="0">
               <a:spcBef>
                 <a:spcPts val="0"/>
               </a:spcBef>
@@ -8881,7 +9406,7 @@
             </a:r>
           </a:p>
           <a:p>
-            <a:pPr indent="-228600" lvl="1" marL="914400" rtl="0">
+            <a:pPr marL="914400" lvl="1" indent="-228600" rtl="0">
               <a:spcBef>
                 <a:spcPts val="0"/>
               </a:spcBef>
@@ -8895,7 +9420,7 @@
             </a:r>
           </a:p>
           <a:p>
-            <a:pPr indent="-228600" lvl="0" marL="457200" rtl="0">
+            <a:pPr marL="457200" lvl="0" indent="-228600" rtl="0">
               <a:spcBef>
                 <a:spcPts val="0"/>
               </a:spcBef>
@@ -8909,7 +9434,7 @@
             </a:r>
           </a:p>
           <a:p>
-            <a:pPr indent="-228600" lvl="1" marL="914400" rtl="0">
+            <a:pPr marL="914400" lvl="1" indent="-228600" rtl="0">
               <a:spcBef>
                 <a:spcPts val="0"/>
               </a:spcBef>
@@ -8919,11 +9444,51 @@
             </a:pPr>
             <a:r>
               <a:rPr lang="pt-BR"/>
-              <a:t>Sirius Black</a:t>
+              <a:t>Sirius </a:t>
             </a:r>
-          </a:p>
-          <a:p>
-            <a:pPr indent="0" lvl="0" marL="0" rtl="0">
+            <a:r>
+              <a:rPr lang="pt-BR" b="1"/>
+              <a:t>Black</a:t>
+            </a:r>
+          </a:p>
+          <a:p>
+            <a:pPr marL="914400" lvl="1" indent="-228600" rtl="0">
+              <a:spcBef>
+                <a:spcPts val="0"/>
+              </a:spcBef>
+              <a:spcAft>
+                <a:spcPts val="500"/>
+              </a:spcAft>
+            </a:pPr>
+            <a:r>
+              <a:rPr lang="pt-BR" b="1"/>
+              <a:t>Nearly Headless</a:t>
+            </a:r>
+            <a:r>
+              <a:rPr lang="pt-BR"/>
+              <a:t> Nick</a:t>
+            </a:r>
+          </a:p>
+          <a:p>
+            <a:pPr marL="914400" lvl="1" indent="-228600" rtl="0">
+              <a:spcBef>
+                <a:spcPts val="0"/>
+              </a:spcBef>
+              <a:spcAft>
+                <a:spcPts val="500"/>
+              </a:spcAft>
+            </a:pPr>
+            <a:r>
+              <a:rPr lang="pt-BR"/>
+              <a:t>Oliver </a:t>
+            </a:r>
+            <a:r>
+              <a:rPr lang="pt-BR" b="1"/>
+              <a:t>Wood</a:t>
+            </a:r>
+          </a:p>
+          <a:p>
+            <a:pPr marL="0" lvl="0" indent="0" rtl="0">
               <a:spcBef>
                 <a:spcPts val="0"/>
               </a:spcBef>
@@ -8932,9 +9497,6 @@
               </a:spcAft>
               <a:buNone/>
             </a:pPr>
-            <a:r>
-              <a:t/>
-            </a:r>
             <a:endParaRPr/>
           </a:p>
         </p:txBody>
@@ -8948,11 +9510,11 @@
 </file>
 
 <file path=ppt/slides/slide5.xml><?xml version="1.0" encoding="utf-8"?>
-<p:sld xmlns:a="http://schemas.openxmlformats.org/drawingml/2006/main" xmlns:r="http://schemas.openxmlformats.org/officeDocument/2006/relationships" xmlns:mc="http://schemas.openxmlformats.org/markup-compatibility/2006" xmlns:mv="urn:schemas-microsoft-com:mac:vml" xmlns:p="http://schemas.openxmlformats.org/presentationml/2006/main" xmlns:c="http://schemas.openxmlformats.org/drawingml/2006/chart" xmlns:dgm="http://schemas.openxmlformats.org/drawingml/2006/diagram" xmlns:o="urn:schemas-microsoft-com:office:office" xmlns:v="urn:schemas-microsoft-com:vml" xmlns:pvml="urn:schemas-microsoft-com:office:powerpoint" xmlns:com="http://schemas.openxmlformats.org/drawingml/2006/compatibility" xmlns:p14="http://schemas.microsoft.com/office/powerpoint/2010/main">
+<p:sld xmlns:a="http://schemas.openxmlformats.org/drawingml/2006/main" xmlns:r="http://schemas.openxmlformats.org/officeDocument/2006/relationships" xmlns:p="http://schemas.openxmlformats.org/presentationml/2006/main">
   <p:cSld>
     <p:spTree>
       <p:nvGrpSpPr>
-        <p:cNvPr id="108" name="Shape 108"/>
+        <p:cNvPr id="1" name="Shape 108"/>
         <p:cNvGrpSpPr/>
         <p:nvPr/>
       </p:nvGrpSpPr>
@@ -8967,7 +9529,9 @@
       <p:sp>
         <p:nvSpPr>
           <p:cNvPr id="109" name="Shape 109"/>
-          <p:cNvSpPr txBox="1"/>
+          <p:cNvSpPr txBox="1">
+            <a:spLocks noGrp="1"/>
+          </p:cNvSpPr>
           <p:nvPr>
             <p:ph type="title"/>
           </p:nvPr>
@@ -8982,7 +9546,7 @@
           </a:prstGeom>
         </p:spPr>
         <p:txBody>
-          <a:bodyPr anchorCtr="0" anchor="t" bIns="91425" lIns="91425" rIns="91425" tIns="91425">
+          <a:bodyPr lIns="91425" tIns="91425" rIns="91425" bIns="91425" anchor="t" anchorCtr="0">
             <a:noAutofit/>
           </a:bodyPr>
           <a:lstStyle/>
@@ -9003,9 +9567,11 @@
       <p:sp>
         <p:nvSpPr>
           <p:cNvPr id="110" name="Shape 110"/>
-          <p:cNvSpPr txBox="1"/>
+          <p:cNvSpPr txBox="1">
+            <a:spLocks noGrp="1"/>
+          </p:cNvSpPr>
           <p:nvPr>
-            <p:ph idx="1" type="body"/>
+            <p:ph type="body" idx="1"/>
           </p:nvPr>
         </p:nvSpPr>
         <p:spPr>
@@ -9018,12 +9584,12 @@
           </a:prstGeom>
         </p:spPr>
         <p:txBody>
-          <a:bodyPr anchorCtr="0" anchor="t" bIns="91425" lIns="91425" rIns="91425" tIns="91425">
+          <a:bodyPr lIns="91425" tIns="91425" rIns="91425" bIns="91425" anchor="t" anchorCtr="0">
             <a:noAutofit/>
           </a:bodyPr>
           <a:lstStyle/>
           <a:p>
-            <a:pPr indent="-228600" lvl="0" marL="457200" rtl="0" algn="just">
+            <a:pPr marL="457200" lvl="0" indent="-228600" algn="just" rtl="0">
               <a:spcBef>
                 <a:spcPts val="0"/>
               </a:spcBef>
@@ -9037,7 +9603,7 @@
             </a:r>
           </a:p>
           <a:p>
-            <a:pPr lvl="0" rtl="0" algn="just">
+            <a:pPr lvl="0" algn="just" rtl="0">
               <a:spcBef>
                 <a:spcPts val="0"/>
               </a:spcBef>
@@ -9052,7 +9618,7 @@
             </a:r>
           </a:p>
           <a:p>
-            <a:pPr lvl="0" rtl="0" algn="just">
+            <a:pPr lvl="0" algn="just" rtl="0">
               <a:spcBef>
                 <a:spcPts val="0"/>
               </a:spcBef>
@@ -9067,7 +9633,7 @@
             </a:r>
           </a:p>
           <a:p>
-            <a:pPr lvl="0" rtl="0" algn="just">
+            <a:pPr lvl="0" algn="just" rtl="0">
               <a:spcBef>
                 <a:spcPts val="0"/>
               </a:spcBef>
@@ -9082,7 +9648,7 @@
             </a:r>
           </a:p>
           <a:p>
-            <a:pPr lvl="0" rtl="0" algn="just">
+            <a:pPr lvl="0" algn="just" rtl="0">
               <a:spcBef>
                 <a:spcPts val="0"/>
               </a:spcBef>
@@ -9097,7 +9663,7 @@
             </a:r>
           </a:p>
           <a:p>
-            <a:pPr lvl="0" rtl="0" algn="just">
+            <a:pPr lvl="0" algn="just" rtl="0">
               <a:spcBef>
                 <a:spcPts val="0"/>
               </a:spcBef>
@@ -9108,11 +9674,11 @@
             </a:pPr>
             <a:r>
               <a:rPr lang="pt-BR"/>
-              <a:t>Raio:                         2</a:t>
+              <a:t>Raio:                        2</a:t>
             </a:r>
           </a:p>
           <a:p>
-            <a:pPr lvl="0" rtl="0" algn="just">
+            <a:pPr lvl="0" algn="just" rtl="0">
               <a:spcBef>
                 <a:spcPts val="0"/>
               </a:spcBef>
@@ -9133,15 +9699,22 @@
   <p:clrMapOvr>
     <a:masterClrMapping/>
   </p:clrMapOvr>
+  <p:timing>
+    <p:tnLst>
+      <p:par>
+        <p:cTn xmlns:p14="http://schemas.microsoft.com/office/powerpoint/2010/main" id="1" dur="indefinite" restart="never" nodeType="tmRoot"/>
+      </p:par>
+    </p:tnLst>
+  </p:timing>
 </p:sld>
 </file>
 
 <file path=ppt/slides/slide6.xml><?xml version="1.0" encoding="utf-8"?>
-<p:sld xmlns:a="http://schemas.openxmlformats.org/drawingml/2006/main" xmlns:r="http://schemas.openxmlformats.org/officeDocument/2006/relationships" xmlns:mc="http://schemas.openxmlformats.org/markup-compatibility/2006" xmlns:mv="urn:schemas-microsoft-com:mac:vml" xmlns:p="http://schemas.openxmlformats.org/presentationml/2006/main" xmlns:c="http://schemas.openxmlformats.org/drawingml/2006/chart" xmlns:dgm="http://schemas.openxmlformats.org/drawingml/2006/diagram" xmlns:o="urn:schemas-microsoft-com:office:office" xmlns:v="urn:schemas-microsoft-com:vml" xmlns:pvml="urn:schemas-microsoft-com:office:powerpoint" xmlns:com="http://schemas.openxmlformats.org/drawingml/2006/compatibility" xmlns:p14="http://schemas.microsoft.com/office/powerpoint/2010/main">
+<p:sld xmlns:a="http://schemas.openxmlformats.org/drawingml/2006/main" xmlns:r="http://schemas.openxmlformats.org/officeDocument/2006/relationships" xmlns:p="http://schemas.openxmlformats.org/presentationml/2006/main">
   <p:cSld>
     <p:spTree>
       <p:nvGrpSpPr>
-        <p:cNvPr id="114" name="Shape 114"/>
+        <p:cNvPr id="1" name="Shape 114"/>
         <p:cNvGrpSpPr/>
         <p:nvPr/>
       </p:nvGrpSpPr>
@@ -9156,7 +9729,9 @@
       <p:sp>
         <p:nvSpPr>
           <p:cNvPr id="115" name="Shape 115"/>
-          <p:cNvSpPr txBox="1"/>
+          <p:cNvSpPr txBox="1">
+            <a:spLocks noGrp="1"/>
+          </p:cNvSpPr>
           <p:nvPr>
             <p:ph type="title"/>
           </p:nvPr>
@@ -9171,7 +9746,7 @@
           </a:prstGeom>
         </p:spPr>
         <p:txBody>
-          <a:bodyPr anchorCtr="0" anchor="t" bIns="91425" lIns="91425" rIns="91425" tIns="91425">
+          <a:bodyPr lIns="91425" tIns="91425" rIns="91425" bIns="91425" anchor="t" anchorCtr="0">
             <a:noAutofit/>
           </a:bodyPr>
           <a:lstStyle/>
@@ -9220,9 +9795,11 @@
       <p:sp>
         <p:nvSpPr>
           <p:cNvPr id="117" name="Shape 117"/>
-          <p:cNvSpPr txBox="1"/>
+          <p:cNvSpPr txBox="1">
+            <a:spLocks noGrp="1"/>
+          </p:cNvSpPr>
           <p:nvPr>
-            <p:ph idx="1" type="body"/>
+            <p:ph type="body" idx="1"/>
           </p:nvPr>
         </p:nvSpPr>
         <p:spPr>
@@ -9235,12 +9812,12 @@
           </a:prstGeom>
         </p:spPr>
         <p:txBody>
-          <a:bodyPr anchorCtr="0" anchor="t" bIns="91425" lIns="91425" rIns="91425" tIns="91425">
+          <a:bodyPr lIns="91425" tIns="91425" rIns="91425" bIns="91425" anchor="t" anchorCtr="0">
             <a:noAutofit/>
           </a:bodyPr>
           <a:lstStyle/>
           <a:p>
-            <a:pPr indent="-317500" lvl="0" marL="457200" rtl="0" algn="just">
+            <a:pPr marL="457200" lvl="0" indent="-317500" algn="just" rtl="0">
               <a:spcBef>
                 <a:spcPts val="0"/>
               </a:spcBef>
@@ -9255,7 +9832,7 @@
             </a:r>
           </a:p>
           <a:p>
-            <a:pPr lvl="0" rtl="0" algn="ctr">
+            <a:pPr lvl="0" algn="ctr" rtl="0">
               <a:spcBef>
                 <a:spcPts val="0"/>
               </a:spcBef>
@@ -9270,7 +9847,7 @@
             </a:r>
           </a:p>
           <a:p>
-            <a:pPr indent="-317500" lvl="0" marL="457200" rtl="0">
+            <a:pPr marL="457200" lvl="0" indent="-317500" rtl="0">
               <a:spcBef>
                 <a:spcPts val="0"/>
               </a:spcBef>
@@ -9285,7 +9862,7 @@
             </a:r>
           </a:p>
           <a:p>
-            <a:pPr indent="-317500" lvl="0" marL="457200" rtl="0">
+            <a:pPr marL="457200" lvl="0" indent="-317500" rtl="0">
               <a:spcBef>
                 <a:spcPts val="0"/>
               </a:spcBef>
@@ -9300,7 +9877,7 @@
             </a:r>
           </a:p>
           <a:p>
-            <a:pPr indent="-317500" lvl="0" marL="457200" rtl="0">
+            <a:pPr marL="457200" lvl="0" indent="-317500" rtl="0">
               <a:spcBef>
                 <a:spcPts val="0"/>
               </a:spcBef>
@@ -9315,7 +9892,7 @@
             </a:r>
           </a:p>
           <a:p>
-            <a:pPr indent="-317500" lvl="1" marL="914400" rtl="0">
+            <a:pPr marL="914400" lvl="1" indent="-317500" rtl="0">
               <a:spcBef>
                 <a:spcPts val="0"/>
               </a:spcBef>
@@ -9330,7 +9907,7 @@
             </a:r>
           </a:p>
           <a:p>
-            <a:pPr indent="-228600" lvl="1" marL="914400" rtl="0">
+            <a:pPr marL="914400" lvl="1" indent="-228600" rtl="0">
               <a:spcBef>
                 <a:spcPts val="0"/>
               </a:spcBef>
@@ -9344,7 +9921,7 @@
             </a:r>
           </a:p>
           <a:p>
-            <a:pPr indent="-228600" lvl="1" marL="914400" rtl="0">
+            <a:pPr marL="914400" lvl="1" indent="-228600" rtl="0">
               <a:spcBef>
                 <a:spcPts val="0"/>
               </a:spcBef>
@@ -9367,9 +9944,6 @@
               </a:spcAft>
               <a:buNone/>
             </a:pPr>
-            <a:r>
-              <a:t/>
-            </a:r>
             <a:endParaRPr sz="1400"/>
           </a:p>
         </p:txBody>
@@ -9379,15 +9953,22 @@
   <p:clrMapOvr>
     <a:masterClrMapping/>
   </p:clrMapOvr>
+  <p:timing>
+    <p:tnLst>
+      <p:par>
+        <p:cTn xmlns:p14="http://schemas.microsoft.com/office/powerpoint/2010/main" id="1" dur="indefinite" restart="never" nodeType="tmRoot"/>
+      </p:par>
+    </p:tnLst>
+  </p:timing>
 </p:sld>
 </file>
 
 <file path=ppt/slides/slide7.xml><?xml version="1.0" encoding="utf-8"?>
-<p:sld xmlns:a="http://schemas.openxmlformats.org/drawingml/2006/main" xmlns:r="http://schemas.openxmlformats.org/officeDocument/2006/relationships" xmlns:mc="http://schemas.openxmlformats.org/markup-compatibility/2006" xmlns:mv="urn:schemas-microsoft-com:mac:vml" xmlns:p="http://schemas.openxmlformats.org/presentationml/2006/main" xmlns:c="http://schemas.openxmlformats.org/drawingml/2006/chart" xmlns:dgm="http://schemas.openxmlformats.org/drawingml/2006/diagram" xmlns:o="urn:schemas-microsoft-com:office:office" xmlns:v="urn:schemas-microsoft-com:vml" xmlns:pvml="urn:schemas-microsoft-com:office:powerpoint" xmlns:com="http://schemas.openxmlformats.org/drawingml/2006/compatibility" xmlns:p14="http://schemas.microsoft.com/office/powerpoint/2010/main">
+<p:sld xmlns:a="http://schemas.openxmlformats.org/drawingml/2006/main" xmlns:r="http://schemas.openxmlformats.org/officeDocument/2006/relationships" xmlns:p="http://schemas.openxmlformats.org/presentationml/2006/main">
   <p:cSld>
     <p:spTree>
       <p:nvGrpSpPr>
-        <p:cNvPr id="121" name="Shape 121"/>
+        <p:cNvPr id="1" name="Shape 121"/>
         <p:cNvGrpSpPr/>
         <p:nvPr/>
       </p:nvGrpSpPr>
@@ -9402,7 +9983,9 @@
       <p:sp>
         <p:nvSpPr>
           <p:cNvPr id="122" name="Shape 122"/>
-          <p:cNvSpPr txBox="1"/>
+          <p:cNvSpPr txBox="1">
+            <a:spLocks noGrp="1"/>
+          </p:cNvSpPr>
           <p:nvPr>
             <p:ph type="title"/>
           </p:nvPr>
@@ -9417,7 +10000,7 @@
           </a:prstGeom>
         </p:spPr>
         <p:txBody>
-          <a:bodyPr anchorCtr="0" anchor="t" bIns="91425" lIns="91425" rIns="91425" tIns="91425">
+          <a:bodyPr lIns="91425" tIns="91425" rIns="91425" bIns="91425" anchor="t" anchorCtr="0">
             <a:noAutofit/>
           </a:bodyPr>
           <a:lstStyle/>
@@ -9437,7 +10020,7 @@
       </p:sp>
       <p:pic>
         <p:nvPicPr>
-          <p:cNvPr descr="myGifAttack.gif" id="123" name="Shape 123"/>
+          <p:cNvPr id="123" name="Shape 123" descr="myGifAttack.gif"/>
           <p:cNvPicPr preferRelativeResize="0"/>
           <p:nvPr/>
         </p:nvPicPr>
@@ -9445,7 +10028,7 @@
           <a:blip r:embed="rId3">
             <a:alphaModFix/>
           </a:blip>
-          <a:srcRect b="0" l="0" r="0" t="0"/>
+          <a:srcRect/>
           <a:stretch/>
         </p:blipFill>
         <p:spPr>
@@ -9467,15 +10050,22 @@
   <p:clrMapOvr>
     <a:masterClrMapping/>
   </p:clrMapOvr>
+  <p:timing>
+    <p:tnLst>
+      <p:par>
+        <p:cTn xmlns:p14="http://schemas.microsoft.com/office/powerpoint/2010/main" id="1" dur="indefinite" restart="never" nodeType="tmRoot"/>
+      </p:par>
+    </p:tnLst>
+  </p:timing>
 </p:sld>
 </file>
 
 <file path=ppt/slides/slide8.xml><?xml version="1.0" encoding="utf-8"?>
-<p:sld xmlns:a="http://schemas.openxmlformats.org/drawingml/2006/main" xmlns:r="http://schemas.openxmlformats.org/officeDocument/2006/relationships" xmlns:mc="http://schemas.openxmlformats.org/markup-compatibility/2006" xmlns:mv="urn:schemas-microsoft-com:mac:vml" xmlns:p="http://schemas.openxmlformats.org/presentationml/2006/main" xmlns:c="http://schemas.openxmlformats.org/drawingml/2006/chart" xmlns:dgm="http://schemas.openxmlformats.org/drawingml/2006/diagram" xmlns:o="urn:schemas-microsoft-com:office:office" xmlns:v="urn:schemas-microsoft-com:vml" xmlns:pvml="urn:schemas-microsoft-com:office:powerpoint" xmlns:com="http://schemas.openxmlformats.org/drawingml/2006/compatibility" xmlns:p14="http://schemas.microsoft.com/office/powerpoint/2010/main">
+<p:sld xmlns:a="http://schemas.openxmlformats.org/drawingml/2006/main" xmlns:r="http://schemas.openxmlformats.org/officeDocument/2006/relationships" xmlns:p="http://schemas.openxmlformats.org/presentationml/2006/main">
   <p:cSld>
     <p:spTree>
       <p:nvGrpSpPr>
-        <p:cNvPr id="127" name="Shape 127"/>
+        <p:cNvPr id="1" name="Shape 127"/>
         <p:cNvGrpSpPr/>
         <p:nvPr/>
       </p:nvGrpSpPr>
@@ -9490,7 +10080,9 @@
       <p:sp>
         <p:nvSpPr>
           <p:cNvPr id="128" name="Shape 128"/>
-          <p:cNvSpPr txBox="1"/>
+          <p:cNvSpPr txBox="1">
+            <a:spLocks noGrp="1"/>
+          </p:cNvSpPr>
           <p:nvPr>
             <p:ph type="title"/>
           </p:nvPr>
@@ -9505,7 +10097,7 @@
           </a:prstGeom>
         </p:spPr>
         <p:txBody>
-          <a:bodyPr anchorCtr="0" anchor="t" bIns="91425" lIns="91425" rIns="91425" tIns="91425">
+          <a:bodyPr lIns="91425" tIns="91425" rIns="91425" bIns="91425" anchor="t" anchorCtr="0">
             <a:noAutofit/>
           </a:bodyPr>
           <a:lstStyle/>
@@ -9533,7 +10125,7 @@
           <a:blip r:embed="rId3">
             <a:alphaModFix/>
           </a:blip>
-          <a:srcRect b="999" l="0" r="0" t="999"/>
+          <a:srcRect t="999" b="999"/>
           <a:stretch/>
         </p:blipFill>
         <p:spPr>
@@ -9583,15 +10175,22 @@
   <p:clrMapOvr>
     <a:masterClrMapping/>
   </p:clrMapOvr>
+  <p:timing>
+    <p:tnLst>
+      <p:par>
+        <p:cTn xmlns:p14="http://schemas.microsoft.com/office/powerpoint/2010/main" id="1" dur="indefinite" restart="never" nodeType="tmRoot"/>
+      </p:par>
+    </p:tnLst>
+  </p:timing>
 </p:sld>
 </file>
 
 <file path=ppt/slides/slide9.xml><?xml version="1.0" encoding="utf-8"?>
-<p:sld xmlns:a="http://schemas.openxmlformats.org/drawingml/2006/main" xmlns:r="http://schemas.openxmlformats.org/officeDocument/2006/relationships" xmlns:mc="http://schemas.openxmlformats.org/markup-compatibility/2006" xmlns:mv="urn:schemas-microsoft-com:mac:vml" xmlns:p="http://schemas.openxmlformats.org/presentationml/2006/main" xmlns:c="http://schemas.openxmlformats.org/drawingml/2006/chart" xmlns:dgm="http://schemas.openxmlformats.org/drawingml/2006/diagram" xmlns:o="urn:schemas-microsoft-com:office:office" xmlns:v="urn:schemas-microsoft-com:vml" xmlns:pvml="urn:schemas-microsoft-com:office:powerpoint" xmlns:com="http://schemas.openxmlformats.org/drawingml/2006/compatibility" xmlns:p14="http://schemas.microsoft.com/office/powerpoint/2010/main">
+<p:sld xmlns:a="http://schemas.openxmlformats.org/drawingml/2006/main" xmlns:r="http://schemas.openxmlformats.org/officeDocument/2006/relationships" xmlns:p="http://schemas.openxmlformats.org/presentationml/2006/main">
   <p:cSld>
     <p:spTree>
       <p:nvGrpSpPr>
-        <p:cNvPr id="134" name="Shape 134"/>
+        <p:cNvPr id="1" name="Shape 134"/>
         <p:cNvGrpSpPr/>
         <p:nvPr/>
       </p:nvGrpSpPr>
@@ -9606,7 +10205,9 @@
       <p:sp>
         <p:nvSpPr>
           <p:cNvPr id="135" name="Shape 135"/>
-          <p:cNvSpPr txBox="1"/>
+          <p:cNvSpPr txBox="1">
+            <a:spLocks noGrp="1"/>
+          </p:cNvSpPr>
           <p:nvPr>
             <p:ph type="title"/>
           </p:nvPr>
@@ -9621,7 +10222,7 @@
           </a:prstGeom>
         </p:spPr>
         <p:txBody>
-          <a:bodyPr anchorCtr="0" anchor="t" bIns="91425" lIns="91425" rIns="91425" tIns="91425">
+          <a:bodyPr lIns="91425" tIns="91425" rIns="91425" bIns="91425" anchor="t" anchorCtr="0">
             <a:noAutofit/>
           </a:bodyPr>
           <a:lstStyle/>
@@ -9641,7 +10242,7 @@
       </p:sp>
       <p:pic>
         <p:nvPicPr>
-          <p:cNvPr descr="myGif7books.gif" id="136" name="Shape 136"/>
+          <p:cNvPr id="136" name="Shape 136" descr="myGif7books.gif"/>
           <p:cNvPicPr preferRelativeResize="0"/>
           <p:nvPr/>
         </p:nvPicPr>
@@ -9672,11 +10273,18 @@
   <p:clrMapOvr>
     <a:masterClrMapping/>
   </p:clrMapOvr>
+  <p:timing>
+    <p:tnLst>
+      <p:par>
+        <p:cTn xmlns:p14="http://schemas.microsoft.com/office/powerpoint/2010/main" id="1" dur="indefinite" restart="never" nodeType="tmRoot"/>
+      </p:par>
+    </p:tnLst>
+  </p:timing>
 </p:sld>
 </file>
 
 <file path=ppt/theme/theme1.xml><?xml version="1.0" encoding="utf-8"?>
-<a:theme xmlns:a="http://schemas.openxmlformats.org/drawingml/2006/main" xmlns:r="http://schemas.openxmlformats.org/officeDocument/2006/relationships" name="geometric">
+<a:theme xmlns:a="http://schemas.openxmlformats.org/drawingml/2006/main" name="geometric">
   <a:themeElements>
     <a:clrScheme name="Geometric">
       <a:dk1>
@@ -9951,11 +10559,13 @@
       </a:bgFillStyleLst>
     </a:fmtScheme>
   </a:themeElements>
+  <a:objectDefaults/>
+  <a:extraClrSchemeLst/>
 </a:theme>
 </file>
 
 <file path=ppt/theme/theme2.xml><?xml version="1.0" encoding="utf-8"?>
-<a:theme xmlns:a="http://schemas.openxmlformats.org/drawingml/2006/main" xmlns:r="http://schemas.openxmlformats.org/officeDocument/2006/relationships" name="Custom Theme">
+<a:theme xmlns:a="http://schemas.openxmlformats.org/drawingml/2006/main" name="Custom Theme">
   <a:themeElements>
     <a:clrScheme name="Default">
       <a:dk1>
@@ -10230,5 +10840,7 @@
       </a:bgFillStyleLst>
     </a:fmtScheme>
   </a:themeElements>
+  <a:objectDefaults/>
+  <a:extraClrSchemeLst/>
 </a:theme>
 </file>